--- a/docs/manuals/images.pptx
+++ b/docs/manuals/images.pptx
@@ -5,38 +5,39 @@
     <p:sldMasterId id="2147483648" r:id="rId1"/>
   </p:sldMasterIdLst>
   <p:notesMasterIdLst>
-    <p:notesMasterId r:id="rId28"/>
+    <p:notesMasterId r:id="rId29"/>
   </p:notesMasterIdLst>
   <p:handoutMasterIdLst>
-    <p:handoutMasterId r:id="rId29"/>
+    <p:handoutMasterId r:id="rId30"/>
   </p:handoutMasterIdLst>
   <p:sldIdLst>
     <p:sldId id="320" r:id="rId2"/>
-    <p:sldId id="358" r:id="rId3"/>
-    <p:sldId id="356" r:id="rId4"/>
-    <p:sldId id="332" r:id="rId5"/>
-    <p:sldId id="355" r:id="rId6"/>
-    <p:sldId id="288" r:id="rId7"/>
-    <p:sldId id="289" r:id="rId8"/>
-    <p:sldId id="290" r:id="rId9"/>
-    <p:sldId id="291" r:id="rId10"/>
-    <p:sldId id="292" r:id="rId11"/>
-    <p:sldId id="304" r:id="rId12"/>
-    <p:sldId id="305" r:id="rId13"/>
-    <p:sldId id="349" r:id="rId14"/>
-    <p:sldId id="339" r:id="rId15"/>
-    <p:sldId id="340" r:id="rId16"/>
-    <p:sldId id="341" r:id="rId17"/>
-    <p:sldId id="342" r:id="rId18"/>
-    <p:sldId id="350" r:id="rId19"/>
-    <p:sldId id="343" r:id="rId20"/>
-    <p:sldId id="352" r:id="rId21"/>
-    <p:sldId id="351" r:id="rId22"/>
-    <p:sldId id="345" r:id="rId23"/>
-    <p:sldId id="353" r:id="rId24"/>
-    <p:sldId id="328" r:id="rId25"/>
-    <p:sldId id="329" r:id="rId26"/>
-    <p:sldId id="330" r:id="rId27"/>
+    <p:sldId id="359" r:id="rId3"/>
+    <p:sldId id="358" r:id="rId4"/>
+    <p:sldId id="356" r:id="rId5"/>
+    <p:sldId id="332" r:id="rId6"/>
+    <p:sldId id="355" r:id="rId7"/>
+    <p:sldId id="288" r:id="rId8"/>
+    <p:sldId id="289" r:id="rId9"/>
+    <p:sldId id="290" r:id="rId10"/>
+    <p:sldId id="291" r:id="rId11"/>
+    <p:sldId id="292" r:id="rId12"/>
+    <p:sldId id="304" r:id="rId13"/>
+    <p:sldId id="305" r:id="rId14"/>
+    <p:sldId id="349" r:id="rId15"/>
+    <p:sldId id="339" r:id="rId16"/>
+    <p:sldId id="340" r:id="rId17"/>
+    <p:sldId id="341" r:id="rId18"/>
+    <p:sldId id="342" r:id="rId19"/>
+    <p:sldId id="350" r:id="rId20"/>
+    <p:sldId id="343" r:id="rId21"/>
+    <p:sldId id="352" r:id="rId22"/>
+    <p:sldId id="351" r:id="rId23"/>
+    <p:sldId id="345" r:id="rId24"/>
+    <p:sldId id="353" r:id="rId25"/>
+    <p:sldId id="328" r:id="rId26"/>
+    <p:sldId id="329" r:id="rId27"/>
+    <p:sldId id="330" r:id="rId28"/>
   </p:sldIdLst>
   <p:sldSz cx="9144000" cy="6858000" type="screen4x3"/>
   <p:notesSz cx="6797675" cy="9926638"/>
@@ -221,7 +222,7 @@
             <a:fld id="{BA9E436C-BB19-4F88-9436-EB05319B8FA4}" type="datetimeFigureOut">
               <a:rPr lang="en-GB" smtClean="0"/>
               <a:pPr/>
-              <a:t>20/01/2016</a:t>
+              <a:t>25/01/2016</a:t>
             </a:fld>
             <a:endParaRPr lang="en-GB"/>
           </a:p>
@@ -297,7 +298,7 @@
     </p:spTree>
     <p:extLst>
       <p:ext uri="{BB962C8B-B14F-4D97-AF65-F5344CB8AC3E}">
-        <p14:creationId xmlns="" xmlns:p14="http://schemas.microsoft.com/office/powerpoint/2010/main" val="32129286"/>
+        <p14:creationId xmlns:p14="http://schemas.microsoft.com/office/powerpoint/2010/main" xmlns="" val="32129286"/>
       </p:ext>
     </p:extLst>
   </p:cSld>
@@ -388,7 +389,7 @@
             <a:fld id="{2D0A7E2A-E17C-47F1-956D-203F3246E7A2}" type="datetimeFigureOut">
               <a:rPr lang="en-GB" smtClean="0"/>
               <a:pPr/>
-              <a:t>20/01/2016</a:t>
+              <a:t>25/01/2016</a:t>
             </a:fld>
             <a:endParaRPr lang="en-GB"/>
           </a:p>
@@ -557,7 +558,7 @@
     </p:spTree>
     <p:extLst>
       <p:ext uri="{BB962C8B-B14F-4D97-AF65-F5344CB8AC3E}">
-        <p14:creationId xmlns="" xmlns:p14="http://schemas.microsoft.com/office/powerpoint/2010/main" val="1915783411"/>
+        <p14:creationId xmlns:p14="http://schemas.microsoft.com/office/powerpoint/2010/main" xmlns="" val="1915783411"/>
       </p:ext>
     </p:extLst>
   </p:cSld>
@@ -888,7 +889,7 @@
           <a:blip r:embed="rId2" cstate="print">
             <a:extLst>
               <a:ext uri="{28A0092B-C50C-407E-A947-70E740481C1C}">
-                <a14:useLocalDpi xmlns="" xmlns:a14="http://schemas.microsoft.com/office/drawing/2010/main" val="0"/>
+                <a14:useLocalDpi xmlns:a14="http://schemas.microsoft.com/office/drawing/2010/main" xmlns="" val="0"/>
               </a:ext>
             </a:extLst>
           </a:blip>
@@ -909,7 +910,7 @@
           </a:ln>
           <a:extLst>
             <a:ext uri="{53640926-AAD7-44D8-BBD7-CCE9431645EC}">
-              <a14:shadowObscured xmlns="" xmlns:a14="http://schemas.microsoft.com/office/drawing/2010/main"/>
+              <a14:shadowObscured xmlns:a14="http://schemas.microsoft.com/office/drawing/2010/main" xmlns=""/>
             </a:ext>
           </a:extLst>
         </p:spPr>
@@ -963,7 +964,7 @@
     </p:spTree>
     <p:extLst>
       <p:ext uri="{BB962C8B-B14F-4D97-AF65-F5344CB8AC3E}">
-        <p14:creationId xmlns="" xmlns:p14="http://schemas.microsoft.com/office/powerpoint/2010/main" val="2278473711"/>
+        <p14:creationId xmlns:p14="http://schemas.microsoft.com/office/powerpoint/2010/main" xmlns="" val="2278473711"/>
       </p:ext>
     </p:extLst>
   </p:cSld>
@@ -1113,7 +1114,7 @@
     </p:spTree>
     <p:extLst>
       <p:ext uri="{BB962C8B-B14F-4D97-AF65-F5344CB8AC3E}">
-        <p14:creationId xmlns="" xmlns:p14="http://schemas.microsoft.com/office/powerpoint/2010/main" val="2965552893"/>
+        <p14:creationId xmlns:p14="http://schemas.microsoft.com/office/powerpoint/2010/main" xmlns="" val="2965552893"/>
       </p:ext>
     </p:extLst>
   </p:cSld>
@@ -1359,7 +1360,7 @@
     </p:spTree>
     <p:extLst>
       <p:ext uri="{BB962C8B-B14F-4D97-AF65-F5344CB8AC3E}">
-        <p14:creationId xmlns="" xmlns:p14="http://schemas.microsoft.com/office/powerpoint/2010/main" val="2090996254"/>
+        <p14:creationId xmlns:p14="http://schemas.microsoft.com/office/powerpoint/2010/main" xmlns="" val="2090996254"/>
       </p:ext>
     </p:extLst>
   </p:cSld>
@@ -1651,7 +1652,7 @@
     </p:spTree>
     <p:extLst>
       <p:ext uri="{BB962C8B-B14F-4D97-AF65-F5344CB8AC3E}">
-        <p14:creationId xmlns="" xmlns:p14="http://schemas.microsoft.com/office/powerpoint/2010/main" val="3022554299"/>
+        <p14:creationId xmlns:p14="http://schemas.microsoft.com/office/powerpoint/2010/main" xmlns="" val="3022554299"/>
       </p:ext>
     </p:extLst>
   </p:cSld>
@@ -2045,7 +2046,7 @@
     </p:spTree>
     <p:extLst>
       <p:ext uri="{BB962C8B-B14F-4D97-AF65-F5344CB8AC3E}">
-        <p14:creationId xmlns="" xmlns:p14="http://schemas.microsoft.com/office/powerpoint/2010/main" val="4279857779"/>
+        <p14:creationId xmlns:p14="http://schemas.microsoft.com/office/powerpoint/2010/main" xmlns="" val="4279857779"/>
       </p:ext>
     </p:extLst>
   </p:cSld>
@@ -2147,7 +2148,7 @@
     </p:spTree>
     <p:extLst>
       <p:ext uri="{BB962C8B-B14F-4D97-AF65-F5344CB8AC3E}">
-        <p14:creationId xmlns="" xmlns:p14="http://schemas.microsoft.com/office/powerpoint/2010/main" val="3107882486"/>
+        <p14:creationId xmlns:p14="http://schemas.microsoft.com/office/powerpoint/2010/main" xmlns="" val="3107882486"/>
       </p:ext>
     </p:extLst>
   </p:cSld>
@@ -2403,7 +2404,7 @@
     </p:spTree>
     <p:extLst>
       <p:ext uri="{BB962C8B-B14F-4D97-AF65-F5344CB8AC3E}">
-        <p14:creationId xmlns="" xmlns:p14="http://schemas.microsoft.com/office/powerpoint/2010/main" val="70383756"/>
+        <p14:creationId xmlns:p14="http://schemas.microsoft.com/office/powerpoint/2010/main" xmlns="" val="70383756"/>
       </p:ext>
     </p:extLst>
   </p:cSld>
@@ -2654,7 +2655,7 @@
     </p:spTree>
     <p:extLst>
       <p:ext uri="{BB962C8B-B14F-4D97-AF65-F5344CB8AC3E}">
-        <p14:creationId xmlns="" xmlns:p14="http://schemas.microsoft.com/office/powerpoint/2010/main" val="1418226134"/>
+        <p14:creationId xmlns:p14="http://schemas.microsoft.com/office/powerpoint/2010/main" xmlns="" val="1418226134"/>
       </p:ext>
     </p:extLst>
   </p:cSld>
@@ -2844,7 +2845,7 @@
           <a:blip r:embed="rId10" cstate="print">
             <a:extLst>
               <a:ext uri="{28A0092B-C50C-407E-A947-70E740481C1C}">
-                <a14:useLocalDpi xmlns="" xmlns:a14="http://schemas.microsoft.com/office/drawing/2010/main" val="0"/>
+                <a14:useLocalDpi xmlns:a14="http://schemas.microsoft.com/office/drawing/2010/main" xmlns="" val="0"/>
               </a:ext>
             </a:extLst>
           </a:blip>
@@ -2865,7 +2866,7 @@
           </a:ln>
           <a:extLst>
             <a:ext uri="{53640926-AAD7-44D8-BBD7-CCE9431645EC}">
-              <a14:shadowObscured xmlns="" xmlns:a14="http://schemas.microsoft.com/office/drawing/2010/main"/>
+              <a14:shadowObscured xmlns:a14="http://schemas.microsoft.com/office/drawing/2010/main" xmlns=""/>
             </a:ext>
           </a:extLst>
         </p:spPr>
@@ -3006,7 +3007,7 @@
           <a:blip r:embed="rId11" cstate="print">
             <a:extLst>
               <a:ext uri="{28A0092B-C50C-407E-A947-70E740481C1C}">
-                <a14:useLocalDpi xmlns="" xmlns:a14="http://schemas.microsoft.com/office/drawing/2010/main" val="0"/>
+                <a14:useLocalDpi xmlns:a14="http://schemas.microsoft.com/office/drawing/2010/main" xmlns="" val="0"/>
               </a:ext>
             </a:extLst>
           </a:blip>
@@ -3026,7 +3027,7 @@
           <a:noFill/>
           <a:extLst>
             <a:ext uri="{909E8E84-426E-40DD-AFC4-6F175D3DCCD1}">
-              <a14:hiddenFill xmlns="" xmlns:a14="http://schemas.microsoft.com/office/drawing/2010/main">
+              <a14:hiddenFill xmlns:a14="http://schemas.microsoft.com/office/drawing/2010/main" xmlns="">
                 <a:solidFill>
                   <a:srgbClr val="FFFFFF"/>
                 </a:solidFill>
@@ -3075,7 +3076,7 @@
     </p:spTree>
     <p:extLst>
       <p:ext uri="{BB962C8B-B14F-4D97-AF65-F5344CB8AC3E}">
-        <p14:creationId xmlns="" xmlns:p14="http://schemas.microsoft.com/office/powerpoint/2010/main" val="4064155826"/>
+        <p14:creationId xmlns:p14="http://schemas.microsoft.com/office/powerpoint/2010/main" xmlns="" val="4064155826"/>
       </p:ext>
     </p:extLst>
   </p:cSld>
@@ -3371,6 +3372,378 @@
           <a:chExt cx="0" cy="0"/>
         </a:xfrm>
       </p:grpSpPr>
+      <p:grpSp>
+        <p:nvGrpSpPr>
+          <p:cNvPr id="43" name="Group 42"/>
+          <p:cNvGrpSpPr/>
+          <p:nvPr/>
+        </p:nvGrpSpPr>
+        <p:grpSpPr>
+          <a:xfrm>
+            <a:off x="1210344" y="3041816"/>
+            <a:ext cx="1996238" cy="1574299"/>
+            <a:chOff x="5184776" y="1060617"/>
+            <a:chExt cx="1996238" cy="1574299"/>
+          </a:xfrm>
+        </p:grpSpPr>
+        <p:grpSp>
+          <p:nvGrpSpPr>
+            <p:cNvPr id="44" name="Group 39"/>
+            <p:cNvGrpSpPr/>
+            <p:nvPr/>
+          </p:nvGrpSpPr>
+          <p:grpSpPr>
+            <a:xfrm>
+              <a:off x="5184776" y="1060617"/>
+              <a:ext cx="1996238" cy="1165225"/>
+              <a:chOff x="5184776" y="1060617"/>
+              <a:chExt cx="1996238" cy="1165225"/>
+            </a:xfrm>
+          </p:grpSpPr>
+          <p:pic>
+            <p:nvPicPr>
+              <p:cNvPr id="48" name="Picture 19" descr="http://t09.deviantart.net/zXGPpzFCPvQH1DqYe845fWFOCb8=/300x200/filters:fixed_height(100,100):origin()/pre05/ee86/th/pre/f/2015/120/9/f/microsoft_edge_by_dtafalonso-d8rp9di.png"/>
+              <p:cNvPicPr>
+                <a:picLocks noChangeAspect="1" noChangeArrowheads="1"/>
+              </p:cNvPicPr>
+              <p:nvPr/>
+            </p:nvPicPr>
+            <p:blipFill>
+              <a:blip r:embed="rId2" cstate="print"/>
+              <a:srcRect/>
+              <a:stretch>
+                <a:fillRect/>
+              </a:stretch>
+            </p:blipFill>
+            <p:spPr bwMode="auto">
+              <a:xfrm>
+                <a:off x="5629945" y="1118937"/>
+                <a:ext cx="554287" cy="554287"/>
+              </a:xfrm>
+              <a:prstGeom prst="rect">
+                <a:avLst/>
+              </a:prstGeom>
+              <a:noFill/>
+            </p:spPr>
+          </p:pic>
+          <p:pic>
+            <p:nvPicPr>
+              <p:cNvPr id="49" name="Picture 23" descr="http://icons.iconarchive.com/icons/iconshock/real-vista-mobile/128/android-platform-icon.png"/>
+              <p:cNvPicPr>
+                <a:picLocks noChangeAspect="1" noChangeArrowheads="1"/>
+              </p:cNvPicPr>
+              <p:nvPr/>
+            </p:nvPicPr>
+            <p:blipFill>
+              <a:blip r:embed="rId3" cstate="print"/>
+              <a:srcRect/>
+              <a:stretch>
+                <a:fillRect/>
+              </a:stretch>
+            </p:blipFill>
+            <p:spPr bwMode="auto">
+              <a:xfrm>
+                <a:off x="5184776" y="1345613"/>
+                <a:ext cx="675690" cy="675691"/>
+              </a:xfrm>
+              <a:prstGeom prst="rect">
+                <a:avLst/>
+              </a:prstGeom>
+              <a:noFill/>
+            </p:spPr>
+          </p:pic>
+          <p:pic>
+            <p:nvPicPr>
+              <p:cNvPr id="50" name="Picture 25" descr="http://thebigboss.org/wp-content/uploads/2014/ios_logo.png"/>
+              <p:cNvPicPr>
+                <a:picLocks noChangeAspect="1" noChangeArrowheads="1"/>
+              </p:cNvPicPr>
+              <p:nvPr/>
+            </p:nvPicPr>
+            <p:blipFill>
+              <a:blip r:embed="rId4" cstate="print"/>
+              <a:srcRect/>
+              <a:stretch>
+                <a:fillRect/>
+              </a:stretch>
+            </p:blipFill>
+            <p:spPr bwMode="auto">
+              <a:xfrm>
+                <a:off x="6015789" y="1060617"/>
+                <a:ext cx="1165225" cy="1165225"/>
+              </a:xfrm>
+              <a:prstGeom prst="rect">
+                <a:avLst/>
+              </a:prstGeom>
+              <a:noFill/>
+            </p:spPr>
+          </p:pic>
+          <p:pic>
+            <p:nvPicPr>
+              <p:cNvPr id="51" name="Picture 17" descr="http://icons.iconarchive.com/icons/morcha/browsers/128/Firefox-icon.png"/>
+              <p:cNvPicPr>
+                <a:picLocks noChangeAspect="1" noChangeArrowheads="1"/>
+              </p:cNvPicPr>
+              <p:nvPr/>
+            </p:nvPicPr>
+            <p:blipFill>
+              <a:blip r:embed="rId5" cstate="print"/>
+              <a:srcRect/>
+              <a:stretch>
+                <a:fillRect/>
+              </a:stretch>
+            </p:blipFill>
+            <p:spPr bwMode="auto">
+              <a:xfrm>
+                <a:off x="5557753" y="1405773"/>
+                <a:ext cx="555374" cy="555375"/>
+              </a:xfrm>
+              <a:prstGeom prst="rect">
+                <a:avLst/>
+              </a:prstGeom>
+              <a:noFill/>
+            </p:spPr>
+          </p:pic>
+          <p:pic>
+            <p:nvPicPr>
+              <p:cNvPr id="52" name="Picture 8" descr="http://www.wildspiritwolfsanctuary.org/images/button/chrome.png"/>
+              <p:cNvPicPr>
+                <a:picLocks noChangeAspect="1" noChangeArrowheads="1"/>
+              </p:cNvPicPr>
+              <p:nvPr/>
+            </p:nvPicPr>
+            <p:blipFill>
+              <a:blip r:embed="rId6" cstate="print"/>
+              <a:srcRect/>
+              <a:stretch>
+                <a:fillRect/>
+              </a:stretch>
+            </p:blipFill>
+            <p:spPr bwMode="auto">
+              <a:xfrm>
+                <a:off x="5834481" y="1393741"/>
+                <a:ext cx="590382" cy="590383"/>
+              </a:xfrm>
+              <a:prstGeom prst="rect">
+                <a:avLst/>
+              </a:prstGeom>
+              <a:noFill/>
+            </p:spPr>
+          </p:pic>
+        </p:grpSp>
+        <p:pic>
+          <p:nvPicPr>
+            <p:cNvPr id="47" name="Picture 21" descr="https://global.download.synology.com/download/pkg_img/Node.js/0.12.4-0110/thumb_256.png"/>
+            <p:cNvPicPr>
+              <a:picLocks noChangeAspect="1" noChangeArrowheads="1"/>
+            </p:cNvPicPr>
+            <p:nvPr/>
+          </p:nvPicPr>
+          <p:blipFill>
+            <a:blip r:embed="rId7" cstate="print"/>
+            <a:srcRect/>
+            <a:stretch>
+              <a:fillRect/>
+            </a:stretch>
+          </p:blipFill>
+          <p:spPr bwMode="auto">
+            <a:xfrm>
+              <a:off x="5413375" y="1301249"/>
+              <a:ext cx="1333667" cy="1333667"/>
+            </a:xfrm>
+            <a:prstGeom prst="rect">
+              <a:avLst/>
+            </a:prstGeom>
+            <a:noFill/>
+          </p:spPr>
+        </p:pic>
+      </p:grpSp>
+      <p:grpSp>
+        <p:nvGrpSpPr>
+          <p:cNvPr id="42" name="Group 41"/>
+          <p:cNvGrpSpPr/>
+          <p:nvPr/>
+        </p:nvGrpSpPr>
+        <p:grpSpPr>
+          <a:xfrm>
+            <a:off x="6087145" y="2360028"/>
+            <a:ext cx="1996238" cy="1574299"/>
+            <a:chOff x="5184776" y="1060617"/>
+            <a:chExt cx="1996238" cy="1574299"/>
+          </a:xfrm>
+        </p:grpSpPr>
+        <p:grpSp>
+          <p:nvGrpSpPr>
+            <p:cNvPr id="40" name="Group 39"/>
+            <p:cNvGrpSpPr/>
+            <p:nvPr/>
+          </p:nvGrpSpPr>
+          <p:grpSpPr>
+            <a:xfrm>
+              <a:off x="5184776" y="1060617"/>
+              <a:ext cx="1996238" cy="1165225"/>
+              <a:chOff x="5184776" y="1060617"/>
+              <a:chExt cx="1996238" cy="1165225"/>
+            </a:xfrm>
+          </p:grpSpPr>
+          <p:pic>
+            <p:nvPicPr>
+              <p:cNvPr id="27667" name="Picture 19" descr="http://t09.deviantart.net/zXGPpzFCPvQH1DqYe845fWFOCb8=/300x200/filters:fixed_height(100,100):origin()/pre05/ee86/th/pre/f/2015/120/9/f/microsoft_edge_by_dtafalonso-d8rp9di.png"/>
+              <p:cNvPicPr>
+                <a:picLocks noChangeAspect="1" noChangeArrowheads="1"/>
+              </p:cNvPicPr>
+              <p:nvPr/>
+            </p:nvPicPr>
+            <p:blipFill>
+              <a:blip r:embed="rId2" cstate="print"/>
+              <a:srcRect/>
+              <a:stretch>
+                <a:fillRect/>
+              </a:stretch>
+            </p:blipFill>
+            <p:spPr bwMode="auto">
+              <a:xfrm>
+                <a:off x="5629945" y="1118937"/>
+                <a:ext cx="554287" cy="554287"/>
+              </a:xfrm>
+              <a:prstGeom prst="rect">
+                <a:avLst/>
+              </a:prstGeom>
+              <a:noFill/>
+            </p:spPr>
+          </p:pic>
+          <p:pic>
+            <p:nvPicPr>
+              <p:cNvPr id="27671" name="Picture 23" descr="http://icons.iconarchive.com/icons/iconshock/real-vista-mobile/128/android-platform-icon.png"/>
+              <p:cNvPicPr>
+                <a:picLocks noChangeAspect="1" noChangeArrowheads="1"/>
+              </p:cNvPicPr>
+              <p:nvPr/>
+            </p:nvPicPr>
+            <p:blipFill>
+              <a:blip r:embed="rId3" cstate="print"/>
+              <a:srcRect/>
+              <a:stretch>
+                <a:fillRect/>
+              </a:stretch>
+            </p:blipFill>
+            <p:spPr bwMode="auto">
+              <a:xfrm>
+                <a:off x="5184776" y="1345613"/>
+                <a:ext cx="675690" cy="675691"/>
+              </a:xfrm>
+              <a:prstGeom prst="rect">
+                <a:avLst/>
+              </a:prstGeom>
+              <a:noFill/>
+            </p:spPr>
+          </p:pic>
+          <p:pic>
+            <p:nvPicPr>
+              <p:cNvPr id="27673" name="Picture 25" descr="http://thebigboss.org/wp-content/uploads/2014/ios_logo.png"/>
+              <p:cNvPicPr>
+                <a:picLocks noChangeAspect="1" noChangeArrowheads="1"/>
+              </p:cNvPicPr>
+              <p:nvPr/>
+            </p:nvPicPr>
+            <p:blipFill>
+              <a:blip r:embed="rId4" cstate="print"/>
+              <a:srcRect/>
+              <a:stretch>
+                <a:fillRect/>
+              </a:stretch>
+            </p:blipFill>
+            <p:spPr bwMode="auto">
+              <a:xfrm>
+                <a:off x="6015789" y="1060617"/>
+                <a:ext cx="1165225" cy="1165225"/>
+              </a:xfrm>
+              <a:prstGeom prst="rect">
+                <a:avLst/>
+              </a:prstGeom>
+              <a:noFill/>
+            </p:spPr>
+          </p:pic>
+          <p:pic>
+            <p:nvPicPr>
+              <p:cNvPr id="27665" name="Picture 17" descr="http://icons.iconarchive.com/icons/morcha/browsers/128/Firefox-icon.png"/>
+              <p:cNvPicPr>
+                <a:picLocks noChangeAspect="1" noChangeArrowheads="1"/>
+              </p:cNvPicPr>
+              <p:nvPr/>
+            </p:nvPicPr>
+            <p:blipFill>
+              <a:blip r:embed="rId5" cstate="print"/>
+              <a:srcRect/>
+              <a:stretch>
+                <a:fillRect/>
+              </a:stretch>
+            </p:blipFill>
+            <p:spPr bwMode="auto">
+              <a:xfrm>
+                <a:off x="5557753" y="1405773"/>
+                <a:ext cx="555374" cy="555375"/>
+              </a:xfrm>
+              <a:prstGeom prst="rect">
+                <a:avLst/>
+              </a:prstGeom>
+              <a:noFill/>
+            </p:spPr>
+          </p:pic>
+          <p:pic>
+            <p:nvPicPr>
+              <p:cNvPr id="27656" name="Picture 8" descr="http://www.wildspiritwolfsanctuary.org/images/button/chrome.png"/>
+              <p:cNvPicPr>
+                <a:picLocks noChangeAspect="1" noChangeArrowheads="1"/>
+              </p:cNvPicPr>
+              <p:nvPr/>
+            </p:nvPicPr>
+            <p:blipFill>
+              <a:blip r:embed="rId6" cstate="print"/>
+              <a:srcRect/>
+              <a:stretch>
+                <a:fillRect/>
+              </a:stretch>
+            </p:blipFill>
+            <p:spPr bwMode="auto">
+              <a:xfrm>
+                <a:off x="5834481" y="1393741"/>
+                <a:ext cx="590382" cy="590383"/>
+              </a:xfrm>
+              <a:prstGeom prst="rect">
+                <a:avLst/>
+              </a:prstGeom>
+              <a:noFill/>
+            </p:spPr>
+          </p:pic>
+        </p:grpSp>
+        <p:pic>
+          <p:nvPicPr>
+            <p:cNvPr id="27669" name="Picture 21" descr="https://global.download.synology.com/download/pkg_img/Node.js/0.12.4-0110/thumb_256.png"/>
+            <p:cNvPicPr>
+              <a:picLocks noChangeAspect="1" noChangeArrowheads="1"/>
+            </p:cNvPicPr>
+            <p:nvPr/>
+          </p:nvPicPr>
+          <p:blipFill>
+            <a:blip r:embed="rId7" cstate="print"/>
+            <a:srcRect/>
+            <a:stretch>
+              <a:fillRect/>
+            </a:stretch>
+          </p:blipFill>
+          <p:spPr bwMode="auto">
+            <a:xfrm>
+              <a:off x="5413375" y="1301249"/>
+              <a:ext cx="1333667" cy="1333667"/>
+            </a:xfrm>
+            <a:prstGeom prst="rect">
+              <a:avLst/>
+            </a:prstGeom>
+            <a:noFill/>
+          </p:spPr>
+        </p:pic>
+      </p:grpSp>
       <p:sp>
         <p:nvSpPr>
           <p:cNvPr id="29" name="Cloud Callout 28"/>
@@ -3447,7 +3820,7 @@
           <p:nvPr/>
         </p:nvPicPr>
         <p:blipFill>
-          <a:blip r:embed="rId2" cstate="print"/>
+          <a:blip r:embed="rId8" cstate="print"/>
           <a:srcRect/>
           <a:stretch>
             <a:fillRect/>
@@ -4080,32 +4453,6 @@
           </a:p>
         </p:txBody>
       </p:sp>
-      <p:pic>
-        <p:nvPicPr>
-          <p:cNvPr id="15" name="Picture 6" descr="C:\Users\4023742\Downloads\media-774068_640.png"/>
-          <p:cNvPicPr>
-            <a:picLocks noChangeAspect="1" noChangeArrowheads="1"/>
-          </p:cNvPicPr>
-          <p:nvPr/>
-        </p:nvPicPr>
-        <p:blipFill>
-          <a:blip r:embed="rId2" cstate="print"/>
-          <a:srcRect/>
-          <a:stretch>
-            <a:fillRect/>
-          </a:stretch>
-        </p:blipFill>
-        <p:spPr bwMode="auto">
-          <a:xfrm rot="549459">
-            <a:off x="1528179" y="3304204"/>
-            <a:ext cx="975360" cy="914400"/>
-          </a:xfrm>
-          <a:prstGeom prst="rect">
-            <a:avLst/>
-          </a:prstGeom>
-          <a:noFill/>
-        </p:spPr>
-      </p:pic>
       <p:sp>
         <p:nvSpPr>
           <p:cNvPr id="16" name="Oval 15"/>
@@ -4182,9 +4529,7 @@
       <p:cxnSp>
         <p:nvCxnSpPr>
           <p:cNvPr id="17" name="Straight Arrow Connector 16"/>
-          <p:cNvCxnSpPr>
-            <a:endCxn id="15" idx="2"/>
-          </p:cNvCxnSpPr>
+          <p:cNvCxnSpPr/>
           <p:nvPr/>
         </p:nvCxnSpPr>
         <p:spPr>
@@ -4430,6 +4775,186 @@
           </a:fontRef>
         </p:style>
       </p:cxnSp>
+      <p:sp>
+        <p:nvSpPr>
+          <p:cNvPr id="27650" name="AutoShape 2" descr="Resultado de imagem para google chrome icon"/>
+          <p:cNvSpPr>
+            <a:spLocks noChangeAspect="1" noChangeArrowheads="1"/>
+          </p:cNvSpPr>
+          <p:nvPr/>
+        </p:nvSpPr>
+        <p:spPr bwMode="auto">
+          <a:xfrm>
+            <a:off x="155575" y="-144463"/>
+            <a:ext cx="304800" cy="304801"/>
+          </a:xfrm>
+          <a:prstGeom prst="rect">
+            <a:avLst/>
+          </a:prstGeom>
+          <a:noFill/>
+        </p:spPr>
+        <p:txBody>
+          <a:bodyPr vert="horz" wrap="square" lIns="91440" tIns="45720" rIns="91440" bIns="45720" numCol="1" anchor="t" anchorCtr="0" compatLnSpc="1">
+            <a:prstTxWarp prst="textNoShape">
+              <a:avLst/>
+            </a:prstTxWarp>
+          </a:bodyPr>
+          <a:lstStyle/>
+          <a:p>
+            <a:endParaRPr lang="en-US"/>
+          </a:p>
+        </p:txBody>
+      </p:sp>
+      <p:sp>
+        <p:nvSpPr>
+          <p:cNvPr id="27652" name="AutoShape 4" descr="Resultado de imagem para google chrome icon"/>
+          <p:cNvSpPr>
+            <a:spLocks noChangeAspect="1" noChangeArrowheads="1"/>
+          </p:cNvSpPr>
+          <p:nvPr/>
+        </p:nvSpPr>
+        <p:spPr bwMode="auto">
+          <a:xfrm>
+            <a:off x="155575" y="-144463"/>
+            <a:ext cx="304800" cy="304801"/>
+          </a:xfrm>
+          <a:prstGeom prst="rect">
+            <a:avLst/>
+          </a:prstGeom>
+          <a:noFill/>
+        </p:spPr>
+        <p:txBody>
+          <a:bodyPr vert="horz" wrap="square" lIns="91440" tIns="45720" rIns="91440" bIns="45720" numCol="1" anchor="t" anchorCtr="0" compatLnSpc="1">
+            <a:prstTxWarp prst="textNoShape">
+              <a:avLst/>
+            </a:prstTxWarp>
+          </a:bodyPr>
+          <a:lstStyle/>
+          <a:p>
+            <a:endParaRPr lang="en-US"/>
+          </a:p>
+        </p:txBody>
+      </p:sp>
+      <p:sp>
+        <p:nvSpPr>
+          <p:cNvPr id="27654" name="AutoShape 6" descr="http://www.iconarchive.com/download/i38830/google/chrome/Google-Chrome.ico"/>
+          <p:cNvSpPr>
+            <a:spLocks noChangeAspect="1" noChangeArrowheads="1"/>
+          </p:cNvSpPr>
+          <p:nvPr/>
+        </p:nvSpPr>
+        <p:spPr bwMode="auto">
+          <a:xfrm>
+            <a:off x="155575" y="-144463"/>
+            <a:ext cx="304800" cy="304801"/>
+          </a:xfrm>
+          <a:prstGeom prst="rect">
+            <a:avLst/>
+          </a:prstGeom>
+          <a:noFill/>
+        </p:spPr>
+        <p:txBody>
+          <a:bodyPr vert="horz" wrap="square" lIns="91440" tIns="45720" rIns="91440" bIns="45720" numCol="1" anchor="t" anchorCtr="0" compatLnSpc="1">
+            <a:prstTxWarp prst="textNoShape">
+              <a:avLst/>
+            </a:prstTxWarp>
+          </a:bodyPr>
+          <a:lstStyle/>
+          <a:p>
+            <a:endParaRPr lang="en-US"/>
+          </a:p>
+        </p:txBody>
+      </p:sp>
+      <p:sp>
+        <p:nvSpPr>
+          <p:cNvPr id="27658" name="AutoShape 10" descr="http://www.iconarchive.com/download/i51115/hopstarter/software/Mozilla-Firefox.ico"/>
+          <p:cNvSpPr>
+            <a:spLocks noChangeAspect="1" noChangeArrowheads="1"/>
+          </p:cNvSpPr>
+          <p:nvPr/>
+        </p:nvSpPr>
+        <p:spPr bwMode="auto">
+          <a:xfrm>
+            <a:off x="155575" y="-144463"/>
+            <a:ext cx="304800" cy="304801"/>
+          </a:xfrm>
+          <a:prstGeom prst="rect">
+            <a:avLst/>
+          </a:prstGeom>
+          <a:noFill/>
+        </p:spPr>
+        <p:txBody>
+          <a:bodyPr vert="horz" wrap="square" lIns="91440" tIns="45720" rIns="91440" bIns="45720" numCol="1" anchor="t" anchorCtr="0" compatLnSpc="1">
+            <a:prstTxWarp prst="textNoShape">
+              <a:avLst/>
+            </a:prstTxWarp>
+          </a:bodyPr>
+          <a:lstStyle/>
+          <a:p>
+            <a:endParaRPr lang="en-US"/>
+          </a:p>
+        </p:txBody>
+      </p:sp>
+      <p:sp>
+        <p:nvSpPr>
+          <p:cNvPr id="27660" name="AutoShape 12" descr="http://www.iconarchive.com/download/i51115/hopstarter/software/Mozilla-Firefox.ico"/>
+          <p:cNvSpPr>
+            <a:spLocks noChangeAspect="1" noChangeArrowheads="1"/>
+          </p:cNvSpPr>
+          <p:nvPr/>
+        </p:nvSpPr>
+        <p:spPr bwMode="auto">
+          <a:xfrm>
+            <a:off x="155575" y="-144463"/>
+            <a:ext cx="304800" cy="304801"/>
+          </a:xfrm>
+          <a:prstGeom prst="rect">
+            <a:avLst/>
+          </a:prstGeom>
+          <a:noFill/>
+        </p:spPr>
+        <p:txBody>
+          <a:bodyPr vert="horz" wrap="square" lIns="91440" tIns="45720" rIns="91440" bIns="45720" numCol="1" anchor="t" anchorCtr="0" compatLnSpc="1">
+            <a:prstTxWarp prst="textNoShape">
+              <a:avLst/>
+            </a:prstTxWarp>
+          </a:bodyPr>
+          <a:lstStyle/>
+          <a:p>
+            <a:endParaRPr lang="en-US"/>
+          </a:p>
+        </p:txBody>
+      </p:sp>
+      <p:sp>
+        <p:nvSpPr>
+          <p:cNvPr id="27662" name="AutoShape 14" descr="http://www.iconarchive.com/download/i51115/hopstarter/software/Mozilla-Firefox.ico"/>
+          <p:cNvSpPr>
+            <a:spLocks noChangeAspect="1" noChangeArrowheads="1"/>
+          </p:cNvSpPr>
+          <p:nvPr/>
+        </p:nvSpPr>
+        <p:spPr bwMode="auto">
+          <a:xfrm>
+            <a:off x="155575" y="-144463"/>
+            <a:ext cx="304800" cy="304801"/>
+          </a:xfrm>
+          <a:prstGeom prst="rect">
+            <a:avLst/>
+          </a:prstGeom>
+          <a:noFill/>
+        </p:spPr>
+        <p:txBody>
+          <a:bodyPr vert="horz" wrap="square" lIns="91440" tIns="45720" rIns="91440" bIns="45720" numCol="1" anchor="t" anchorCtr="0" compatLnSpc="1">
+            <a:prstTxWarp prst="textNoShape">
+              <a:avLst/>
+            </a:prstTxWarp>
+          </a:bodyPr>
+          <a:lstStyle/>
+          <a:p>
+            <a:endParaRPr lang="en-US"/>
+          </a:p>
+        </p:txBody>
+      </p:sp>
     </p:spTree>
   </p:cSld>
   <p:clrMapOvr>
@@ -4442,6 +4967,148 @@
 </file>
 
 <file path=ppt/slides/slide10.xml><?xml version="1.0" encoding="utf-8"?>
+<p:sld xmlns:a="http://schemas.openxmlformats.org/drawingml/2006/main" xmlns:r="http://schemas.openxmlformats.org/officeDocument/2006/relationships" xmlns:p="http://schemas.openxmlformats.org/presentationml/2006/main">
+  <p:cSld>
+    <p:spTree>
+      <p:nvGrpSpPr>
+        <p:cNvPr id="1" name=""/>
+        <p:cNvGrpSpPr/>
+        <p:nvPr/>
+      </p:nvGrpSpPr>
+      <p:grpSpPr>
+        <a:xfrm>
+          <a:off x="0" y="0"/>
+          <a:ext cx="0" cy="0"/>
+          <a:chOff x="0" y="0"/>
+          <a:chExt cx="0" cy="0"/>
+        </a:xfrm>
+      </p:grpSpPr>
+      <p:sp>
+        <p:nvSpPr>
+          <p:cNvPr id="2" name="Title 1"/>
+          <p:cNvSpPr>
+            <a:spLocks noGrp="1"/>
+          </p:cNvSpPr>
+          <p:nvPr>
+            <p:ph type="title"/>
+          </p:nvPr>
+        </p:nvSpPr>
+        <p:spPr/>
+        <p:txBody>
+          <a:bodyPr/>
+          <a:lstStyle/>
+          <a:p>
+            <a:r>
+              <a:rPr lang="pt-PT" dirty="0" err="1" smtClean="0"/>
+              <a:t>Hyperty</a:t>
+            </a:r>
+            <a:r>
+              <a:rPr lang="pt-PT" dirty="0" smtClean="0"/>
+              <a:t> Core </a:t>
+            </a:r>
+            <a:r>
+              <a:rPr lang="pt-PT" dirty="0" err="1" smtClean="0"/>
+              <a:t>Runtime</a:t>
+            </a:r>
+            <a:r>
+              <a:rPr lang="pt-PT" dirty="0" smtClean="0"/>
+              <a:t> </a:t>
+            </a:r>
+            <a:r>
+              <a:rPr lang="pt-PT" dirty="0" err="1" smtClean="0"/>
+              <a:t>Architecture</a:t>
+            </a:r>
+            <a:endParaRPr lang="en-US" dirty="0"/>
+          </a:p>
+        </p:txBody>
+      </p:sp>
+      <p:sp>
+        <p:nvSpPr>
+          <p:cNvPr id="3" name="Content Placeholder 2"/>
+          <p:cNvSpPr>
+            <a:spLocks noGrp="1"/>
+          </p:cNvSpPr>
+          <p:nvPr>
+            <p:ph idx="1"/>
+          </p:nvPr>
+        </p:nvSpPr>
+        <p:spPr/>
+        <p:txBody>
+          <a:bodyPr/>
+          <a:lstStyle/>
+          <a:p>
+            <a:endParaRPr lang="en-US"/>
+          </a:p>
+        </p:txBody>
+      </p:sp>
+      <p:sp>
+        <p:nvSpPr>
+          <p:cNvPr id="4" name="Footer Placeholder 3"/>
+          <p:cNvSpPr>
+            <a:spLocks noGrp="1"/>
+          </p:cNvSpPr>
+          <p:nvPr>
+            <p:ph type="ftr" sz="quarter" idx="11"/>
+          </p:nvPr>
+        </p:nvSpPr>
+        <p:spPr/>
+        <p:txBody>
+          <a:bodyPr/>
+          <a:lstStyle/>
+          <a:p>
+            <a:r>
+              <a:rPr lang="en-GB" smtClean="0"/>
+              <a:t>reTHINK Project M9 Review</a:t>
+            </a:r>
+            <a:endParaRPr lang="en-GB" dirty="0"/>
+          </a:p>
+        </p:txBody>
+      </p:sp>
+      <p:pic>
+        <p:nvPicPr>
+          <p:cNvPr id="29699" name="Picture 3" descr="C:\Projectos\reTHINK\WP3\git\core-framework\docs\specs\runtime\Core_Runtime.png">
+            <a:hlinkClick r:id="rId2" action="ppaction://hlinkfile"/>
+          </p:cNvPr>
+          <p:cNvPicPr>
+            <a:picLocks noChangeAspect="1" noChangeArrowheads="1"/>
+          </p:cNvPicPr>
+          <p:nvPr/>
+        </p:nvPicPr>
+        <p:blipFill>
+          <a:blip r:embed="rId3" cstate="print"/>
+          <a:srcRect/>
+          <a:stretch>
+            <a:fillRect/>
+          </a:stretch>
+        </p:blipFill>
+        <p:spPr bwMode="auto">
+          <a:xfrm>
+            <a:off x="1949593" y="669749"/>
+            <a:ext cx="5341855" cy="5849805"/>
+          </a:xfrm>
+          <a:prstGeom prst="rect">
+            <a:avLst/>
+          </a:prstGeom>
+          <a:noFill/>
+        </p:spPr>
+      </p:pic>
+    </p:spTree>
+  </p:cSld>
+  <p:clrMapOvr>
+    <a:masterClrMapping/>
+  </p:clrMapOvr>
+  <p:transition spd="slow"/>
+  <p:timing>
+    <p:tnLst>
+      <p:par>
+        <p:cTn id="1" dur="indefinite" restart="never" nodeType="tmRoot"/>
+      </p:par>
+    </p:tnLst>
+  </p:timing>
+</p:sld>
+</file>
+
+<file path=ppt/slides/slide11.xml><?xml version="1.0" encoding="utf-8"?>
 <p:sld xmlns:a="http://schemas.openxmlformats.org/drawingml/2006/main" xmlns:r="http://schemas.openxmlformats.org/officeDocument/2006/relationships" xmlns:p="http://schemas.openxmlformats.org/presentationml/2006/main">
   <p:cSld>
     <p:spTree>
@@ -4709,7 +5376,7 @@
 </p:sld>
 </file>
 
-<file path=ppt/slides/slide11.xml><?xml version="1.0" encoding="utf-8"?>
+<file path=ppt/slides/slide12.xml><?xml version="1.0" encoding="utf-8"?>
 <p:sld xmlns:a="http://schemas.openxmlformats.org/drawingml/2006/main" xmlns:r="http://schemas.openxmlformats.org/officeDocument/2006/relationships" xmlns:p="http://schemas.openxmlformats.org/presentationml/2006/main">
   <p:cSld>
     <p:spTree>
@@ -7243,7 +7910,7 @@
 </p:sld>
 </file>
 
-<file path=ppt/slides/slide12.xml><?xml version="1.0" encoding="utf-8"?>
+<file path=ppt/slides/slide13.xml><?xml version="1.0" encoding="utf-8"?>
 <p:sld xmlns:a="http://schemas.openxmlformats.org/drawingml/2006/main" xmlns:r="http://schemas.openxmlformats.org/officeDocument/2006/relationships" xmlns:p="http://schemas.openxmlformats.org/presentationml/2006/main">
   <p:cSld>
     <p:spTree>
@@ -9270,7 +9937,7 @@
 </p:sld>
 </file>
 
-<file path=ppt/slides/slide13.xml><?xml version="1.0" encoding="utf-8"?>
+<file path=ppt/slides/slide14.xml><?xml version="1.0" encoding="utf-8"?>
 <p:sld xmlns:a="http://schemas.openxmlformats.org/drawingml/2006/main" xmlns:r="http://schemas.openxmlformats.org/officeDocument/2006/relationships" xmlns:p="http://schemas.openxmlformats.org/presentationml/2006/main">
   <p:cSld>
     <p:spTree>
@@ -12943,7 +13610,7 @@
 </p:sld>
 </file>
 
-<file path=ppt/slides/slide14.xml><?xml version="1.0" encoding="utf-8"?>
+<file path=ppt/slides/slide15.xml><?xml version="1.0" encoding="utf-8"?>
 <p:sld xmlns:a="http://schemas.openxmlformats.org/drawingml/2006/main" xmlns:r="http://schemas.openxmlformats.org/officeDocument/2006/relationships" xmlns:p="http://schemas.openxmlformats.org/presentationml/2006/main">
   <p:cSld>
     <p:spTree>
@@ -13087,7 +13754,7 @@
 </p:sld>
 </file>
 
-<file path=ppt/slides/slide15.xml><?xml version="1.0" encoding="utf-8"?>
+<file path=ppt/slides/slide16.xml><?xml version="1.0" encoding="utf-8"?>
 <p:sld xmlns:a="http://schemas.openxmlformats.org/drawingml/2006/main" xmlns:r="http://schemas.openxmlformats.org/officeDocument/2006/relationships" xmlns:p="http://schemas.openxmlformats.org/presentationml/2006/main">
   <p:cSld>
     <p:spTree>
@@ -14285,7 +14952,7 @@
 </p:sld>
 </file>
 
-<file path=ppt/slides/slide16.xml><?xml version="1.0" encoding="utf-8"?>
+<file path=ppt/slides/slide17.xml><?xml version="1.0" encoding="utf-8"?>
 <p:sld xmlns:a="http://schemas.openxmlformats.org/drawingml/2006/main" xmlns:r="http://schemas.openxmlformats.org/officeDocument/2006/relationships" xmlns:p="http://schemas.openxmlformats.org/presentationml/2006/main">
   <p:cSld>
     <p:spTree>
@@ -15665,7 +16332,7 @@
 </p:sld>
 </file>
 
-<file path=ppt/slides/slide17.xml><?xml version="1.0" encoding="utf-8"?>
+<file path=ppt/slides/slide18.xml><?xml version="1.0" encoding="utf-8"?>
 <p:sld xmlns:a="http://schemas.openxmlformats.org/drawingml/2006/main" xmlns:r="http://schemas.openxmlformats.org/officeDocument/2006/relationships" xmlns:p="http://schemas.openxmlformats.org/presentationml/2006/main">
   <p:cSld>
     <p:spTree>
@@ -17019,7 +17686,7 @@
 </p:sld>
 </file>
 
-<file path=ppt/slides/slide18.xml><?xml version="1.0" encoding="utf-8"?>
+<file path=ppt/slides/slide19.xml><?xml version="1.0" encoding="utf-8"?>
 <p:sld xmlns:a="http://schemas.openxmlformats.org/drawingml/2006/main" xmlns:r="http://schemas.openxmlformats.org/officeDocument/2006/relationships" xmlns:p="http://schemas.openxmlformats.org/presentationml/2006/main">
   <p:cSld>
     <p:spTree>
@@ -18113,7 +18780,1592 @@
 </p:sld>
 </file>
 
-<file path=ppt/slides/slide19.xml><?xml version="1.0" encoding="utf-8"?>
+<file path=ppt/slides/slide2.xml><?xml version="1.0" encoding="utf-8"?>
+<p:sld xmlns:a="http://schemas.openxmlformats.org/drawingml/2006/main" xmlns:r="http://schemas.openxmlformats.org/officeDocument/2006/relationships" xmlns:p="http://schemas.openxmlformats.org/presentationml/2006/main">
+  <p:cSld>
+    <p:spTree>
+      <p:nvGrpSpPr>
+        <p:cNvPr id="1" name=""/>
+        <p:cNvGrpSpPr/>
+        <p:nvPr/>
+      </p:nvGrpSpPr>
+      <p:grpSpPr>
+        <a:xfrm>
+          <a:off x="0" y="0"/>
+          <a:ext cx="0" cy="0"/>
+          <a:chOff x="0" y="0"/>
+          <a:chExt cx="0" cy="0"/>
+        </a:xfrm>
+      </p:grpSpPr>
+      <p:grpSp>
+        <p:nvGrpSpPr>
+          <p:cNvPr id="2" name="Group 42"/>
+          <p:cNvGrpSpPr/>
+          <p:nvPr/>
+        </p:nvGrpSpPr>
+        <p:grpSpPr>
+          <a:xfrm>
+            <a:off x="1210344" y="3041816"/>
+            <a:ext cx="1996238" cy="1574299"/>
+            <a:chOff x="5184776" y="1060617"/>
+            <a:chExt cx="1996238" cy="1574299"/>
+          </a:xfrm>
+        </p:grpSpPr>
+        <p:grpSp>
+          <p:nvGrpSpPr>
+            <p:cNvPr id="3" name="Group 39"/>
+            <p:cNvGrpSpPr/>
+            <p:nvPr/>
+          </p:nvGrpSpPr>
+          <p:grpSpPr>
+            <a:xfrm>
+              <a:off x="5184776" y="1060617"/>
+              <a:ext cx="1996238" cy="1165225"/>
+              <a:chOff x="5184776" y="1060617"/>
+              <a:chExt cx="1996238" cy="1165225"/>
+            </a:xfrm>
+          </p:grpSpPr>
+          <p:pic>
+            <p:nvPicPr>
+              <p:cNvPr id="48" name="Picture 19" descr="http://t09.deviantart.net/zXGPpzFCPvQH1DqYe845fWFOCb8=/300x200/filters:fixed_height(100,100):origin()/pre05/ee86/th/pre/f/2015/120/9/f/microsoft_edge_by_dtafalonso-d8rp9di.png"/>
+              <p:cNvPicPr>
+                <a:picLocks noChangeAspect="1" noChangeArrowheads="1"/>
+              </p:cNvPicPr>
+              <p:nvPr/>
+            </p:nvPicPr>
+            <p:blipFill>
+              <a:blip r:embed="rId2" cstate="print"/>
+              <a:srcRect/>
+              <a:stretch>
+                <a:fillRect/>
+              </a:stretch>
+            </p:blipFill>
+            <p:spPr bwMode="auto">
+              <a:xfrm>
+                <a:off x="5629945" y="1118937"/>
+                <a:ext cx="554287" cy="554287"/>
+              </a:xfrm>
+              <a:prstGeom prst="rect">
+                <a:avLst/>
+              </a:prstGeom>
+              <a:noFill/>
+            </p:spPr>
+          </p:pic>
+          <p:pic>
+            <p:nvPicPr>
+              <p:cNvPr id="49" name="Picture 23" descr="http://icons.iconarchive.com/icons/iconshock/real-vista-mobile/128/android-platform-icon.png"/>
+              <p:cNvPicPr>
+                <a:picLocks noChangeAspect="1" noChangeArrowheads="1"/>
+              </p:cNvPicPr>
+              <p:nvPr/>
+            </p:nvPicPr>
+            <p:blipFill>
+              <a:blip r:embed="rId3" cstate="print"/>
+              <a:srcRect/>
+              <a:stretch>
+                <a:fillRect/>
+              </a:stretch>
+            </p:blipFill>
+            <p:spPr bwMode="auto">
+              <a:xfrm>
+                <a:off x="5184776" y="1345613"/>
+                <a:ext cx="675690" cy="675691"/>
+              </a:xfrm>
+              <a:prstGeom prst="rect">
+                <a:avLst/>
+              </a:prstGeom>
+              <a:noFill/>
+            </p:spPr>
+          </p:pic>
+          <p:pic>
+            <p:nvPicPr>
+              <p:cNvPr id="50" name="Picture 25" descr="http://thebigboss.org/wp-content/uploads/2014/ios_logo.png"/>
+              <p:cNvPicPr>
+                <a:picLocks noChangeAspect="1" noChangeArrowheads="1"/>
+              </p:cNvPicPr>
+              <p:nvPr/>
+            </p:nvPicPr>
+            <p:blipFill>
+              <a:blip r:embed="rId4" cstate="print"/>
+              <a:srcRect/>
+              <a:stretch>
+                <a:fillRect/>
+              </a:stretch>
+            </p:blipFill>
+            <p:spPr bwMode="auto">
+              <a:xfrm>
+                <a:off x="6015789" y="1060617"/>
+                <a:ext cx="1165225" cy="1165225"/>
+              </a:xfrm>
+              <a:prstGeom prst="rect">
+                <a:avLst/>
+              </a:prstGeom>
+              <a:noFill/>
+            </p:spPr>
+          </p:pic>
+          <p:pic>
+            <p:nvPicPr>
+              <p:cNvPr id="51" name="Picture 17" descr="http://icons.iconarchive.com/icons/morcha/browsers/128/Firefox-icon.png"/>
+              <p:cNvPicPr>
+                <a:picLocks noChangeAspect="1" noChangeArrowheads="1"/>
+              </p:cNvPicPr>
+              <p:nvPr/>
+            </p:nvPicPr>
+            <p:blipFill>
+              <a:blip r:embed="rId5" cstate="print"/>
+              <a:srcRect/>
+              <a:stretch>
+                <a:fillRect/>
+              </a:stretch>
+            </p:blipFill>
+            <p:spPr bwMode="auto">
+              <a:xfrm>
+                <a:off x="5557753" y="1405773"/>
+                <a:ext cx="555374" cy="555375"/>
+              </a:xfrm>
+              <a:prstGeom prst="rect">
+                <a:avLst/>
+              </a:prstGeom>
+              <a:noFill/>
+            </p:spPr>
+          </p:pic>
+          <p:pic>
+            <p:nvPicPr>
+              <p:cNvPr id="52" name="Picture 8" descr="http://www.wildspiritwolfsanctuary.org/images/button/chrome.png"/>
+              <p:cNvPicPr>
+                <a:picLocks noChangeAspect="1" noChangeArrowheads="1"/>
+              </p:cNvPicPr>
+              <p:nvPr/>
+            </p:nvPicPr>
+            <p:blipFill>
+              <a:blip r:embed="rId6" cstate="print"/>
+              <a:srcRect/>
+              <a:stretch>
+                <a:fillRect/>
+              </a:stretch>
+            </p:blipFill>
+            <p:spPr bwMode="auto">
+              <a:xfrm>
+                <a:off x="5834481" y="1393741"/>
+                <a:ext cx="590382" cy="590383"/>
+              </a:xfrm>
+              <a:prstGeom prst="rect">
+                <a:avLst/>
+              </a:prstGeom>
+              <a:noFill/>
+            </p:spPr>
+          </p:pic>
+        </p:grpSp>
+        <p:pic>
+          <p:nvPicPr>
+            <p:cNvPr id="47" name="Picture 21" descr="https://global.download.synology.com/download/pkg_img/Node.js/0.12.4-0110/thumb_256.png"/>
+            <p:cNvPicPr>
+              <a:picLocks noChangeAspect="1" noChangeArrowheads="1"/>
+            </p:cNvPicPr>
+            <p:nvPr/>
+          </p:nvPicPr>
+          <p:blipFill>
+            <a:blip r:embed="rId7" cstate="print"/>
+            <a:srcRect/>
+            <a:stretch>
+              <a:fillRect/>
+            </a:stretch>
+          </p:blipFill>
+          <p:spPr bwMode="auto">
+            <a:xfrm>
+              <a:off x="5413375" y="1301249"/>
+              <a:ext cx="1333667" cy="1333667"/>
+            </a:xfrm>
+            <a:prstGeom prst="rect">
+              <a:avLst/>
+            </a:prstGeom>
+            <a:noFill/>
+          </p:spPr>
+        </p:pic>
+      </p:grpSp>
+      <p:grpSp>
+        <p:nvGrpSpPr>
+          <p:cNvPr id="6" name="Group 41"/>
+          <p:cNvGrpSpPr/>
+          <p:nvPr/>
+        </p:nvGrpSpPr>
+        <p:grpSpPr>
+          <a:xfrm>
+            <a:off x="6051051" y="3130049"/>
+            <a:ext cx="1996238" cy="1574299"/>
+            <a:chOff x="5184776" y="1060617"/>
+            <a:chExt cx="1996238" cy="1574299"/>
+          </a:xfrm>
+        </p:grpSpPr>
+        <p:grpSp>
+          <p:nvGrpSpPr>
+            <p:cNvPr id="7" name="Group 39"/>
+            <p:cNvGrpSpPr/>
+            <p:nvPr/>
+          </p:nvGrpSpPr>
+          <p:grpSpPr>
+            <a:xfrm>
+              <a:off x="5184776" y="1060617"/>
+              <a:ext cx="1996238" cy="1165225"/>
+              <a:chOff x="5184776" y="1060617"/>
+              <a:chExt cx="1996238" cy="1165225"/>
+            </a:xfrm>
+          </p:grpSpPr>
+          <p:pic>
+            <p:nvPicPr>
+              <p:cNvPr id="27667" name="Picture 19" descr="http://t09.deviantart.net/zXGPpzFCPvQH1DqYe845fWFOCb8=/300x200/filters:fixed_height(100,100):origin()/pre05/ee86/th/pre/f/2015/120/9/f/microsoft_edge_by_dtafalonso-d8rp9di.png"/>
+              <p:cNvPicPr>
+                <a:picLocks noChangeAspect="1" noChangeArrowheads="1"/>
+              </p:cNvPicPr>
+              <p:nvPr/>
+            </p:nvPicPr>
+            <p:blipFill>
+              <a:blip r:embed="rId2" cstate="print"/>
+              <a:srcRect/>
+              <a:stretch>
+                <a:fillRect/>
+              </a:stretch>
+            </p:blipFill>
+            <p:spPr bwMode="auto">
+              <a:xfrm>
+                <a:off x="5629945" y="1118937"/>
+                <a:ext cx="554287" cy="554287"/>
+              </a:xfrm>
+              <a:prstGeom prst="rect">
+                <a:avLst/>
+              </a:prstGeom>
+              <a:noFill/>
+            </p:spPr>
+          </p:pic>
+          <p:pic>
+            <p:nvPicPr>
+              <p:cNvPr id="27671" name="Picture 23" descr="http://icons.iconarchive.com/icons/iconshock/real-vista-mobile/128/android-platform-icon.png"/>
+              <p:cNvPicPr>
+                <a:picLocks noChangeAspect="1" noChangeArrowheads="1"/>
+              </p:cNvPicPr>
+              <p:nvPr/>
+            </p:nvPicPr>
+            <p:blipFill>
+              <a:blip r:embed="rId3" cstate="print"/>
+              <a:srcRect/>
+              <a:stretch>
+                <a:fillRect/>
+              </a:stretch>
+            </p:blipFill>
+            <p:spPr bwMode="auto">
+              <a:xfrm>
+                <a:off x="5184776" y="1345613"/>
+                <a:ext cx="675690" cy="675691"/>
+              </a:xfrm>
+              <a:prstGeom prst="rect">
+                <a:avLst/>
+              </a:prstGeom>
+              <a:noFill/>
+            </p:spPr>
+          </p:pic>
+          <p:pic>
+            <p:nvPicPr>
+              <p:cNvPr id="27673" name="Picture 25" descr="http://thebigboss.org/wp-content/uploads/2014/ios_logo.png"/>
+              <p:cNvPicPr>
+                <a:picLocks noChangeAspect="1" noChangeArrowheads="1"/>
+              </p:cNvPicPr>
+              <p:nvPr/>
+            </p:nvPicPr>
+            <p:blipFill>
+              <a:blip r:embed="rId4" cstate="print"/>
+              <a:srcRect/>
+              <a:stretch>
+                <a:fillRect/>
+              </a:stretch>
+            </p:blipFill>
+            <p:spPr bwMode="auto">
+              <a:xfrm>
+                <a:off x="6015789" y="1060617"/>
+                <a:ext cx="1165225" cy="1165225"/>
+              </a:xfrm>
+              <a:prstGeom prst="rect">
+                <a:avLst/>
+              </a:prstGeom>
+              <a:noFill/>
+            </p:spPr>
+          </p:pic>
+          <p:pic>
+            <p:nvPicPr>
+              <p:cNvPr id="27665" name="Picture 17" descr="http://icons.iconarchive.com/icons/morcha/browsers/128/Firefox-icon.png"/>
+              <p:cNvPicPr>
+                <a:picLocks noChangeAspect="1" noChangeArrowheads="1"/>
+              </p:cNvPicPr>
+              <p:nvPr/>
+            </p:nvPicPr>
+            <p:blipFill>
+              <a:blip r:embed="rId5" cstate="print"/>
+              <a:srcRect/>
+              <a:stretch>
+                <a:fillRect/>
+              </a:stretch>
+            </p:blipFill>
+            <p:spPr bwMode="auto">
+              <a:xfrm>
+                <a:off x="5557753" y="1405773"/>
+                <a:ext cx="555374" cy="555375"/>
+              </a:xfrm>
+              <a:prstGeom prst="rect">
+                <a:avLst/>
+              </a:prstGeom>
+              <a:noFill/>
+            </p:spPr>
+          </p:pic>
+          <p:pic>
+            <p:nvPicPr>
+              <p:cNvPr id="27656" name="Picture 8" descr="http://www.wildspiritwolfsanctuary.org/images/button/chrome.png"/>
+              <p:cNvPicPr>
+                <a:picLocks noChangeAspect="1" noChangeArrowheads="1"/>
+              </p:cNvPicPr>
+              <p:nvPr/>
+            </p:nvPicPr>
+            <p:blipFill>
+              <a:blip r:embed="rId6" cstate="print"/>
+              <a:srcRect/>
+              <a:stretch>
+                <a:fillRect/>
+              </a:stretch>
+            </p:blipFill>
+            <p:spPr bwMode="auto">
+              <a:xfrm>
+                <a:off x="5834481" y="1393741"/>
+                <a:ext cx="590382" cy="590383"/>
+              </a:xfrm>
+              <a:prstGeom prst="rect">
+                <a:avLst/>
+              </a:prstGeom>
+              <a:noFill/>
+            </p:spPr>
+          </p:pic>
+        </p:grpSp>
+        <p:pic>
+          <p:nvPicPr>
+            <p:cNvPr id="27669" name="Picture 21" descr="https://global.download.synology.com/download/pkg_img/Node.js/0.12.4-0110/thumb_256.png"/>
+            <p:cNvPicPr>
+              <a:picLocks noChangeAspect="1" noChangeArrowheads="1"/>
+            </p:cNvPicPr>
+            <p:nvPr/>
+          </p:nvPicPr>
+          <p:blipFill>
+            <a:blip r:embed="rId7" cstate="print"/>
+            <a:srcRect/>
+            <a:stretch>
+              <a:fillRect/>
+            </a:stretch>
+          </p:blipFill>
+          <p:spPr bwMode="auto">
+            <a:xfrm>
+              <a:off x="5413375" y="1301249"/>
+              <a:ext cx="1333667" cy="1333667"/>
+            </a:xfrm>
+            <a:prstGeom prst="rect">
+              <a:avLst/>
+            </a:prstGeom>
+            <a:noFill/>
+          </p:spPr>
+        </p:pic>
+      </p:grpSp>
+      <p:sp>
+        <p:nvSpPr>
+          <p:cNvPr id="29" name="Cloud Callout 28"/>
+          <p:cNvSpPr/>
+          <p:nvPr/>
+        </p:nvSpPr>
+        <p:spPr>
+          <a:xfrm>
+            <a:off x="3174274" y="3108960"/>
+            <a:ext cx="2756263" cy="901337"/>
+          </a:xfrm>
+          <a:prstGeom prst="cloudCallout">
+            <a:avLst>
+              <a:gd name="adj1" fmla="val -5667"/>
+              <a:gd name="adj2" fmla="val 3080"/>
+            </a:avLst>
+          </a:prstGeom>
+          <a:solidFill>
+            <a:schemeClr val="bg1">
+              <a:lumMod val="65000"/>
+            </a:schemeClr>
+          </a:solidFill>
+          <a:ln>
+            <a:noFill/>
+          </a:ln>
+        </p:spPr>
+        <p:style>
+          <a:lnRef idx="2">
+            <a:schemeClr val="accent1">
+              <a:shade val="50000"/>
+            </a:schemeClr>
+          </a:lnRef>
+          <a:fillRef idx="1">
+            <a:schemeClr val="accent1"/>
+          </a:fillRef>
+          <a:effectRef idx="0">
+            <a:schemeClr val="accent1"/>
+          </a:effectRef>
+          <a:fontRef idx="minor">
+            <a:schemeClr val="lt1"/>
+          </a:fontRef>
+        </p:style>
+        <p:txBody>
+          <a:bodyPr wrap="none" lIns="0" tIns="0" rIns="0" bIns="0" rtlCol="0" anchor="ctr"/>
+          <a:lstStyle/>
+          <a:p>
+            <a:pPr algn="ctr"/>
+            <a:r>
+              <a:rPr lang="pt-PT" dirty="0" smtClean="0">
+                <a:effectLst>
+                  <a:outerShdw dist="50800" dir="2700000" algn="ctr" rotWithShape="0">
+                    <a:schemeClr val="tx1"/>
+                  </a:outerShdw>
+                </a:effectLst>
+              </a:rPr>
+              <a:t>Network</a:t>
+            </a:r>
+            <a:endParaRPr lang="en-US" dirty="0" smtClean="0">
+              <a:effectLst>
+                <a:outerShdw dist="50800" dir="2700000" algn="ctr" rotWithShape="0">
+                  <a:schemeClr val="tx1"/>
+                </a:outerShdw>
+              </a:effectLst>
+            </a:endParaRPr>
+          </a:p>
+        </p:txBody>
+      </p:sp>
+      <p:sp>
+        <p:nvSpPr>
+          <p:cNvPr id="4" name="Isosceles Triangle 3"/>
+          <p:cNvSpPr/>
+          <p:nvPr/>
+        </p:nvSpPr>
+        <p:spPr>
+          <a:xfrm>
+            <a:off x="1766431" y="5137416"/>
+            <a:ext cx="533400" cy="381000"/>
+          </a:xfrm>
+          <a:prstGeom prst="triangle">
+            <a:avLst/>
+          </a:prstGeom>
+          <a:solidFill>
+            <a:schemeClr val="accent6">
+              <a:lumMod val="75000"/>
+            </a:schemeClr>
+          </a:solidFill>
+          <a:ln>
+            <a:solidFill>
+              <a:schemeClr val="bg1">
+                <a:lumMod val="85000"/>
+              </a:schemeClr>
+            </a:solidFill>
+          </a:ln>
+          <a:scene3d>
+            <a:camera prst="orthographicFront"/>
+            <a:lightRig rig="threePt" dir="t"/>
+          </a:scene3d>
+          <a:sp3d>
+            <a:bevelT w="165100" prst="coolSlant"/>
+          </a:sp3d>
+        </p:spPr>
+        <p:style>
+          <a:lnRef idx="2">
+            <a:schemeClr val="accent1">
+              <a:shade val="50000"/>
+            </a:schemeClr>
+          </a:lnRef>
+          <a:fillRef idx="1">
+            <a:schemeClr val="accent1"/>
+          </a:fillRef>
+          <a:effectRef idx="0">
+            <a:schemeClr val="accent1"/>
+          </a:effectRef>
+          <a:fontRef idx="minor">
+            <a:schemeClr val="lt1"/>
+          </a:fontRef>
+        </p:style>
+        <p:txBody>
+          <a:bodyPr rtlCol="0" anchor="ctr"/>
+          <a:lstStyle/>
+          <a:p>
+            <a:pPr algn="ctr"/>
+            <a:endParaRPr lang="en-US"/>
+          </a:p>
+        </p:txBody>
+      </p:sp>
+      <p:sp>
+        <p:nvSpPr>
+          <p:cNvPr id="5" name="Oval 4"/>
+          <p:cNvSpPr/>
+          <p:nvPr/>
+        </p:nvSpPr>
+        <p:spPr>
+          <a:xfrm>
+            <a:off x="1842631" y="4908816"/>
+            <a:ext cx="381000" cy="381000"/>
+          </a:xfrm>
+          <a:prstGeom prst="ellipse">
+            <a:avLst/>
+          </a:prstGeom>
+          <a:solidFill>
+            <a:schemeClr val="accent6">
+              <a:lumMod val="75000"/>
+            </a:schemeClr>
+          </a:solidFill>
+          <a:ln>
+            <a:solidFill>
+              <a:schemeClr val="bg1">
+                <a:lumMod val="85000"/>
+              </a:schemeClr>
+            </a:solidFill>
+          </a:ln>
+          <a:scene3d>
+            <a:camera prst="orthographicFront"/>
+            <a:lightRig rig="threePt" dir="t"/>
+          </a:scene3d>
+          <a:sp3d>
+            <a:bevelT w="165100" prst="coolSlant"/>
+          </a:sp3d>
+        </p:spPr>
+        <p:style>
+          <a:lnRef idx="2">
+            <a:schemeClr val="accent1">
+              <a:shade val="50000"/>
+            </a:schemeClr>
+          </a:lnRef>
+          <a:fillRef idx="1">
+            <a:schemeClr val="accent1"/>
+          </a:fillRef>
+          <a:effectRef idx="0">
+            <a:schemeClr val="accent1"/>
+          </a:effectRef>
+          <a:fontRef idx="minor">
+            <a:schemeClr val="lt1"/>
+          </a:fontRef>
+        </p:style>
+        <p:txBody>
+          <a:bodyPr rtlCol="0" anchor="ctr"/>
+          <a:lstStyle/>
+          <a:p>
+            <a:pPr algn="ctr"/>
+            <a:endParaRPr lang="en-US"/>
+          </a:p>
+        </p:txBody>
+      </p:sp>
+      <p:sp>
+        <p:nvSpPr>
+          <p:cNvPr id="24" name="Oval Callout 23"/>
+          <p:cNvSpPr/>
+          <p:nvPr/>
+        </p:nvSpPr>
+        <p:spPr>
+          <a:xfrm>
+            <a:off x="1385431" y="4680216"/>
+            <a:ext cx="381000" cy="457200"/>
+          </a:xfrm>
+          <a:prstGeom prst="wedgeEllipseCallout">
+            <a:avLst>
+              <a:gd name="adj1" fmla="val 100332"/>
+              <a:gd name="adj2" fmla="val 68326"/>
+            </a:avLst>
+          </a:prstGeom>
+          <a:noFill/>
+          <a:ln>
+            <a:solidFill>
+              <a:schemeClr val="tx1"/>
+            </a:solidFill>
+          </a:ln>
+        </p:spPr>
+        <p:style>
+          <a:lnRef idx="2">
+            <a:schemeClr val="accent1">
+              <a:shade val="50000"/>
+            </a:schemeClr>
+          </a:lnRef>
+          <a:fillRef idx="1">
+            <a:schemeClr val="accent1"/>
+          </a:fillRef>
+          <a:effectRef idx="0">
+            <a:schemeClr val="accent1"/>
+          </a:effectRef>
+          <a:fontRef idx="minor">
+            <a:schemeClr val="lt1"/>
+          </a:fontRef>
+        </p:style>
+        <p:txBody>
+          <a:bodyPr rtlCol="0" anchor="ctr"/>
+          <a:lstStyle/>
+          <a:p>
+            <a:pPr algn="ctr"/>
+            <a:endParaRPr lang="en-US"/>
+          </a:p>
+        </p:txBody>
+      </p:sp>
+      <p:sp>
+        <p:nvSpPr>
+          <p:cNvPr id="25" name="Isosceles Triangle 24"/>
+          <p:cNvSpPr/>
+          <p:nvPr/>
+        </p:nvSpPr>
+        <p:spPr>
+          <a:xfrm>
+            <a:off x="6490831" y="5213616"/>
+            <a:ext cx="533400" cy="381000"/>
+          </a:xfrm>
+          <a:prstGeom prst="triangle">
+            <a:avLst/>
+          </a:prstGeom>
+          <a:solidFill>
+            <a:schemeClr val="accent3">
+              <a:lumMod val="75000"/>
+            </a:schemeClr>
+          </a:solidFill>
+          <a:ln>
+            <a:solidFill>
+              <a:schemeClr val="bg1">
+                <a:lumMod val="85000"/>
+              </a:schemeClr>
+            </a:solidFill>
+          </a:ln>
+          <a:scene3d>
+            <a:camera prst="orthographicFront"/>
+            <a:lightRig rig="threePt" dir="t"/>
+          </a:scene3d>
+          <a:sp3d>
+            <a:bevelT w="165100" prst="coolSlant"/>
+          </a:sp3d>
+        </p:spPr>
+        <p:style>
+          <a:lnRef idx="2">
+            <a:schemeClr val="accent1">
+              <a:shade val="50000"/>
+            </a:schemeClr>
+          </a:lnRef>
+          <a:fillRef idx="1">
+            <a:schemeClr val="accent1"/>
+          </a:fillRef>
+          <a:effectRef idx="0">
+            <a:schemeClr val="accent1"/>
+          </a:effectRef>
+          <a:fontRef idx="minor">
+            <a:schemeClr val="lt1"/>
+          </a:fontRef>
+        </p:style>
+        <p:txBody>
+          <a:bodyPr rtlCol="0" anchor="ctr"/>
+          <a:lstStyle/>
+          <a:p>
+            <a:pPr algn="ctr"/>
+            <a:endParaRPr lang="en-US"/>
+          </a:p>
+        </p:txBody>
+      </p:sp>
+      <p:sp>
+        <p:nvSpPr>
+          <p:cNvPr id="26" name="Oval 25"/>
+          <p:cNvSpPr/>
+          <p:nvPr/>
+        </p:nvSpPr>
+        <p:spPr>
+          <a:xfrm>
+            <a:off x="6567031" y="4985016"/>
+            <a:ext cx="381000" cy="381000"/>
+          </a:xfrm>
+          <a:prstGeom prst="ellipse">
+            <a:avLst/>
+          </a:prstGeom>
+          <a:solidFill>
+            <a:schemeClr val="accent3">
+              <a:lumMod val="75000"/>
+            </a:schemeClr>
+          </a:solidFill>
+          <a:ln>
+            <a:solidFill>
+              <a:schemeClr val="bg1">
+                <a:lumMod val="85000"/>
+              </a:schemeClr>
+            </a:solidFill>
+          </a:ln>
+          <a:scene3d>
+            <a:camera prst="orthographicFront"/>
+            <a:lightRig rig="threePt" dir="t"/>
+          </a:scene3d>
+          <a:sp3d>
+            <a:bevelT w="165100" prst="coolSlant"/>
+          </a:sp3d>
+        </p:spPr>
+        <p:style>
+          <a:lnRef idx="2">
+            <a:schemeClr val="accent1">
+              <a:shade val="50000"/>
+            </a:schemeClr>
+          </a:lnRef>
+          <a:fillRef idx="1">
+            <a:schemeClr val="accent1"/>
+          </a:fillRef>
+          <a:effectRef idx="0">
+            <a:schemeClr val="accent1"/>
+          </a:effectRef>
+          <a:fontRef idx="minor">
+            <a:schemeClr val="lt1"/>
+          </a:fontRef>
+        </p:style>
+        <p:txBody>
+          <a:bodyPr rtlCol="0" anchor="ctr"/>
+          <a:lstStyle/>
+          <a:p>
+            <a:pPr algn="ctr"/>
+            <a:endParaRPr lang="en-US"/>
+          </a:p>
+        </p:txBody>
+      </p:sp>
+      <p:sp>
+        <p:nvSpPr>
+          <p:cNvPr id="33" name="Oval Callout 32"/>
+          <p:cNvSpPr/>
+          <p:nvPr/>
+        </p:nvSpPr>
+        <p:spPr>
+          <a:xfrm>
+            <a:off x="7100431" y="4832616"/>
+            <a:ext cx="381000" cy="457200"/>
+          </a:xfrm>
+          <a:prstGeom prst="wedgeEllipseCallout">
+            <a:avLst>
+              <a:gd name="adj1" fmla="val -128018"/>
+              <a:gd name="adj2" fmla="val 58617"/>
+            </a:avLst>
+          </a:prstGeom>
+          <a:noFill/>
+          <a:ln>
+            <a:solidFill>
+              <a:schemeClr val="tx1"/>
+            </a:solidFill>
+          </a:ln>
+        </p:spPr>
+        <p:style>
+          <a:lnRef idx="2">
+            <a:schemeClr val="accent1">
+              <a:shade val="50000"/>
+            </a:schemeClr>
+          </a:lnRef>
+          <a:fillRef idx="1">
+            <a:schemeClr val="accent1"/>
+          </a:fillRef>
+          <a:effectRef idx="0">
+            <a:schemeClr val="accent1"/>
+          </a:effectRef>
+          <a:fontRef idx="minor">
+            <a:schemeClr val="lt1"/>
+          </a:fontRef>
+        </p:style>
+        <p:txBody>
+          <a:bodyPr rtlCol="0" anchor="ctr"/>
+          <a:lstStyle/>
+          <a:p>
+            <a:pPr algn="ctr"/>
+            <a:endParaRPr lang="en-US"/>
+          </a:p>
+        </p:txBody>
+      </p:sp>
+      <p:cxnSp>
+        <p:nvCxnSpPr>
+          <p:cNvPr id="41" name="Straight Arrow Connector 40"/>
+          <p:cNvCxnSpPr/>
+          <p:nvPr/>
+        </p:nvCxnSpPr>
+        <p:spPr>
+          <a:xfrm>
+            <a:off x="2376031" y="5137416"/>
+            <a:ext cx="4038600" cy="0"/>
+          </a:xfrm>
+          <a:prstGeom prst="straightConnector1">
+            <a:avLst/>
+          </a:prstGeom>
+          <a:ln w="28575">
+            <a:solidFill>
+              <a:schemeClr val="tx1"/>
+            </a:solidFill>
+            <a:prstDash val="dash"/>
+            <a:headEnd type="arrow"/>
+            <a:tailEnd type="arrow"/>
+          </a:ln>
+        </p:spPr>
+        <p:style>
+          <a:lnRef idx="1">
+            <a:schemeClr val="accent1"/>
+          </a:lnRef>
+          <a:fillRef idx="0">
+            <a:schemeClr val="accent1"/>
+          </a:fillRef>
+          <a:effectRef idx="0">
+            <a:schemeClr val="accent1"/>
+          </a:effectRef>
+          <a:fontRef idx="minor">
+            <a:schemeClr val="tx1"/>
+          </a:fontRef>
+        </p:style>
+      </p:cxnSp>
+      <p:sp>
+        <p:nvSpPr>
+          <p:cNvPr id="27" name="TextBox 26"/>
+          <p:cNvSpPr txBox="1"/>
+          <p:nvPr/>
+        </p:nvSpPr>
+        <p:spPr>
+          <a:xfrm>
+            <a:off x="1385431" y="4756416"/>
+            <a:ext cx="381000" cy="400110"/>
+          </a:xfrm>
+          <a:prstGeom prst="rect">
+            <a:avLst/>
+          </a:prstGeom>
+          <a:noFill/>
+        </p:spPr>
+        <p:txBody>
+          <a:bodyPr wrap="square" rtlCol="0">
+            <a:spAutoFit/>
+          </a:bodyPr>
+          <a:lstStyle/>
+          <a:p>
+            <a:r>
+              <a:rPr lang="pt-PT" sz="1000" dirty="0" err="1" smtClean="0"/>
+              <a:t>bla</a:t>
+            </a:r>
+            <a:r>
+              <a:rPr lang="pt-PT" sz="1000" dirty="0" smtClean="0"/>
+              <a:t> </a:t>
+            </a:r>
+            <a:r>
+              <a:rPr lang="pt-PT" sz="1000" dirty="0" err="1" smtClean="0"/>
+              <a:t>bla</a:t>
+            </a:r>
+            <a:endParaRPr lang="en-US" sz="1000" dirty="0"/>
+          </a:p>
+        </p:txBody>
+      </p:sp>
+      <p:sp>
+        <p:nvSpPr>
+          <p:cNvPr id="28" name="TextBox 27"/>
+          <p:cNvSpPr txBox="1"/>
+          <p:nvPr/>
+        </p:nvSpPr>
+        <p:spPr>
+          <a:xfrm>
+            <a:off x="7100431" y="4832616"/>
+            <a:ext cx="381000" cy="400110"/>
+          </a:xfrm>
+          <a:prstGeom prst="rect">
+            <a:avLst/>
+          </a:prstGeom>
+          <a:noFill/>
+        </p:spPr>
+        <p:txBody>
+          <a:bodyPr wrap="square" rtlCol="0">
+            <a:spAutoFit/>
+          </a:bodyPr>
+          <a:lstStyle/>
+          <a:p>
+            <a:r>
+              <a:rPr lang="pt-PT" sz="1000" dirty="0" err="1" smtClean="0"/>
+              <a:t>bla</a:t>
+            </a:r>
+            <a:r>
+              <a:rPr lang="pt-PT" sz="1000" dirty="0" smtClean="0"/>
+              <a:t> </a:t>
+            </a:r>
+            <a:r>
+              <a:rPr lang="pt-PT" sz="1000" dirty="0" err="1" smtClean="0"/>
+              <a:t>bla</a:t>
+            </a:r>
+            <a:endParaRPr lang="en-US" sz="1000" dirty="0"/>
+          </a:p>
+        </p:txBody>
+      </p:sp>
+      <p:sp>
+        <p:nvSpPr>
+          <p:cNvPr id="31" name="Rounded Rectangular Callout 30"/>
+          <p:cNvSpPr/>
+          <p:nvPr/>
+        </p:nvSpPr>
+        <p:spPr>
+          <a:xfrm>
+            <a:off x="2210568" y="4501690"/>
+            <a:ext cx="457200" cy="228600"/>
+          </a:xfrm>
+          <a:prstGeom prst="wedgeRoundRectCallout">
+            <a:avLst>
+              <a:gd name="adj1" fmla="val -19233"/>
+              <a:gd name="adj2" fmla="val 97700"/>
+              <a:gd name="adj3" fmla="val 16667"/>
+            </a:avLst>
+          </a:prstGeom>
+          <a:noFill/>
+          <a:ln>
+            <a:solidFill>
+              <a:schemeClr val="tx1"/>
+            </a:solidFill>
+          </a:ln>
+        </p:spPr>
+        <p:style>
+          <a:lnRef idx="2">
+            <a:schemeClr val="accent1">
+              <a:shade val="50000"/>
+            </a:schemeClr>
+          </a:lnRef>
+          <a:fillRef idx="1">
+            <a:schemeClr val="accent1"/>
+          </a:fillRef>
+          <a:effectRef idx="0">
+            <a:schemeClr val="accent1"/>
+          </a:effectRef>
+          <a:fontRef idx="minor">
+            <a:schemeClr val="lt1"/>
+          </a:fontRef>
+        </p:style>
+        <p:txBody>
+          <a:bodyPr rtlCol="0" anchor="ctr"/>
+          <a:lstStyle/>
+          <a:p>
+            <a:pPr algn="ctr"/>
+            <a:endParaRPr lang="en-US">
+              <a:solidFill>
+                <a:schemeClr val="tx1"/>
+              </a:solidFill>
+            </a:endParaRPr>
+          </a:p>
+        </p:txBody>
+      </p:sp>
+      <p:sp>
+        <p:nvSpPr>
+          <p:cNvPr id="34" name="TextBox 33"/>
+          <p:cNvSpPr txBox="1"/>
+          <p:nvPr/>
+        </p:nvSpPr>
+        <p:spPr>
+          <a:xfrm>
+            <a:off x="2210568" y="4501690"/>
+            <a:ext cx="457200" cy="276999"/>
+          </a:xfrm>
+          <a:prstGeom prst="rect">
+            <a:avLst/>
+          </a:prstGeom>
+          <a:noFill/>
+        </p:spPr>
+        <p:txBody>
+          <a:bodyPr wrap="square" rtlCol="0">
+            <a:spAutoFit/>
+          </a:bodyPr>
+          <a:lstStyle/>
+          <a:p>
+            <a:r>
+              <a:rPr lang="pt-PT" sz="1200" dirty="0" smtClean="0"/>
+              <a:t>chat</a:t>
+            </a:r>
+            <a:endParaRPr lang="en-US" sz="1200" dirty="0"/>
+          </a:p>
+        </p:txBody>
+      </p:sp>
+      <p:sp>
+        <p:nvSpPr>
+          <p:cNvPr id="45" name="Rounded Rectangular Callout 44"/>
+          <p:cNvSpPr/>
+          <p:nvPr/>
+        </p:nvSpPr>
+        <p:spPr>
+          <a:xfrm flipH="1">
+            <a:off x="6070643" y="4617079"/>
+            <a:ext cx="457200" cy="228600"/>
+          </a:xfrm>
+          <a:prstGeom prst="wedgeRoundRectCallout">
+            <a:avLst>
+              <a:gd name="adj1" fmla="val -44947"/>
+              <a:gd name="adj2" fmla="val 91986"/>
+              <a:gd name="adj3" fmla="val 16667"/>
+            </a:avLst>
+          </a:prstGeom>
+          <a:noFill/>
+          <a:ln>
+            <a:solidFill>
+              <a:schemeClr val="tx1"/>
+            </a:solidFill>
+          </a:ln>
+        </p:spPr>
+        <p:style>
+          <a:lnRef idx="2">
+            <a:schemeClr val="accent1">
+              <a:shade val="50000"/>
+            </a:schemeClr>
+          </a:lnRef>
+          <a:fillRef idx="1">
+            <a:schemeClr val="accent1"/>
+          </a:fillRef>
+          <a:effectRef idx="0">
+            <a:schemeClr val="accent1"/>
+          </a:effectRef>
+          <a:fontRef idx="minor">
+            <a:schemeClr val="lt1"/>
+          </a:fontRef>
+        </p:style>
+        <p:txBody>
+          <a:bodyPr rtlCol="0" anchor="ctr"/>
+          <a:lstStyle/>
+          <a:p>
+            <a:pPr algn="ctr"/>
+            <a:endParaRPr lang="en-US">
+              <a:solidFill>
+                <a:schemeClr val="tx1"/>
+              </a:solidFill>
+            </a:endParaRPr>
+          </a:p>
+        </p:txBody>
+      </p:sp>
+      <p:sp>
+        <p:nvSpPr>
+          <p:cNvPr id="46" name="TextBox 45"/>
+          <p:cNvSpPr txBox="1"/>
+          <p:nvPr/>
+        </p:nvSpPr>
+        <p:spPr>
+          <a:xfrm flipH="1">
+            <a:off x="6070643" y="4617079"/>
+            <a:ext cx="457200" cy="276999"/>
+          </a:xfrm>
+          <a:prstGeom prst="rect">
+            <a:avLst/>
+          </a:prstGeom>
+          <a:noFill/>
+        </p:spPr>
+        <p:txBody>
+          <a:bodyPr wrap="square" rtlCol="0">
+            <a:spAutoFit/>
+          </a:bodyPr>
+          <a:lstStyle/>
+          <a:p>
+            <a:r>
+              <a:rPr lang="pt-PT" sz="1200" dirty="0" smtClean="0"/>
+              <a:t>chat</a:t>
+            </a:r>
+            <a:endParaRPr lang="en-US" sz="1200" dirty="0"/>
+          </a:p>
+        </p:txBody>
+      </p:sp>
+      <p:sp>
+        <p:nvSpPr>
+          <p:cNvPr id="16" name="Oval 15"/>
+          <p:cNvSpPr/>
+          <p:nvPr/>
+        </p:nvSpPr>
+        <p:spPr>
+          <a:xfrm>
+            <a:off x="1766431" y="3537216"/>
+            <a:ext cx="457200" cy="457200"/>
+          </a:xfrm>
+          <a:prstGeom prst="ellipse">
+            <a:avLst/>
+          </a:prstGeom>
+          <a:solidFill>
+            <a:srgbClr val="C00000"/>
+          </a:solidFill>
+          <a:ln>
+            <a:solidFill>
+              <a:schemeClr val="bg1">
+                <a:lumMod val="50000"/>
+              </a:schemeClr>
+            </a:solidFill>
+          </a:ln>
+          <a:scene3d>
+            <a:camera prst="orthographicFront"/>
+            <a:lightRig rig="threePt" dir="t"/>
+          </a:scene3d>
+          <a:sp3d>
+            <a:bevelT w="165100" prst="coolSlant"/>
+          </a:sp3d>
+        </p:spPr>
+        <p:style>
+          <a:lnRef idx="2">
+            <a:schemeClr val="accent1">
+              <a:shade val="50000"/>
+            </a:schemeClr>
+          </a:lnRef>
+          <a:fillRef idx="1">
+            <a:schemeClr val="accent1"/>
+          </a:fillRef>
+          <a:effectRef idx="0">
+            <a:schemeClr val="accent1"/>
+          </a:effectRef>
+          <a:fontRef idx="minor">
+            <a:schemeClr val="lt1"/>
+          </a:fontRef>
+        </p:style>
+        <p:txBody>
+          <a:bodyPr wrap="none" lIns="0" tIns="0" rIns="0" bIns="0" rtlCol="0" anchor="ctr"/>
+          <a:lstStyle/>
+          <a:p>
+            <a:pPr algn="ctr"/>
+            <a:r>
+              <a:rPr lang="pt-PT" sz="1200" dirty="0" smtClean="0">
+                <a:effectLst>
+                  <a:outerShdw dist="50800" dir="2700000" algn="ctr" rotWithShape="0">
+                    <a:schemeClr val="tx1"/>
+                  </a:outerShdw>
+                </a:effectLst>
+              </a:rPr>
+              <a:t>H1</a:t>
+            </a:r>
+            <a:endParaRPr lang="en-US" sz="1200" dirty="0" smtClean="0">
+              <a:effectLst>
+                <a:outerShdw dist="50800" dir="2700000" algn="ctr" rotWithShape="0">
+                  <a:schemeClr val="tx1"/>
+                </a:outerShdw>
+              </a:effectLst>
+            </a:endParaRPr>
+          </a:p>
+        </p:txBody>
+      </p:sp>
+      <p:cxnSp>
+        <p:nvCxnSpPr>
+          <p:cNvPr id="17" name="Straight Arrow Connector 16"/>
+          <p:cNvCxnSpPr/>
+          <p:nvPr/>
+        </p:nvCxnSpPr>
+        <p:spPr>
+          <a:xfrm flipH="1" flipV="1">
+            <a:off x="1943095" y="4212777"/>
+            <a:ext cx="90036" cy="696039"/>
+          </a:xfrm>
+          <a:prstGeom prst="straightConnector1">
+            <a:avLst/>
+          </a:prstGeom>
+          <a:ln w="28575">
+            <a:solidFill>
+              <a:schemeClr val="tx1"/>
+            </a:solidFill>
+            <a:prstDash val="dash"/>
+            <a:headEnd type="arrow" w="med" len="med"/>
+            <a:tailEnd type="none" w="med" len="med"/>
+          </a:ln>
+        </p:spPr>
+        <p:style>
+          <a:lnRef idx="1">
+            <a:schemeClr val="accent1"/>
+          </a:lnRef>
+          <a:fillRef idx="0">
+            <a:schemeClr val="accent1"/>
+          </a:fillRef>
+          <a:effectRef idx="0">
+            <a:schemeClr val="accent1"/>
+          </a:effectRef>
+          <a:fontRef idx="minor">
+            <a:schemeClr val="tx1"/>
+          </a:fontRef>
+        </p:style>
+      </p:cxnSp>
+      <p:sp>
+        <p:nvSpPr>
+          <p:cNvPr id="18" name="Oval 17"/>
+          <p:cNvSpPr/>
+          <p:nvPr/>
+        </p:nvSpPr>
+        <p:spPr>
+          <a:xfrm>
+            <a:off x="6567031" y="3613416"/>
+            <a:ext cx="457200" cy="457200"/>
+          </a:xfrm>
+          <a:prstGeom prst="ellipse">
+            <a:avLst/>
+          </a:prstGeom>
+          <a:solidFill>
+            <a:srgbClr val="C00000"/>
+          </a:solidFill>
+          <a:ln>
+            <a:solidFill>
+              <a:schemeClr val="bg1">
+                <a:lumMod val="50000"/>
+              </a:schemeClr>
+            </a:solidFill>
+          </a:ln>
+          <a:scene3d>
+            <a:camera prst="orthographicFront"/>
+            <a:lightRig rig="threePt" dir="t"/>
+          </a:scene3d>
+          <a:sp3d>
+            <a:bevelT w="165100" prst="coolSlant"/>
+          </a:sp3d>
+        </p:spPr>
+        <p:style>
+          <a:lnRef idx="2">
+            <a:schemeClr val="accent1">
+              <a:shade val="50000"/>
+            </a:schemeClr>
+          </a:lnRef>
+          <a:fillRef idx="1">
+            <a:schemeClr val="accent1"/>
+          </a:fillRef>
+          <a:effectRef idx="0">
+            <a:schemeClr val="accent1"/>
+          </a:effectRef>
+          <a:fontRef idx="minor">
+            <a:schemeClr val="lt1"/>
+          </a:fontRef>
+        </p:style>
+        <p:txBody>
+          <a:bodyPr wrap="none" lIns="0" tIns="0" rIns="0" bIns="0" rtlCol="0" anchor="ctr"/>
+          <a:lstStyle/>
+          <a:p>
+            <a:pPr algn="ctr"/>
+            <a:r>
+              <a:rPr lang="pt-PT" sz="1200" dirty="0" smtClean="0">
+                <a:effectLst>
+                  <a:outerShdw dist="50800" dir="2700000" algn="ctr" rotWithShape="0">
+                    <a:schemeClr val="tx1"/>
+                  </a:outerShdw>
+                </a:effectLst>
+              </a:rPr>
+              <a:t>H</a:t>
+            </a:r>
+            <a:endParaRPr lang="en-US" sz="1200" dirty="0" smtClean="0">
+              <a:effectLst>
+                <a:outerShdw dist="50800" dir="2700000" algn="ctr" rotWithShape="0">
+                  <a:schemeClr val="tx1"/>
+                </a:outerShdw>
+              </a:effectLst>
+            </a:endParaRPr>
+          </a:p>
+        </p:txBody>
+      </p:sp>
+      <p:sp>
+        <p:nvSpPr>
+          <p:cNvPr id="63" name="Rectangle 62"/>
+          <p:cNvSpPr/>
+          <p:nvPr/>
+        </p:nvSpPr>
+        <p:spPr>
+          <a:xfrm>
+            <a:off x="3492136" y="5222145"/>
+            <a:ext cx="1994647" cy="369332"/>
+          </a:xfrm>
+          <a:prstGeom prst="rect">
+            <a:avLst/>
+          </a:prstGeom>
+        </p:spPr>
+        <p:txBody>
+          <a:bodyPr wrap="square">
+            <a:spAutoFit/>
+          </a:bodyPr>
+          <a:lstStyle/>
+          <a:p>
+            <a:r>
+              <a:rPr lang="en-US" dirty="0" smtClean="0"/>
+              <a:t>User Relationship</a:t>
+            </a:r>
+            <a:endParaRPr lang="en-US" dirty="0"/>
+          </a:p>
+        </p:txBody>
+      </p:sp>
+      <p:sp>
+        <p:nvSpPr>
+          <p:cNvPr id="65" name="Rectangle 64"/>
+          <p:cNvSpPr/>
+          <p:nvPr/>
+        </p:nvSpPr>
+        <p:spPr>
+          <a:xfrm>
+            <a:off x="3415936" y="3935709"/>
+            <a:ext cx="2749732" cy="369332"/>
+          </a:xfrm>
+          <a:prstGeom prst="rect">
+            <a:avLst/>
+          </a:prstGeom>
+        </p:spPr>
+        <p:txBody>
+          <a:bodyPr wrap="square">
+            <a:spAutoFit/>
+          </a:bodyPr>
+          <a:lstStyle/>
+          <a:p>
+            <a:r>
+              <a:rPr lang="en-US" dirty="0" err="1" smtClean="0"/>
+              <a:t>Hyperty</a:t>
+            </a:r>
+            <a:r>
+              <a:rPr lang="en-US" dirty="0" smtClean="0"/>
+              <a:t> Communication</a:t>
+            </a:r>
+            <a:endParaRPr lang="en-US" dirty="0"/>
+          </a:p>
+        </p:txBody>
+      </p:sp>
+      <p:cxnSp>
+        <p:nvCxnSpPr>
+          <p:cNvPr id="37" name="Straight Arrow Connector 36"/>
+          <p:cNvCxnSpPr/>
+          <p:nvPr/>
+        </p:nvCxnSpPr>
+        <p:spPr>
+          <a:xfrm>
+            <a:off x="2447748" y="3810640"/>
+            <a:ext cx="4038600" cy="0"/>
+          </a:xfrm>
+          <a:prstGeom prst="straightConnector1">
+            <a:avLst/>
+          </a:prstGeom>
+          <a:ln w="38100">
+            <a:solidFill>
+              <a:srgbClr val="C00000"/>
+            </a:solidFill>
+            <a:prstDash val="solid"/>
+            <a:headEnd type="arrow"/>
+            <a:tailEnd type="arrow"/>
+          </a:ln>
+        </p:spPr>
+        <p:style>
+          <a:lnRef idx="1">
+            <a:schemeClr val="accent1"/>
+          </a:lnRef>
+          <a:fillRef idx="0">
+            <a:schemeClr val="accent1"/>
+          </a:fillRef>
+          <a:effectRef idx="0">
+            <a:schemeClr val="accent1"/>
+          </a:effectRef>
+          <a:fontRef idx="minor">
+            <a:schemeClr val="tx1"/>
+          </a:fontRef>
+        </p:style>
+      </p:cxnSp>
+      <p:cxnSp>
+        <p:nvCxnSpPr>
+          <p:cNvPr id="39" name="Straight Arrow Connector 38"/>
+          <p:cNvCxnSpPr/>
+          <p:nvPr/>
+        </p:nvCxnSpPr>
+        <p:spPr>
+          <a:xfrm flipH="1" flipV="1">
+            <a:off x="6667495" y="4169234"/>
+            <a:ext cx="90036" cy="696039"/>
+          </a:xfrm>
+          <a:prstGeom prst="straightConnector1">
+            <a:avLst/>
+          </a:prstGeom>
+          <a:ln w="28575">
+            <a:solidFill>
+              <a:schemeClr val="tx1"/>
+            </a:solidFill>
+            <a:prstDash val="dash"/>
+            <a:headEnd type="arrow" w="med" len="med"/>
+            <a:tailEnd type="none" w="med" len="med"/>
+          </a:ln>
+        </p:spPr>
+        <p:style>
+          <a:lnRef idx="1">
+            <a:schemeClr val="accent1"/>
+          </a:lnRef>
+          <a:fillRef idx="0">
+            <a:schemeClr val="accent1"/>
+          </a:fillRef>
+          <a:effectRef idx="0">
+            <a:schemeClr val="accent1"/>
+          </a:effectRef>
+          <a:fontRef idx="minor">
+            <a:schemeClr val="tx1"/>
+          </a:fontRef>
+        </p:style>
+      </p:cxnSp>
+      <p:sp>
+        <p:nvSpPr>
+          <p:cNvPr id="27650" name="AutoShape 2" descr="Resultado de imagem para google chrome icon"/>
+          <p:cNvSpPr>
+            <a:spLocks noChangeAspect="1" noChangeArrowheads="1"/>
+          </p:cNvSpPr>
+          <p:nvPr/>
+        </p:nvSpPr>
+        <p:spPr bwMode="auto">
+          <a:xfrm>
+            <a:off x="155575" y="-144463"/>
+            <a:ext cx="304800" cy="304801"/>
+          </a:xfrm>
+          <a:prstGeom prst="rect">
+            <a:avLst/>
+          </a:prstGeom>
+          <a:noFill/>
+        </p:spPr>
+        <p:txBody>
+          <a:bodyPr vert="horz" wrap="square" lIns="91440" tIns="45720" rIns="91440" bIns="45720" numCol="1" anchor="t" anchorCtr="0" compatLnSpc="1">
+            <a:prstTxWarp prst="textNoShape">
+              <a:avLst/>
+            </a:prstTxWarp>
+          </a:bodyPr>
+          <a:lstStyle/>
+          <a:p>
+            <a:endParaRPr lang="en-US"/>
+          </a:p>
+        </p:txBody>
+      </p:sp>
+      <p:sp>
+        <p:nvSpPr>
+          <p:cNvPr id="27652" name="AutoShape 4" descr="Resultado de imagem para google chrome icon"/>
+          <p:cNvSpPr>
+            <a:spLocks noChangeAspect="1" noChangeArrowheads="1"/>
+          </p:cNvSpPr>
+          <p:nvPr/>
+        </p:nvSpPr>
+        <p:spPr bwMode="auto">
+          <a:xfrm>
+            <a:off x="155575" y="-144463"/>
+            <a:ext cx="304800" cy="304801"/>
+          </a:xfrm>
+          <a:prstGeom prst="rect">
+            <a:avLst/>
+          </a:prstGeom>
+          <a:noFill/>
+        </p:spPr>
+        <p:txBody>
+          <a:bodyPr vert="horz" wrap="square" lIns="91440" tIns="45720" rIns="91440" bIns="45720" numCol="1" anchor="t" anchorCtr="0" compatLnSpc="1">
+            <a:prstTxWarp prst="textNoShape">
+              <a:avLst/>
+            </a:prstTxWarp>
+          </a:bodyPr>
+          <a:lstStyle/>
+          <a:p>
+            <a:endParaRPr lang="en-US"/>
+          </a:p>
+        </p:txBody>
+      </p:sp>
+      <p:sp>
+        <p:nvSpPr>
+          <p:cNvPr id="27654" name="AutoShape 6" descr="http://www.iconarchive.com/download/i38830/google/chrome/Google-Chrome.ico"/>
+          <p:cNvSpPr>
+            <a:spLocks noChangeAspect="1" noChangeArrowheads="1"/>
+          </p:cNvSpPr>
+          <p:nvPr/>
+        </p:nvSpPr>
+        <p:spPr bwMode="auto">
+          <a:xfrm>
+            <a:off x="155575" y="-144463"/>
+            <a:ext cx="304800" cy="304801"/>
+          </a:xfrm>
+          <a:prstGeom prst="rect">
+            <a:avLst/>
+          </a:prstGeom>
+          <a:noFill/>
+        </p:spPr>
+        <p:txBody>
+          <a:bodyPr vert="horz" wrap="square" lIns="91440" tIns="45720" rIns="91440" bIns="45720" numCol="1" anchor="t" anchorCtr="0" compatLnSpc="1">
+            <a:prstTxWarp prst="textNoShape">
+              <a:avLst/>
+            </a:prstTxWarp>
+          </a:bodyPr>
+          <a:lstStyle/>
+          <a:p>
+            <a:endParaRPr lang="en-US"/>
+          </a:p>
+        </p:txBody>
+      </p:sp>
+      <p:sp>
+        <p:nvSpPr>
+          <p:cNvPr id="27658" name="AutoShape 10" descr="http://www.iconarchive.com/download/i51115/hopstarter/software/Mozilla-Firefox.ico"/>
+          <p:cNvSpPr>
+            <a:spLocks noChangeAspect="1" noChangeArrowheads="1"/>
+          </p:cNvSpPr>
+          <p:nvPr/>
+        </p:nvSpPr>
+        <p:spPr bwMode="auto">
+          <a:xfrm>
+            <a:off x="155575" y="-144463"/>
+            <a:ext cx="304800" cy="304801"/>
+          </a:xfrm>
+          <a:prstGeom prst="rect">
+            <a:avLst/>
+          </a:prstGeom>
+          <a:noFill/>
+        </p:spPr>
+        <p:txBody>
+          <a:bodyPr vert="horz" wrap="square" lIns="91440" tIns="45720" rIns="91440" bIns="45720" numCol="1" anchor="t" anchorCtr="0" compatLnSpc="1">
+            <a:prstTxWarp prst="textNoShape">
+              <a:avLst/>
+            </a:prstTxWarp>
+          </a:bodyPr>
+          <a:lstStyle/>
+          <a:p>
+            <a:endParaRPr lang="en-US"/>
+          </a:p>
+        </p:txBody>
+      </p:sp>
+      <p:sp>
+        <p:nvSpPr>
+          <p:cNvPr id="27660" name="AutoShape 12" descr="http://www.iconarchive.com/download/i51115/hopstarter/software/Mozilla-Firefox.ico"/>
+          <p:cNvSpPr>
+            <a:spLocks noChangeAspect="1" noChangeArrowheads="1"/>
+          </p:cNvSpPr>
+          <p:nvPr/>
+        </p:nvSpPr>
+        <p:spPr bwMode="auto">
+          <a:xfrm>
+            <a:off x="155575" y="-144463"/>
+            <a:ext cx="304800" cy="304801"/>
+          </a:xfrm>
+          <a:prstGeom prst="rect">
+            <a:avLst/>
+          </a:prstGeom>
+          <a:noFill/>
+        </p:spPr>
+        <p:txBody>
+          <a:bodyPr vert="horz" wrap="square" lIns="91440" tIns="45720" rIns="91440" bIns="45720" numCol="1" anchor="t" anchorCtr="0" compatLnSpc="1">
+            <a:prstTxWarp prst="textNoShape">
+              <a:avLst/>
+            </a:prstTxWarp>
+          </a:bodyPr>
+          <a:lstStyle/>
+          <a:p>
+            <a:endParaRPr lang="en-US"/>
+          </a:p>
+        </p:txBody>
+      </p:sp>
+      <p:sp>
+        <p:nvSpPr>
+          <p:cNvPr id="27662" name="AutoShape 14" descr="http://www.iconarchive.com/download/i51115/hopstarter/software/Mozilla-Firefox.ico"/>
+          <p:cNvSpPr>
+            <a:spLocks noChangeAspect="1" noChangeArrowheads="1"/>
+          </p:cNvSpPr>
+          <p:nvPr/>
+        </p:nvSpPr>
+        <p:spPr bwMode="auto">
+          <a:xfrm>
+            <a:off x="155575" y="-144463"/>
+            <a:ext cx="304800" cy="304801"/>
+          </a:xfrm>
+          <a:prstGeom prst="rect">
+            <a:avLst/>
+          </a:prstGeom>
+          <a:noFill/>
+        </p:spPr>
+        <p:txBody>
+          <a:bodyPr vert="horz" wrap="square" lIns="91440" tIns="45720" rIns="91440" bIns="45720" numCol="1" anchor="t" anchorCtr="0" compatLnSpc="1">
+            <a:prstTxWarp prst="textNoShape">
+              <a:avLst/>
+            </a:prstTxWarp>
+          </a:bodyPr>
+          <a:lstStyle/>
+          <a:p>
+            <a:endParaRPr lang="en-US"/>
+          </a:p>
+        </p:txBody>
+      </p:sp>
+    </p:spTree>
+  </p:cSld>
+  <p:clrMapOvr>
+    <a:masterClrMapping/>
+  </p:clrMapOvr>
+  <p:transition spd="slow">
+    <p:wipe dir="r"/>
+  </p:transition>
+</p:sld>
+</file>
+
+<file path=ppt/slides/slide20.xml><?xml version="1.0" encoding="utf-8"?>
 <p:sld xmlns:a="http://schemas.openxmlformats.org/drawingml/2006/main" xmlns:r="http://schemas.openxmlformats.org/officeDocument/2006/relationships" xmlns:p="http://schemas.openxmlformats.org/presentationml/2006/main">
   <p:cSld>
     <p:spTree>
@@ -19659,1207 +21911,7 @@
 </p:sld>
 </file>
 
-<file path=ppt/slides/slide2.xml><?xml version="1.0" encoding="utf-8"?>
-<p:sld xmlns:a="http://schemas.openxmlformats.org/drawingml/2006/main" xmlns:r="http://schemas.openxmlformats.org/officeDocument/2006/relationships" xmlns:p="http://schemas.openxmlformats.org/presentationml/2006/main">
-  <p:cSld>
-    <p:spTree>
-      <p:nvGrpSpPr>
-        <p:cNvPr id="1" name=""/>
-        <p:cNvGrpSpPr/>
-        <p:nvPr/>
-      </p:nvGrpSpPr>
-      <p:grpSpPr>
-        <a:xfrm>
-          <a:off x="0" y="0"/>
-          <a:ext cx="0" cy="0"/>
-          <a:chOff x="0" y="0"/>
-          <a:chExt cx="0" cy="0"/>
-        </a:xfrm>
-      </p:grpSpPr>
-      <p:sp>
-        <p:nvSpPr>
-          <p:cNvPr id="16" name="Oval 15"/>
-          <p:cNvSpPr/>
-          <p:nvPr/>
-        </p:nvSpPr>
-        <p:spPr>
-          <a:xfrm>
-            <a:off x="1638108" y="2695047"/>
-            <a:ext cx="457200" cy="457200"/>
-          </a:xfrm>
-          <a:prstGeom prst="ellipse">
-            <a:avLst/>
-          </a:prstGeom>
-          <a:solidFill>
-            <a:srgbClr val="C00000"/>
-          </a:solidFill>
-          <a:ln>
-            <a:solidFill>
-              <a:schemeClr val="bg1">
-                <a:lumMod val="50000"/>
-              </a:schemeClr>
-            </a:solidFill>
-          </a:ln>
-          <a:scene3d>
-            <a:camera prst="orthographicFront"/>
-            <a:lightRig rig="threePt" dir="t"/>
-          </a:scene3d>
-          <a:sp3d>
-            <a:bevelT w="165100" prst="coolSlant"/>
-          </a:sp3d>
-        </p:spPr>
-        <p:style>
-          <a:lnRef idx="2">
-            <a:schemeClr val="accent1">
-              <a:shade val="50000"/>
-            </a:schemeClr>
-          </a:lnRef>
-          <a:fillRef idx="1">
-            <a:schemeClr val="accent1"/>
-          </a:fillRef>
-          <a:effectRef idx="0">
-            <a:schemeClr val="accent1"/>
-          </a:effectRef>
-          <a:fontRef idx="minor">
-            <a:schemeClr val="lt1"/>
-          </a:fontRef>
-        </p:style>
-        <p:txBody>
-          <a:bodyPr wrap="none" lIns="0" tIns="0" rIns="0" bIns="0" rtlCol="0" anchor="ctr"/>
-          <a:lstStyle/>
-          <a:p>
-            <a:pPr algn="ctr"/>
-            <a:r>
-              <a:rPr lang="pt-PT" sz="1200" dirty="0" err="1" smtClean="0">
-                <a:effectLst>
-                  <a:outerShdw dist="50800" dir="2700000" algn="ctr" rotWithShape="0">
-                    <a:schemeClr val="tx1"/>
-                  </a:outerShdw>
-                </a:effectLst>
-              </a:rPr>
-              <a:t>Hr</a:t>
-            </a:r>
-            <a:endParaRPr lang="en-US" sz="1200" dirty="0" smtClean="0">
-              <a:effectLst>
-                <a:outerShdw dist="50800" dir="2700000" algn="ctr" rotWithShape="0">
-                  <a:schemeClr val="tx1"/>
-                </a:outerShdw>
-              </a:effectLst>
-            </a:endParaRPr>
-          </a:p>
-        </p:txBody>
-      </p:sp>
-      <p:sp>
-        <p:nvSpPr>
-          <p:cNvPr id="29" name="Rectangle 28"/>
-          <p:cNvSpPr/>
-          <p:nvPr/>
-        </p:nvSpPr>
-        <p:spPr>
-          <a:xfrm>
-            <a:off x="380745" y="2584089"/>
-            <a:ext cx="1089211" cy="646331"/>
-          </a:xfrm>
-          <a:prstGeom prst="rect">
-            <a:avLst/>
-          </a:prstGeom>
-        </p:spPr>
-        <p:txBody>
-          <a:bodyPr wrap="square">
-            <a:spAutoFit/>
-          </a:bodyPr>
-          <a:lstStyle/>
-          <a:p>
-            <a:r>
-              <a:rPr lang="en-US" dirty="0" err="1" smtClean="0"/>
-              <a:t>Hyperty</a:t>
-            </a:r>
-            <a:r>
-              <a:rPr lang="en-US" dirty="0" smtClean="0"/>
-              <a:t> Reporter</a:t>
-            </a:r>
-            <a:endParaRPr lang="en-US" dirty="0"/>
-          </a:p>
-        </p:txBody>
-      </p:sp>
-      <p:sp>
-        <p:nvSpPr>
-          <p:cNvPr id="22" name="Oval 21"/>
-          <p:cNvSpPr/>
-          <p:nvPr/>
-        </p:nvSpPr>
-        <p:spPr>
-          <a:xfrm>
-            <a:off x="3474720" y="2508070"/>
-            <a:ext cx="849086" cy="849085"/>
-          </a:xfrm>
-          <a:prstGeom prst="ellipse">
-            <a:avLst/>
-          </a:prstGeom>
-          <a:solidFill>
-            <a:schemeClr val="tx1">
-              <a:lumMod val="65000"/>
-              <a:lumOff val="35000"/>
-            </a:schemeClr>
-          </a:solidFill>
-          <a:ln>
-            <a:solidFill>
-              <a:schemeClr val="bg1">
-                <a:lumMod val="50000"/>
-              </a:schemeClr>
-            </a:solidFill>
-          </a:ln>
-          <a:scene3d>
-            <a:camera prst="orthographicFront"/>
-            <a:lightRig rig="threePt" dir="t"/>
-          </a:scene3d>
-          <a:sp3d>
-            <a:bevelT w="165100" prst="coolSlant"/>
-          </a:sp3d>
-        </p:spPr>
-        <p:style>
-          <a:lnRef idx="2">
-            <a:schemeClr val="accent1">
-              <a:shade val="50000"/>
-            </a:schemeClr>
-          </a:lnRef>
-          <a:fillRef idx="1">
-            <a:schemeClr val="accent1"/>
-          </a:fillRef>
-          <a:effectRef idx="0">
-            <a:schemeClr val="accent1"/>
-          </a:effectRef>
-          <a:fontRef idx="minor">
-            <a:schemeClr val="lt1"/>
-          </a:fontRef>
-        </p:style>
-        <p:txBody>
-          <a:bodyPr wrap="none" lIns="0" tIns="0" rIns="0" bIns="0" rtlCol="0" anchor="ctr"/>
-          <a:lstStyle/>
-          <a:p>
-            <a:pPr algn="ctr"/>
-            <a:r>
-              <a:rPr lang="pt-PT" sz="2400" dirty="0" smtClean="0">
-                <a:effectLst>
-                  <a:outerShdw dist="50800" dir="2700000" algn="ctr" rotWithShape="0">
-                    <a:schemeClr val="tx1"/>
-                  </a:outerShdw>
-                </a:effectLst>
-              </a:rPr>
-              <a:t>O</a:t>
-            </a:r>
-            <a:endParaRPr lang="en-US" sz="2400" dirty="0" smtClean="0">
-              <a:effectLst>
-                <a:outerShdw dist="50800" dir="2700000" algn="ctr" rotWithShape="0">
-                  <a:schemeClr val="tx1"/>
-                </a:outerShdw>
-              </a:effectLst>
-            </a:endParaRPr>
-          </a:p>
-        </p:txBody>
-      </p:sp>
-      <p:sp>
-        <p:nvSpPr>
-          <p:cNvPr id="47" name="Oval 46"/>
-          <p:cNvSpPr/>
-          <p:nvPr/>
-        </p:nvSpPr>
-        <p:spPr>
-          <a:xfrm rot="714429">
-            <a:off x="6009684" y="2770223"/>
-            <a:ext cx="457200" cy="457200"/>
-          </a:xfrm>
-          <a:prstGeom prst="ellipse">
-            <a:avLst/>
-          </a:prstGeom>
-          <a:solidFill>
-            <a:srgbClr val="C00000"/>
-          </a:solidFill>
-          <a:ln>
-            <a:solidFill>
-              <a:schemeClr val="bg1">
-                <a:lumMod val="50000"/>
-              </a:schemeClr>
-            </a:solidFill>
-          </a:ln>
-          <a:scene3d>
-            <a:camera prst="orthographicFront"/>
-            <a:lightRig rig="threePt" dir="t"/>
-          </a:scene3d>
-          <a:sp3d>
-            <a:bevelT w="165100" prst="coolSlant"/>
-          </a:sp3d>
-        </p:spPr>
-        <p:style>
-          <a:lnRef idx="2">
-            <a:schemeClr val="accent1">
-              <a:shade val="50000"/>
-            </a:schemeClr>
-          </a:lnRef>
-          <a:fillRef idx="1">
-            <a:schemeClr val="accent1"/>
-          </a:fillRef>
-          <a:effectRef idx="0">
-            <a:schemeClr val="accent1"/>
-          </a:effectRef>
-          <a:fontRef idx="minor">
-            <a:schemeClr val="lt1"/>
-          </a:fontRef>
-        </p:style>
-        <p:txBody>
-          <a:bodyPr wrap="none" lIns="0" tIns="0" rIns="0" bIns="0" rtlCol="0" anchor="ctr"/>
-          <a:lstStyle/>
-          <a:p>
-            <a:pPr algn="ctr"/>
-            <a:r>
-              <a:rPr lang="pt-PT" sz="1200" dirty="0" smtClean="0">
-                <a:effectLst>
-                  <a:outerShdw dist="50800" dir="2700000" algn="ctr" rotWithShape="0">
-                    <a:schemeClr val="tx1"/>
-                  </a:outerShdw>
-                </a:effectLst>
-              </a:rPr>
-              <a:t>Ho</a:t>
-            </a:r>
-            <a:endParaRPr lang="en-US" sz="1200" dirty="0" smtClean="0">
-              <a:effectLst>
-                <a:outerShdw dist="50800" dir="2700000" algn="ctr" rotWithShape="0">
-                  <a:schemeClr val="tx1"/>
-                </a:outerShdw>
-              </a:effectLst>
-            </a:endParaRPr>
-          </a:p>
-        </p:txBody>
-      </p:sp>
-      <p:sp>
-        <p:nvSpPr>
-          <p:cNvPr id="48" name="Rectangle 47"/>
-          <p:cNvSpPr/>
-          <p:nvPr/>
-        </p:nvSpPr>
-        <p:spPr>
-          <a:xfrm>
-            <a:off x="6762719" y="2606374"/>
-            <a:ext cx="1089211" cy="646331"/>
-          </a:xfrm>
-          <a:prstGeom prst="rect">
-            <a:avLst/>
-          </a:prstGeom>
-        </p:spPr>
-        <p:txBody>
-          <a:bodyPr wrap="square">
-            <a:spAutoFit/>
-          </a:bodyPr>
-          <a:lstStyle/>
-          <a:p>
-            <a:r>
-              <a:rPr lang="en-US" dirty="0" err="1" smtClean="0"/>
-              <a:t>Hyperty</a:t>
-            </a:r>
-            <a:r>
-              <a:rPr lang="en-US" dirty="0" smtClean="0"/>
-              <a:t> Observer</a:t>
-            </a:r>
-            <a:endParaRPr lang="en-US" dirty="0"/>
-          </a:p>
-        </p:txBody>
-      </p:sp>
-      <p:cxnSp>
-        <p:nvCxnSpPr>
-          <p:cNvPr id="64" name="Straight Arrow Connector 63"/>
-          <p:cNvCxnSpPr/>
-          <p:nvPr/>
-        </p:nvCxnSpPr>
-        <p:spPr>
-          <a:xfrm flipV="1">
-            <a:off x="4624251" y="2938293"/>
-            <a:ext cx="1149686" cy="850"/>
-          </a:xfrm>
-          <a:prstGeom prst="straightConnector1">
-            <a:avLst/>
-          </a:prstGeom>
-          <a:ln w="28575">
-            <a:solidFill>
-              <a:schemeClr val="tx1"/>
-            </a:solidFill>
-            <a:prstDash val="dash"/>
-            <a:headEnd type="none" w="med" len="med"/>
-            <a:tailEnd type="arrow" w="med" len="med"/>
-          </a:ln>
-        </p:spPr>
-        <p:style>
-          <a:lnRef idx="1">
-            <a:schemeClr val="accent1"/>
-          </a:lnRef>
-          <a:fillRef idx="0">
-            <a:schemeClr val="accent1"/>
-          </a:fillRef>
-          <a:effectRef idx="0">
-            <a:schemeClr val="accent1"/>
-          </a:effectRef>
-          <a:fontRef idx="minor">
-            <a:schemeClr val="tx1"/>
-          </a:fontRef>
-        </p:style>
-      </p:cxnSp>
-      <p:pic>
-        <p:nvPicPr>
-          <p:cNvPr id="65" name="Picture 2" descr="https://d30y9cdsu7xlg0.cloudfront.net/png/30117-200.png"/>
-          <p:cNvPicPr>
-            <a:picLocks noChangeAspect="1" noChangeArrowheads="1"/>
-          </p:cNvPicPr>
-          <p:nvPr/>
-        </p:nvPicPr>
-        <p:blipFill>
-          <a:blip r:embed="rId2" cstate="print"/>
-          <a:srcRect/>
-          <a:stretch>
-            <a:fillRect/>
-          </a:stretch>
-        </p:blipFill>
-        <p:spPr bwMode="auto">
-          <a:xfrm>
-            <a:off x="5877184" y="2662998"/>
-            <a:ext cx="665526" cy="665526"/>
-          </a:xfrm>
-          <a:prstGeom prst="rect">
-            <a:avLst/>
-          </a:prstGeom>
-          <a:noFill/>
-        </p:spPr>
-      </p:pic>
-      <p:grpSp>
-        <p:nvGrpSpPr>
-          <p:cNvPr id="2" name="Group 25"/>
-          <p:cNvGrpSpPr/>
-          <p:nvPr/>
-        </p:nvGrpSpPr>
-        <p:grpSpPr>
-          <a:xfrm rot="1295918">
-            <a:off x="652376" y="2167283"/>
-            <a:ext cx="2487706" cy="1963270"/>
-            <a:chOff x="887506" y="2702860"/>
-            <a:chExt cx="2487706" cy="1963270"/>
-          </a:xfrm>
-        </p:grpSpPr>
-        <p:cxnSp>
-          <p:nvCxnSpPr>
-            <p:cNvPr id="32" name="Straight Arrow Connector 31"/>
-            <p:cNvCxnSpPr/>
-            <p:nvPr/>
-          </p:nvCxnSpPr>
-          <p:spPr>
-            <a:xfrm flipV="1">
-              <a:off x="2743200" y="2958353"/>
-              <a:ext cx="632012" cy="242047"/>
-            </a:xfrm>
-            <a:prstGeom prst="straightConnector1">
-              <a:avLst/>
-            </a:prstGeom>
-            <a:ln w="38100">
-              <a:solidFill>
-                <a:schemeClr val="tx1"/>
-              </a:solidFill>
-              <a:prstDash val="solid"/>
-              <a:headEnd type="none" w="med" len="med"/>
-              <a:tailEnd type="arrow" w="med" len="med"/>
-            </a:ln>
-          </p:spPr>
-          <p:style>
-            <a:lnRef idx="1">
-              <a:schemeClr val="accent1"/>
-            </a:lnRef>
-            <a:fillRef idx="0">
-              <a:schemeClr val="accent1"/>
-            </a:fillRef>
-            <a:effectRef idx="0">
-              <a:schemeClr val="accent1"/>
-            </a:effectRef>
-            <a:fontRef idx="minor">
-              <a:schemeClr val="tx1"/>
-            </a:fontRef>
-          </p:style>
-        </p:cxnSp>
-        <p:sp>
-          <p:nvSpPr>
-            <p:cNvPr id="77" name="Arc 76"/>
-            <p:cNvSpPr/>
-            <p:nvPr/>
-          </p:nvSpPr>
-          <p:spPr>
-            <a:xfrm>
-              <a:off x="1506071" y="3039035"/>
-              <a:ext cx="914400" cy="914400"/>
-            </a:xfrm>
-            <a:prstGeom prst="arc">
-              <a:avLst>
-                <a:gd name="adj1" fmla="val 17591928"/>
-                <a:gd name="adj2" fmla="val 495865"/>
-              </a:avLst>
-            </a:prstGeom>
-            <a:ln w="28575">
-              <a:solidFill>
-                <a:schemeClr val="bg1">
-                  <a:lumMod val="50000"/>
-                </a:schemeClr>
-              </a:solidFill>
-            </a:ln>
-          </p:spPr>
-          <p:style>
-            <a:lnRef idx="1">
-              <a:schemeClr val="accent1"/>
-            </a:lnRef>
-            <a:fillRef idx="0">
-              <a:schemeClr val="accent1"/>
-            </a:fillRef>
-            <a:effectRef idx="0">
-              <a:schemeClr val="accent1"/>
-            </a:effectRef>
-            <a:fontRef idx="minor">
-              <a:schemeClr val="tx1"/>
-            </a:fontRef>
-          </p:style>
-          <p:txBody>
-            <a:bodyPr rtlCol="0" anchor="ctr"/>
-            <a:lstStyle/>
-            <a:p>
-              <a:pPr algn="ctr"/>
-              <a:endParaRPr lang="en-US"/>
-            </a:p>
-          </p:txBody>
-        </p:sp>
-        <p:sp>
-          <p:nvSpPr>
-            <p:cNvPr id="79" name="Arc 78"/>
-            <p:cNvSpPr/>
-            <p:nvPr/>
-          </p:nvSpPr>
-          <p:spPr>
-            <a:xfrm>
-              <a:off x="1237130" y="2891118"/>
-              <a:ext cx="1331258" cy="1385047"/>
-            </a:xfrm>
-            <a:prstGeom prst="arc">
-              <a:avLst>
-                <a:gd name="adj1" fmla="val 17591928"/>
-                <a:gd name="adj2" fmla="val 495865"/>
-              </a:avLst>
-            </a:prstGeom>
-            <a:ln w="28575">
-              <a:solidFill>
-                <a:schemeClr val="bg1">
-                  <a:lumMod val="50000"/>
-                </a:schemeClr>
-              </a:solidFill>
-            </a:ln>
-          </p:spPr>
-          <p:style>
-            <a:lnRef idx="1">
-              <a:schemeClr val="accent1"/>
-            </a:lnRef>
-            <a:fillRef idx="0">
-              <a:schemeClr val="accent1"/>
-            </a:fillRef>
-            <a:effectRef idx="0">
-              <a:schemeClr val="accent1"/>
-            </a:effectRef>
-            <a:fontRef idx="minor">
-              <a:schemeClr val="tx1"/>
-            </a:fontRef>
-          </p:style>
-          <p:txBody>
-            <a:bodyPr rtlCol="0" anchor="ctr"/>
-            <a:lstStyle/>
-            <a:p>
-              <a:pPr algn="ctr"/>
-              <a:endParaRPr lang="en-US"/>
-            </a:p>
-          </p:txBody>
-        </p:sp>
-        <p:sp>
-          <p:nvSpPr>
-            <p:cNvPr id="81" name="Arc 80"/>
-            <p:cNvSpPr/>
-            <p:nvPr/>
-          </p:nvSpPr>
-          <p:spPr>
-            <a:xfrm>
-              <a:off x="887506" y="2702860"/>
-              <a:ext cx="1828799" cy="1963270"/>
-            </a:xfrm>
-            <a:prstGeom prst="arc">
-              <a:avLst>
-                <a:gd name="adj1" fmla="val 17591928"/>
-                <a:gd name="adj2" fmla="val 495865"/>
-              </a:avLst>
-            </a:prstGeom>
-            <a:ln w="28575">
-              <a:solidFill>
-                <a:schemeClr val="bg1">
-                  <a:lumMod val="50000"/>
-                </a:schemeClr>
-              </a:solidFill>
-            </a:ln>
-          </p:spPr>
-          <p:style>
-            <a:lnRef idx="1">
-              <a:schemeClr val="accent1"/>
-            </a:lnRef>
-            <a:fillRef idx="0">
-              <a:schemeClr val="accent1"/>
-            </a:fillRef>
-            <a:effectRef idx="0">
-              <a:schemeClr val="accent1"/>
-            </a:effectRef>
-            <a:fontRef idx="minor">
-              <a:schemeClr val="tx1"/>
-            </a:fontRef>
-          </p:style>
-          <p:txBody>
-            <a:bodyPr rtlCol="0" anchor="ctr"/>
-            <a:lstStyle/>
-            <a:p>
-              <a:pPr algn="ctr"/>
-              <a:endParaRPr lang="en-US"/>
-            </a:p>
-          </p:txBody>
-        </p:sp>
-      </p:grpSp>
-      <p:sp>
-        <p:nvSpPr>
-          <p:cNvPr id="95" name="Rectangle 94"/>
-          <p:cNvSpPr/>
-          <p:nvPr/>
-        </p:nvSpPr>
-        <p:spPr>
-          <a:xfrm>
-            <a:off x="3148148" y="1690692"/>
-            <a:ext cx="1585087" cy="646331"/>
-          </a:xfrm>
-          <a:prstGeom prst="rect">
-            <a:avLst/>
-          </a:prstGeom>
-        </p:spPr>
-        <p:txBody>
-          <a:bodyPr wrap="square">
-            <a:spAutoFit/>
-          </a:bodyPr>
-          <a:lstStyle/>
-          <a:p>
-            <a:pPr algn="ctr"/>
-            <a:r>
-              <a:rPr lang="en-US" dirty="0" err="1" smtClean="0"/>
-              <a:t>Hyperty</a:t>
-            </a:r>
-            <a:r>
-              <a:rPr lang="en-US" dirty="0" smtClean="0"/>
-              <a:t> Data Object</a:t>
-            </a:r>
-            <a:endParaRPr lang="en-US" dirty="0"/>
-          </a:p>
-        </p:txBody>
-      </p:sp>
-      <p:sp>
-        <p:nvSpPr>
-          <p:cNvPr id="97" name="Title 1"/>
-          <p:cNvSpPr txBox="1">
-            <a:spLocks/>
-          </p:cNvSpPr>
-          <p:nvPr/>
-        </p:nvSpPr>
-        <p:spPr>
-          <a:xfrm>
-            <a:off x="831382" y="170707"/>
-            <a:ext cx="7200592" cy="473507"/>
-          </a:xfrm>
-          <a:prstGeom prst="rect">
-            <a:avLst/>
-          </a:prstGeom>
-        </p:spPr>
-        <p:txBody>
-          <a:bodyPr/>
-          <a:lstStyle/>
-          <a:p>
-            <a:pPr marL="0" marR="0" lvl="0" indent="0" algn="ctr" defTabSz="914400" rtl="0" eaLnBrk="1" fontAlgn="auto" latinLnBrk="0" hangingPunct="1">
-              <a:lnSpc>
-                <a:spcPct val="100000"/>
-              </a:lnSpc>
-              <a:spcBef>
-                <a:spcPct val="0"/>
-              </a:spcBef>
-              <a:spcAft>
-                <a:spcPts val="0"/>
-              </a:spcAft>
-              <a:buClrTx/>
-              <a:buSzTx/>
-              <a:buFontTx/>
-              <a:buNone/>
-              <a:tabLst/>
-              <a:defRPr/>
-            </a:pPr>
-            <a:r>
-              <a:rPr kumimoji="0" lang="pt-PT" sz="2800" b="1" i="0" u="none" strike="noStrike" kern="1200" cap="none" spc="0" normalizeH="0" baseline="0" noProof="0" dirty="0" err="1" smtClean="0">
-                <a:ln>
-                  <a:noFill/>
-                </a:ln>
-                <a:solidFill>
-                  <a:schemeClr val="tx1"/>
-                </a:solidFill>
-                <a:effectLst/>
-                <a:uLnTx/>
-                <a:uFillTx/>
-                <a:latin typeface="+mj-lt"/>
-                <a:ea typeface="+mj-ea"/>
-                <a:cs typeface="+mj-cs"/>
-              </a:rPr>
-              <a:t>Reporter</a:t>
-            </a:r>
-            <a:r>
-              <a:rPr kumimoji="0" lang="pt-PT" sz="2800" b="1" i="0" u="none" strike="noStrike" kern="1200" cap="none" spc="0" normalizeH="0" baseline="0" noProof="0" dirty="0" smtClean="0">
-                <a:ln>
-                  <a:noFill/>
-                </a:ln>
-                <a:solidFill>
-                  <a:schemeClr val="tx1"/>
-                </a:solidFill>
-                <a:effectLst/>
-                <a:uLnTx/>
-                <a:uFillTx/>
-                <a:latin typeface="+mj-lt"/>
-                <a:ea typeface="+mj-ea"/>
-                <a:cs typeface="+mj-cs"/>
-              </a:rPr>
-              <a:t> – </a:t>
-            </a:r>
-            <a:r>
-              <a:rPr kumimoji="0" lang="pt-PT" sz="2800" b="1" i="0" u="none" strike="noStrike" kern="1200" cap="none" spc="0" normalizeH="0" baseline="0" noProof="0" dirty="0" err="1" smtClean="0">
-                <a:ln>
-                  <a:noFill/>
-                </a:ln>
-                <a:solidFill>
-                  <a:schemeClr val="tx1"/>
-                </a:solidFill>
-                <a:effectLst/>
-                <a:uLnTx/>
-                <a:uFillTx/>
-                <a:latin typeface="+mj-lt"/>
-                <a:ea typeface="+mj-ea"/>
-                <a:cs typeface="+mj-cs"/>
-              </a:rPr>
-              <a:t>Observer</a:t>
-            </a:r>
-            <a:r>
-              <a:rPr kumimoji="0" lang="pt-PT" sz="2800" b="1" i="0" u="none" strike="noStrike" kern="1200" cap="none" spc="0" normalizeH="0" baseline="0" noProof="0" dirty="0" smtClean="0">
-                <a:ln>
-                  <a:noFill/>
-                </a:ln>
-                <a:solidFill>
-                  <a:schemeClr val="tx1"/>
-                </a:solidFill>
-                <a:effectLst/>
-                <a:uLnTx/>
-                <a:uFillTx/>
-                <a:latin typeface="+mj-lt"/>
-                <a:ea typeface="+mj-ea"/>
-                <a:cs typeface="+mj-cs"/>
-              </a:rPr>
-              <a:t> </a:t>
-            </a:r>
-            <a:r>
-              <a:rPr kumimoji="0" lang="pt-PT" sz="2800" b="1" i="0" u="none" strike="noStrike" kern="1200" cap="none" spc="0" normalizeH="0" baseline="0" noProof="0" dirty="0" err="1" smtClean="0">
-                <a:ln>
-                  <a:noFill/>
-                </a:ln>
-                <a:solidFill>
-                  <a:schemeClr val="tx1"/>
-                </a:solidFill>
-                <a:effectLst/>
-                <a:uLnTx/>
-                <a:uFillTx/>
-                <a:latin typeface="+mj-lt"/>
-                <a:ea typeface="+mj-ea"/>
-                <a:cs typeface="+mj-cs"/>
-              </a:rPr>
-              <a:t>Synch</a:t>
-            </a:r>
-            <a:r>
-              <a:rPr kumimoji="0" lang="pt-PT" sz="2800" b="1" i="0" u="none" strike="noStrike" kern="1200" cap="none" spc="0" normalizeH="0" baseline="0" noProof="0" dirty="0" smtClean="0">
-                <a:ln>
-                  <a:noFill/>
-                </a:ln>
-                <a:solidFill>
-                  <a:schemeClr val="tx1"/>
-                </a:solidFill>
-                <a:effectLst/>
-                <a:uLnTx/>
-                <a:uFillTx/>
-                <a:latin typeface="+mj-lt"/>
-                <a:ea typeface="+mj-ea"/>
-                <a:cs typeface="+mj-cs"/>
-              </a:rPr>
-              <a:t> Data </a:t>
-            </a:r>
-            <a:r>
-              <a:rPr kumimoji="0" lang="pt-PT" sz="2800" b="1" i="0" u="none" strike="noStrike" kern="1200" cap="none" spc="0" normalizeH="0" baseline="0" noProof="0" dirty="0" err="1" smtClean="0">
-                <a:ln>
-                  <a:noFill/>
-                </a:ln>
-                <a:solidFill>
-                  <a:schemeClr val="tx1"/>
-                </a:solidFill>
-                <a:effectLst/>
-                <a:uLnTx/>
-                <a:uFillTx/>
-                <a:latin typeface="+mj-lt"/>
-                <a:ea typeface="+mj-ea"/>
-                <a:cs typeface="+mj-cs"/>
-              </a:rPr>
-              <a:t>Communication</a:t>
-            </a:r>
-            <a:r>
-              <a:rPr kumimoji="0" lang="pt-PT" sz="2800" b="1" i="0" u="none" strike="noStrike" kern="1200" cap="none" spc="0" normalizeH="0" baseline="0" noProof="0" dirty="0" smtClean="0">
-                <a:ln>
-                  <a:noFill/>
-                </a:ln>
-                <a:solidFill>
-                  <a:schemeClr val="tx1"/>
-                </a:solidFill>
-                <a:effectLst/>
-                <a:uLnTx/>
-                <a:uFillTx/>
-                <a:latin typeface="+mj-lt"/>
-                <a:ea typeface="+mj-ea"/>
-                <a:cs typeface="+mj-cs"/>
-              </a:rPr>
-              <a:t> </a:t>
-            </a:r>
-            <a:r>
-              <a:rPr kumimoji="0" lang="pt-PT" sz="2800" b="1" i="0" u="none" strike="noStrike" kern="1200" cap="none" spc="0" normalizeH="0" baseline="0" noProof="0" dirty="0" err="1" smtClean="0">
-                <a:ln>
-                  <a:noFill/>
-                </a:ln>
-                <a:solidFill>
-                  <a:schemeClr val="tx1"/>
-                </a:solidFill>
-                <a:effectLst/>
-                <a:uLnTx/>
-                <a:uFillTx/>
-                <a:latin typeface="+mj-lt"/>
-                <a:ea typeface="+mj-ea"/>
-                <a:cs typeface="+mj-cs"/>
-              </a:rPr>
-              <a:t>Pattern</a:t>
-            </a:r>
-            <a:endParaRPr kumimoji="0" lang="en-US" sz="2800" b="1" i="0" u="none" strike="noStrike" kern="1200" cap="none" spc="0" normalizeH="0" baseline="0" noProof="0" dirty="0">
-              <a:ln>
-                <a:noFill/>
-              </a:ln>
-              <a:solidFill>
-                <a:schemeClr val="tx1"/>
-              </a:solidFill>
-              <a:effectLst/>
-              <a:uLnTx/>
-              <a:uFillTx/>
-              <a:latin typeface="+mj-lt"/>
-              <a:ea typeface="+mj-ea"/>
-              <a:cs typeface="+mj-cs"/>
-            </a:endParaRPr>
-          </a:p>
-        </p:txBody>
-      </p:sp>
-      <p:sp>
-        <p:nvSpPr>
-          <p:cNvPr id="17" name="Rectangle 16"/>
-          <p:cNvSpPr/>
-          <p:nvPr/>
-        </p:nvSpPr>
-        <p:spPr>
-          <a:xfrm>
-            <a:off x="548639" y="4056745"/>
-            <a:ext cx="7903029" cy="2308324"/>
-          </a:xfrm>
-          <a:prstGeom prst="rect">
-            <a:avLst/>
-          </a:prstGeom>
-        </p:spPr>
-        <p:txBody>
-          <a:bodyPr wrap="square">
-            <a:spAutoFit/>
-          </a:bodyPr>
-          <a:lstStyle/>
-          <a:p>
-            <a:r>
-              <a:rPr lang="pt-PT" dirty="0" err="1" smtClean="0"/>
-              <a:t>Hyperties</a:t>
-            </a:r>
-            <a:r>
-              <a:rPr lang="pt-PT" dirty="0" smtClean="0"/>
-              <a:t> are </a:t>
-            </a:r>
-            <a:r>
-              <a:rPr lang="pt-PT" dirty="0" err="1" smtClean="0"/>
-              <a:t>very</a:t>
-            </a:r>
-            <a:r>
-              <a:rPr lang="pt-PT" dirty="0" smtClean="0"/>
-              <a:t> </a:t>
-            </a:r>
-            <a:r>
-              <a:rPr lang="pt-PT" dirty="0" err="1" smtClean="0"/>
-              <a:t>developer</a:t>
-            </a:r>
-            <a:r>
-              <a:rPr lang="pt-PT" dirty="0" smtClean="0"/>
-              <a:t> </a:t>
-            </a:r>
-            <a:r>
-              <a:rPr lang="pt-PT" dirty="0" err="1" smtClean="0"/>
-              <a:t>friendly</a:t>
-            </a:r>
-            <a:r>
-              <a:rPr lang="pt-PT" dirty="0" smtClean="0"/>
-              <a:t>. </a:t>
-            </a:r>
-            <a:r>
-              <a:rPr lang="pt-PT" dirty="0" err="1" smtClean="0"/>
-              <a:t>Communication</a:t>
-            </a:r>
-            <a:r>
-              <a:rPr lang="pt-PT" dirty="0" smtClean="0"/>
-              <a:t> </a:t>
-            </a:r>
-            <a:r>
-              <a:rPr lang="pt-PT" dirty="0" err="1" smtClean="0"/>
-              <a:t>among</a:t>
-            </a:r>
-            <a:r>
-              <a:rPr lang="pt-PT" dirty="0" smtClean="0"/>
-              <a:t> </a:t>
-            </a:r>
-            <a:r>
-              <a:rPr lang="pt-PT" dirty="0" err="1" smtClean="0"/>
-              <a:t>Hyperties</a:t>
-            </a:r>
-            <a:r>
-              <a:rPr lang="pt-PT" dirty="0" smtClean="0"/>
-              <a:t> are base </a:t>
-            </a:r>
-            <a:r>
-              <a:rPr lang="pt-PT" dirty="0" err="1" smtClean="0"/>
-              <a:t>on</a:t>
-            </a:r>
-            <a:r>
-              <a:rPr lang="pt-PT" dirty="0" smtClean="0"/>
-              <a:t> a </a:t>
-            </a:r>
-            <a:r>
-              <a:rPr lang="pt-PT" dirty="0" err="1" smtClean="0"/>
-              <a:t>new</a:t>
-            </a:r>
-            <a:r>
-              <a:rPr lang="pt-PT" dirty="0" smtClean="0"/>
-              <a:t> P2P Data </a:t>
-            </a:r>
-            <a:r>
-              <a:rPr lang="pt-PT" dirty="0" err="1" smtClean="0"/>
-              <a:t>Synchronisation</a:t>
-            </a:r>
-            <a:r>
-              <a:rPr lang="pt-PT" dirty="0" smtClean="0"/>
-              <a:t> </a:t>
-            </a:r>
-            <a:r>
-              <a:rPr lang="pt-PT" dirty="0" err="1" smtClean="0"/>
-              <a:t>Reporter</a:t>
-            </a:r>
-            <a:r>
-              <a:rPr lang="pt-PT" dirty="0" smtClean="0"/>
-              <a:t> –</a:t>
-            </a:r>
-            <a:r>
-              <a:rPr lang="pt-PT" dirty="0" err="1" smtClean="0"/>
-              <a:t>Observer</a:t>
-            </a:r>
-            <a:r>
-              <a:rPr lang="pt-PT" dirty="0" smtClean="0"/>
-              <a:t> </a:t>
-            </a:r>
-            <a:r>
-              <a:rPr lang="pt-PT" dirty="0" err="1" smtClean="0"/>
-              <a:t>pattern</a:t>
-            </a:r>
-            <a:r>
-              <a:rPr lang="pt-PT" dirty="0" smtClean="0"/>
-              <a:t> </a:t>
-            </a:r>
-            <a:r>
-              <a:rPr lang="pt-PT" dirty="0" err="1" smtClean="0"/>
-              <a:t>where</a:t>
-            </a:r>
-            <a:r>
-              <a:rPr lang="pt-PT" dirty="0" smtClean="0"/>
-              <a:t> </a:t>
-            </a:r>
-            <a:r>
-              <a:rPr lang="pt-PT" dirty="0" err="1" smtClean="0"/>
-              <a:t>basicaly</a:t>
-            </a:r>
-            <a:r>
-              <a:rPr lang="pt-PT" dirty="0" smtClean="0"/>
-              <a:t> </a:t>
-            </a:r>
-            <a:r>
-              <a:rPr lang="pt-PT" dirty="0" err="1" smtClean="0"/>
-              <a:t>Hyperties</a:t>
-            </a:r>
-            <a:r>
-              <a:rPr lang="pt-PT" dirty="0" smtClean="0"/>
-              <a:t> </a:t>
-            </a:r>
-            <a:r>
-              <a:rPr lang="pt-PT" dirty="0" err="1" smtClean="0"/>
-              <a:t>only</a:t>
-            </a:r>
-            <a:r>
-              <a:rPr lang="pt-PT" dirty="0" smtClean="0"/>
-              <a:t> </a:t>
-            </a:r>
-            <a:r>
-              <a:rPr lang="pt-PT" dirty="0" err="1" smtClean="0"/>
-              <a:t>have</a:t>
-            </a:r>
-            <a:r>
-              <a:rPr lang="pt-PT" dirty="0" smtClean="0"/>
-              <a:t> to </a:t>
-            </a:r>
-            <a:r>
-              <a:rPr lang="pt-PT" dirty="0" err="1" smtClean="0"/>
-              <a:t>write</a:t>
-            </a:r>
-            <a:r>
-              <a:rPr lang="pt-PT" dirty="0" smtClean="0"/>
-              <a:t> </a:t>
-            </a:r>
-            <a:r>
-              <a:rPr lang="pt-PT" dirty="0" err="1" smtClean="0"/>
-              <a:t>on</a:t>
-            </a:r>
-            <a:r>
-              <a:rPr lang="pt-PT" dirty="0" smtClean="0"/>
-              <a:t> a JSON data </a:t>
-            </a:r>
-            <a:r>
-              <a:rPr lang="pt-PT" dirty="0" err="1" smtClean="0"/>
-              <a:t>object</a:t>
-            </a:r>
-            <a:r>
-              <a:rPr lang="pt-PT" dirty="0" smtClean="0"/>
-              <a:t> </a:t>
-            </a:r>
-            <a:r>
-              <a:rPr lang="pt-PT" dirty="0" err="1" smtClean="0"/>
-              <a:t>everytime</a:t>
-            </a:r>
-            <a:r>
-              <a:rPr lang="pt-PT" dirty="0" smtClean="0"/>
-              <a:t> </a:t>
-            </a:r>
-            <a:r>
-              <a:rPr lang="pt-PT" dirty="0" err="1" smtClean="0"/>
-              <a:t>there</a:t>
-            </a:r>
-            <a:r>
-              <a:rPr lang="pt-PT" dirty="0" smtClean="0"/>
-              <a:t> </a:t>
-            </a:r>
-            <a:r>
-              <a:rPr lang="pt-PT" dirty="0" err="1" smtClean="0"/>
-              <a:t>is</a:t>
-            </a:r>
-            <a:r>
-              <a:rPr lang="pt-PT" dirty="0" smtClean="0"/>
-              <a:t> a </a:t>
-            </a:r>
-            <a:r>
-              <a:rPr lang="pt-PT" dirty="0" err="1" smtClean="0"/>
-              <a:t>need</a:t>
-            </a:r>
-            <a:r>
-              <a:rPr lang="pt-PT" dirty="0" smtClean="0"/>
-              <a:t> to </a:t>
-            </a:r>
-            <a:r>
-              <a:rPr lang="pt-PT" dirty="0" err="1" smtClean="0"/>
-              <a:t>communicate</a:t>
-            </a:r>
-            <a:r>
-              <a:rPr lang="pt-PT" dirty="0" smtClean="0"/>
-              <a:t> </a:t>
-            </a:r>
-            <a:r>
-              <a:rPr lang="pt-PT" dirty="0" err="1" smtClean="0"/>
-              <a:t>with</a:t>
-            </a:r>
-            <a:r>
-              <a:rPr lang="pt-PT" dirty="0" smtClean="0"/>
-              <a:t> </a:t>
-            </a:r>
-            <a:r>
-              <a:rPr lang="pt-PT" dirty="0" err="1" smtClean="0"/>
-              <a:t>other</a:t>
-            </a:r>
-            <a:r>
-              <a:rPr lang="pt-PT" dirty="0" smtClean="0"/>
-              <a:t> </a:t>
-            </a:r>
-            <a:r>
-              <a:rPr lang="pt-PT" dirty="0" err="1" smtClean="0"/>
-              <a:t>Hyperties</a:t>
-            </a:r>
-            <a:r>
-              <a:rPr lang="pt-PT" dirty="0" smtClean="0"/>
-              <a:t>.  </a:t>
-            </a:r>
-          </a:p>
-          <a:p>
-            <a:endParaRPr lang="pt-PT" dirty="0" smtClean="0"/>
-          </a:p>
-          <a:p>
-            <a:r>
-              <a:rPr lang="pt-PT" dirty="0" err="1" smtClean="0"/>
-              <a:t>Everything</a:t>
-            </a:r>
-            <a:r>
-              <a:rPr lang="pt-PT" dirty="0" smtClean="0"/>
-              <a:t> </a:t>
-            </a:r>
-            <a:r>
-              <a:rPr lang="pt-PT" dirty="0" err="1" smtClean="0"/>
-              <a:t>else</a:t>
-            </a:r>
-            <a:r>
-              <a:rPr lang="pt-PT" dirty="0" smtClean="0"/>
-              <a:t>, </a:t>
-            </a:r>
-            <a:r>
-              <a:rPr lang="pt-PT" dirty="0" err="1" smtClean="0"/>
-              <a:t>including</a:t>
-            </a:r>
-            <a:r>
-              <a:rPr lang="pt-PT" dirty="0" smtClean="0"/>
-              <a:t> network </a:t>
-            </a:r>
-            <a:r>
-              <a:rPr lang="pt-PT" dirty="0" err="1" smtClean="0"/>
-              <a:t>protocols</a:t>
-            </a:r>
-            <a:r>
-              <a:rPr lang="pt-PT" dirty="0" smtClean="0"/>
-              <a:t> and </a:t>
-            </a:r>
-            <a:r>
-              <a:rPr lang="pt-PT" dirty="0" err="1" smtClean="0"/>
-              <a:t>identity</a:t>
-            </a:r>
-            <a:r>
-              <a:rPr lang="pt-PT" dirty="0" smtClean="0"/>
-              <a:t> management </a:t>
-            </a:r>
-            <a:r>
-              <a:rPr lang="pt-PT" dirty="0" err="1" smtClean="0"/>
-              <a:t>mechanisms</a:t>
-            </a:r>
-            <a:r>
-              <a:rPr lang="pt-PT" dirty="0" smtClean="0"/>
-              <a:t>, are </a:t>
-            </a:r>
-            <a:r>
-              <a:rPr lang="pt-PT" dirty="0" err="1" smtClean="0"/>
-              <a:t>handled</a:t>
-            </a:r>
-            <a:r>
-              <a:rPr lang="pt-PT" dirty="0" smtClean="0"/>
-              <a:t> </a:t>
-            </a:r>
-            <a:r>
-              <a:rPr lang="pt-PT" dirty="0" err="1" smtClean="0"/>
-              <a:t>by</a:t>
-            </a:r>
-            <a:r>
-              <a:rPr lang="pt-PT" dirty="0" smtClean="0"/>
-              <a:t> </a:t>
-            </a:r>
-            <a:r>
-              <a:rPr lang="pt-PT" dirty="0" err="1" smtClean="0"/>
-              <a:t>Hyperty</a:t>
-            </a:r>
-            <a:r>
-              <a:rPr lang="pt-PT" dirty="0" smtClean="0"/>
-              <a:t> Core </a:t>
-            </a:r>
-            <a:r>
-              <a:rPr lang="pt-PT" dirty="0" err="1" smtClean="0"/>
-              <a:t>Runtime</a:t>
-            </a:r>
-            <a:r>
-              <a:rPr lang="pt-PT" dirty="0" smtClean="0"/>
-              <a:t> and </a:t>
-            </a:r>
-            <a:r>
-              <a:rPr lang="pt-PT" dirty="0" err="1" smtClean="0"/>
-              <a:t>the</a:t>
-            </a:r>
-            <a:r>
-              <a:rPr lang="pt-PT" dirty="0" smtClean="0"/>
-              <a:t> </a:t>
-            </a:r>
-            <a:r>
-              <a:rPr lang="pt-PT" dirty="0" err="1" smtClean="0"/>
-              <a:t>Messaging</a:t>
-            </a:r>
-            <a:r>
-              <a:rPr lang="pt-PT" dirty="0" smtClean="0"/>
-              <a:t> </a:t>
-            </a:r>
-            <a:r>
-              <a:rPr lang="pt-PT" dirty="0" err="1" smtClean="0"/>
-              <a:t>Oriented</a:t>
-            </a:r>
-            <a:r>
-              <a:rPr lang="pt-PT" dirty="0" smtClean="0"/>
-              <a:t> </a:t>
-            </a:r>
-            <a:r>
-              <a:rPr lang="pt-PT" dirty="0" err="1" smtClean="0"/>
-              <a:t>Middleware</a:t>
-            </a:r>
-            <a:r>
-              <a:rPr lang="pt-PT" smtClean="0"/>
-              <a:t>.</a:t>
-            </a:r>
-            <a:endParaRPr lang="pt-PT" dirty="0" smtClean="0"/>
-          </a:p>
-        </p:txBody>
-      </p:sp>
-    </p:spTree>
-  </p:cSld>
-  <p:clrMapOvr>
-    <a:masterClrMapping/>
-  </p:clrMapOvr>
-  <p:transition spd="slow">
-    <p:wipe dir="r"/>
-  </p:transition>
-  <p:timing>
-    <p:tnLst>
-      <p:par>
-        <p:cTn id="1" dur="indefinite" restart="never" nodeType="tmRoot"/>
-      </p:par>
-    </p:tnLst>
-  </p:timing>
-</p:sld>
-</file>
-
-<file path=ppt/slides/slide20.xml><?xml version="1.0" encoding="utf-8"?>
+<file path=ppt/slides/slide21.xml><?xml version="1.0" encoding="utf-8"?>
 <p:sld xmlns:a="http://schemas.openxmlformats.org/drawingml/2006/main" xmlns:r="http://schemas.openxmlformats.org/officeDocument/2006/relationships" xmlns:p="http://schemas.openxmlformats.org/presentationml/2006/main">
   <p:cSld>
     <p:spTree>
@@ -21891,7 +22943,7 @@
 </p:sld>
 </file>
 
-<file path=ppt/slides/slide21.xml><?xml version="1.0" encoding="utf-8"?>
+<file path=ppt/slides/slide22.xml><?xml version="1.0" encoding="utf-8"?>
 <p:sld xmlns:a="http://schemas.openxmlformats.org/drawingml/2006/main" xmlns:r="http://schemas.openxmlformats.org/officeDocument/2006/relationships" xmlns:p="http://schemas.openxmlformats.org/presentationml/2006/main">
   <p:cSld>
     <p:spTree>
@@ -22969,7 +24021,7 @@
 </p:sld>
 </file>
 
-<file path=ppt/slides/slide22.xml><?xml version="1.0" encoding="utf-8"?>
+<file path=ppt/slides/slide23.xml><?xml version="1.0" encoding="utf-8"?>
 <p:sld xmlns:a="http://schemas.openxmlformats.org/drawingml/2006/main" xmlns:r="http://schemas.openxmlformats.org/officeDocument/2006/relationships" xmlns:p="http://schemas.openxmlformats.org/presentationml/2006/main">
   <p:cSld>
     <p:spTree>
@@ -23162,7 +24214,7 @@
 </p:sld>
 </file>
 
-<file path=ppt/slides/slide23.xml><?xml version="1.0" encoding="utf-8"?>
+<file path=ppt/slides/slide24.xml><?xml version="1.0" encoding="utf-8"?>
 <p:sld xmlns:a="http://schemas.openxmlformats.org/drawingml/2006/main" xmlns:r="http://schemas.openxmlformats.org/officeDocument/2006/relationships" xmlns:p="http://schemas.openxmlformats.org/presentationml/2006/main">
   <p:cSld>
     <p:spTree>
@@ -23259,7 +24311,7 @@
 </p:sld>
 </file>
 
-<file path=ppt/slides/slide24.xml><?xml version="1.0" encoding="utf-8"?>
+<file path=ppt/slides/slide25.xml><?xml version="1.0" encoding="utf-8"?>
 <p:sld xmlns:a="http://schemas.openxmlformats.org/drawingml/2006/main" xmlns:r="http://schemas.openxmlformats.org/officeDocument/2006/relationships" xmlns:p="http://schemas.openxmlformats.org/presentationml/2006/main">
   <p:cSld>
     <p:spTree>
@@ -25870,7 +26922,7 @@
 </p:sld>
 </file>
 
-<file path=ppt/slides/slide25.xml><?xml version="1.0" encoding="utf-8"?>
+<file path=ppt/slides/slide26.xml><?xml version="1.0" encoding="utf-8"?>
 <p:sld xmlns:a="http://schemas.openxmlformats.org/drawingml/2006/main" xmlns:r="http://schemas.openxmlformats.org/officeDocument/2006/relationships" xmlns:p="http://schemas.openxmlformats.org/presentationml/2006/main">
   <p:cSld>
     <p:spTree>
@@ -28243,7 +29295,7 @@
 </p:sld>
 </file>
 
-<file path=ppt/slides/slide26.xml><?xml version="1.0" encoding="utf-8"?>
+<file path=ppt/slides/slide27.xml><?xml version="1.0" encoding="utf-8"?>
 <p:sld xmlns:a="http://schemas.openxmlformats.org/drawingml/2006/main" xmlns:r="http://schemas.openxmlformats.org/officeDocument/2006/relationships" xmlns:p="http://schemas.openxmlformats.org/presentationml/2006/main">
   <p:cSld>
     <p:spTree>
@@ -30214,655 +31266,13 @@
       </p:grpSpPr>
       <p:sp>
         <p:nvSpPr>
-          <p:cNvPr id="4" name="Isosceles Triangle 3"/>
-          <p:cNvSpPr/>
-          <p:nvPr/>
-        </p:nvSpPr>
-        <p:spPr>
-          <a:xfrm>
-            <a:off x="1779494" y="4549588"/>
-            <a:ext cx="533400" cy="381000"/>
-          </a:xfrm>
-          <a:prstGeom prst="triangle">
-            <a:avLst/>
-          </a:prstGeom>
-          <a:solidFill>
-            <a:schemeClr val="accent6">
-              <a:lumMod val="75000"/>
-            </a:schemeClr>
-          </a:solidFill>
-          <a:ln>
-            <a:solidFill>
-              <a:schemeClr val="bg1">
-                <a:lumMod val="85000"/>
-              </a:schemeClr>
-            </a:solidFill>
-          </a:ln>
-          <a:scene3d>
-            <a:camera prst="orthographicFront"/>
-            <a:lightRig rig="threePt" dir="t"/>
-          </a:scene3d>
-          <a:sp3d>
-            <a:bevelT w="165100" prst="coolSlant"/>
-          </a:sp3d>
-        </p:spPr>
-        <p:style>
-          <a:lnRef idx="2">
-            <a:schemeClr val="accent1">
-              <a:shade val="50000"/>
-            </a:schemeClr>
-          </a:lnRef>
-          <a:fillRef idx="1">
-            <a:schemeClr val="accent1"/>
-          </a:fillRef>
-          <a:effectRef idx="0">
-            <a:schemeClr val="accent1"/>
-          </a:effectRef>
-          <a:fontRef idx="minor">
-            <a:schemeClr val="lt1"/>
-          </a:fontRef>
-        </p:style>
-        <p:txBody>
-          <a:bodyPr rtlCol="0" anchor="ctr"/>
-          <a:lstStyle/>
-          <a:p>
-            <a:pPr algn="ctr"/>
-            <a:endParaRPr lang="en-US"/>
-          </a:p>
-        </p:txBody>
-      </p:sp>
-      <p:sp>
-        <p:nvSpPr>
-          <p:cNvPr id="5" name="Oval 4"/>
-          <p:cNvSpPr/>
-          <p:nvPr/>
-        </p:nvSpPr>
-        <p:spPr>
-          <a:xfrm>
-            <a:off x="1855694" y="4320988"/>
-            <a:ext cx="381000" cy="381000"/>
-          </a:xfrm>
-          <a:prstGeom prst="ellipse">
-            <a:avLst/>
-          </a:prstGeom>
-          <a:solidFill>
-            <a:schemeClr val="accent6">
-              <a:lumMod val="75000"/>
-            </a:schemeClr>
-          </a:solidFill>
-          <a:ln>
-            <a:solidFill>
-              <a:schemeClr val="bg1">
-                <a:lumMod val="85000"/>
-              </a:schemeClr>
-            </a:solidFill>
-          </a:ln>
-          <a:scene3d>
-            <a:camera prst="orthographicFront"/>
-            <a:lightRig rig="threePt" dir="t"/>
-          </a:scene3d>
-          <a:sp3d>
-            <a:bevelT w="165100" prst="coolSlant"/>
-          </a:sp3d>
-        </p:spPr>
-        <p:style>
-          <a:lnRef idx="2">
-            <a:schemeClr val="accent1">
-              <a:shade val="50000"/>
-            </a:schemeClr>
-          </a:lnRef>
-          <a:fillRef idx="1">
-            <a:schemeClr val="accent1"/>
-          </a:fillRef>
-          <a:effectRef idx="0">
-            <a:schemeClr val="accent1"/>
-          </a:effectRef>
-          <a:fontRef idx="minor">
-            <a:schemeClr val="lt1"/>
-          </a:fontRef>
-        </p:style>
-        <p:txBody>
-          <a:bodyPr rtlCol="0" anchor="ctr"/>
-          <a:lstStyle/>
-          <a:p>
-            <a:pPr algn="ctr"/>
-            <a:endParaRPr lang="en-US"/>
-          </a:p>
-        </p:txBody>
-      </p:sp>
-      <p:sp>
-        <p:nvSpPr>
-          <p:cNvPr id="24" name="Oval Callout 23"/>
-          <p:cNvSpPr/>
-          <p:nvPr/>
-        </p:nvSpPr>
-        <p:spPr>
-          <a:xfrm>
-            <a:off x="1398494" y="4092388"/>
-            <a:ext cx="381000" cy="457200"/>
-          </a:xfrm>
-          <a:prstGeom prst="wedgeEllipseCallout">
-            <a:avLst>
-              <a:gd name="adj1" fmla="val 100332"/>
-              <a:gd name="adj2" fmla="val 68326"/>
-            </a:avLst>
-          </a:prstGeom>
-          <a:noFill/>
-          <a:ln>
-            <a:solidFill>
-              <a:schemeClr val="tx1"/>
-            </a:solidFill>
-          </a:ln>
-        </p:spPr>
-        <p:style>
-          <a:lnRef idx="2">
-            <a:schemeClr val="accent1">
-              <a:shade val="50000"/>
-            </a:schemeClr>
-          </a:lnRef>
-          <a:fillRef idx="1">
-            <a:schemeClr val="accent1"/>
-          </a:fillRef>
-          <a:effectRef idx="0">
-            <a:schemeClr val="accent1"/>
-          </a:effectRef>
-          <a:fontRef idx="minor">
-            <a:schemeClr val="lt1"/>
-          </a:fontRef>
-        </p:style>
-        <p:txBody>
-          <a:bodyPr rtlCol="0" anchor="ctr"/>
-          <a:lstStyle/>
-          <a:p>
-            <a:pPr algn="ctr"/>
-            <a:endParaRPr lang="en-US"/>
-          </a:p>
-        </p:txBody>
-      </p:sp>
-      <p:sp>
-        <p:nvSpPr>
-          <p:cNvPr id="25" name="Isosceles Triangle 24"/>
-          <p:cNvSpPr/>
-          <p:nvPr/>
-        </p:nvSpPr>
-        <p:spPr>
-          <a:xfrm>
-            <a:off x="6503894" y="4625788"/>
-            <a:ext cx="533400" cy="381000"/>
-          </a:xfrm>
-          <a:prstGeom prst="triangle">
-            <a:avLst/>
-          </a:prstGeom>
-          <a:solidFill>
-            <a:schemeClr val="accent3">
-              <a:lumMod val="75000"/>
-            </a:schemeClr>
-          </a:solidFill>
-          <a:ln>
-            <a:solidFill>
-              <a:schemeClr val="bg1">
-                <a:lumMod val="85000"/>
-              </a:schemeClr>
-            </a:solidFill>
-          </a:ln>
-          <a:scene3d>
-            <a:camera prst="orthographicFront"/>
-            <a:lightRig rig="threePt" dir="t"/>
-          </a:scene3d>
-          <a:sp3d>
-            <a:bevelT w="165100" prst="coolSlant"/>
-          </a:sp3d>
-        </p:spPr>
-        <p:style>
-          <a:lnRef idx="2">
-            <a:schemeClr val="accent1">
-              <a:shade val="50000"/>
-            </a:schemeClr>
-          </a:lnRef>
-          <a:fillRef idx="1">
-            <a:schemeClr val="accent1"/>
-          </a:fillRef>
-          <a:effectRef idx="0">
-            <a:schemeClr val="accent1"/>
-          </a:effectRef>
-          <a:fontRef idx="minor">
-            <a:schemeClr val="lt1"/>
-          </a:fontRef>
-        </p:style>
-        <p:txBody>
-          <a:bodyPr rtlCol="0" anchor="ctr"/>
-          <a:lstStyle/>
-          <a:p>
-            <a:pPr algn="ctr"/>
-            <a:endParaRPr lang="en-US"/>
-          </a:p>
-        </p:txBody>
-      </p:sp>
-      <p:sp>
-        <p:nvSpPr>
-          <p:cNvPr id="26" name="Oval 25"/>
-          <p:cNvSpPr/>
-          <p:nvPr/>
-        </p:nvSpPr>
-        <p:spPr>
-          <a:xfrm>
-            <a:off x="6580094" y="4397188"/>
-            <a:ext cx="381000" cy="381000"/>
-          </a:xfrm>
-          <a:prstGeom prst="ellipse">
-            <a:avLst/>
-          </a:prstGeom>
-          <a:solidFill>
-            <a:schemeClr val="accent3">
-              <a:lumMod val="75000"/>
-            </a:schemeClr>
-          </a:solidFill>
-          <a:ln>
-            <a:solidFill>
-              <a:schemeClr val="bg1">
-                <a:lumMod val="85000"/>
-              </a:schemeClr>
-            </a:solidFill>
-          </a:ln>
-          <a:scene3d>
-            <a:camera prst="orthographicFront"/>
-            <a:lightRig rig="threePt" dir="t"/>
-          </a:scene3d>
-          <a:sp3d>
-            <a:bevelT w="165100" prst="coolSlant"/>
-          </a:sp3d>
-        </p:spPr>
-        <p:style>
-          <a:lnRef idx="2">
-            <a:schemeClr val="accent1">
-              <a:shade val="50000"/>
-            </a:schemeClr>
-          </a:lnRef>
-          <a:fillRef idx="1">
-            <a:schemeClr val="accent1"/>
-          </a:fillRef>
-          <a:effectRef idx="0">
-            <a:schemeClr val="accent1"/>
-          </a:effectRef>
-          <a:fontRef idx="minor">
-            <a:schemeClr val="lt1"/>
-          </a:fontRef>
-        </p:style>
-        <p:txBody>
-          <a:bodyPr rtlCol="0" anchor="ctr"/>
-          <a:lstStyle/>
-          <a:p>
-            <a:pPr algn="ctr"/>
-            <a:endParaRPr lang="en-US"/>
-          </a:p>
-        </p:txBody>
-      </p:sp>
-      <p:sp>
-        <p:nvSpPr>
-          <p:cNvPr id="33" name="Oval Callout 32"/>
-          <p:cNvSpPr/>
-          <p:nvPr/>
-        </p:nvSpPr>
-        <p:spPr>
-          <a:xfrm>
-            <a:off x="7113494" y="4244788"/>
-            <a:ext cx="381000" cy="457200"/>
-          </a:xfrm>
-          <a:prstGeom prst="wedgeEllipseCallout">
-            <a:avLst>
-              <a:gd name="adj1" fmla="val -128018"/>
-              <a:gd name="adj2" fmla="val 58617"/>
-            </a:avLst>
-          </a:prstGeom>
-          <a:noFill/>
-          <a:ln>
-            <a:solidFill>
-              <a:schemeClr val="tx1"/>
-            </a:solidFill>
-          </a:ln>
-        </p:spPr>
-        <p:style>
-          <a:lnRef idx="2">
-            <a:schemeClr val="accent1">
-              <a:shade val="50000"/>
-            </a:schemeClr>
-          </a:lnRef>
-          <a:fillRef idx="1">
-            <a:schemeClr val="accent1"/>
-          </a:fillRef>
-          <a:effectRef idx="0">
-            <a:schemeClr val="accent1"/>
-          </a:effectRef>
-          <a:fontRef idx="minor">
-            <a:schemeClr val="lt1"/>
-          </a:fontRef>
-        </p:style>
-        <p:txBody>
-          <a:bodyPr rtlCol="0" anchor="ctr"/>
-          <a:lstStyle/>
-          <a:p>
-            <a:pPr algn="ctr"/>
-            <a:endParaRPr lang="en-US"/>
-          </a:p>
-        </p:txBody>
-      </p:sp>
-      <p:cxnSp>
-        <p:nvCxnSpPr>
-          <p:cNvPr id="41" name="Straight Arrow Connector 40"/>
-          <p:cNvCxnSpPr/>
-          <p:nvPr/>
-        </p:nvCxnSpPr>
-        <p:spPr>
-          <a:xfrm>
-            <a:off x="2389094" y="4549588"/>
-            <a:ext cx="4038600" cy="0"/>
-          </a:xfrm>
-          <a:prstGeom prst="straightConnector1">
-            <a:avLst/>
-          </a:prstGeom>
-          <a:ln w="28575">
-            <a:solidFill>
-              <a:schemeClr val="tx1"/>
-            </a:solidFill>
-            <a:prstDash val="dash"/>
-            <a:headEnd type="arrow"/>
-            <a:tailEnd type="arrow"/>
-          </a:ln>
-        </p:spPr>
-        <p:style>
-          <a:lnRef idx="1">
-            <a:schemeClr val="accent1"/>
-          </a:lnRef>
-          <a:fillRef idx="0">
-            <a:schemeClr val="accent1"/>
-          </a:fillRef>
-          <a:effectRef idx="0">
-            <a:schemeClr val="accent1"/>
-          </a:effectRef>
-          <a:fontRef idx="minor">
-            <a:schemeClr val="tx1"/>
-          </a:fontRef>
-        </p:style>
-      </p:cxnSp>
-      <p:sp>
-        <p:nvSpPr>
-          <p:cNvPr id="27" name="TextBox 26"/>
-          <p:cNvSpPr txBox="1"/>
-          <p:nvPr/>
-        </p:nvSpPr>
-        <p:spPr>
-          <a:xfrm>
-            <a:off x="1398494" y="4168588"/>
-            <a:ext cx="381000" cy="400110"/>
-          </a:xfrm>
-          <a:prstGeom prst="rect">
-            <a:avLst/>
-          </a:prstGeom>
-          <a:noFill/>
-        </p:spPr>
-        <p:txBody>
-          <a:bodyPr wrap="square" rtlCol="0">
-            <a:spAutoFit/>
-          </a:bodyPr>
-          <a:lstStyle/>
-          <a:p>
-            <a:r>
-              <a:rPr lang="pt-PT" sz="1000" dirty="0" err="1" smtClean="0"/>
-              <a:t>bla</a:t>
-            </a:r>
-            <a:r>
-              <a:rPr lang="pt-PT" sz="1000" dirty="0" smtClean="0"/>
-              <a:t> </a:t>
-            </a:r>
-            <a:r>
-              <a:rPr lang="pt-PT" sz="1000" dirty="0" err="1" smtClean="0"/>
-              <a:t>bla</a:t>
-            </a:r>
-            <a:endParaRPr lang="en-US" sz="1000" dirty="0"/>
-          </a:p>
-        </p:txBody>
-      </p:sp>
-      <p:sp>
-        <p:nvSpPr>
-          <p:cNvPr id="28" name="TextBox 27"/>
-          <p:cNvSpPr txBox="1"/>
-          <p:nvPr/>
-        </p:nvSpPr>
-        <p:spPr>
-          <a:xfrm>
-            <a:off x="7113494" y="4244788"/>
-            <a:ext cx="381000" cy="400110"/>
-          </a:xfrm>
-          <a:prstGeom prst="rect">
-            <a:avLst/>
-          </a:prstGeom>
-          <a:noFill/>
-        </p:spPr>
-        <p:txBody>
-          <a:bodyPr wrap="square" rtlCol="0">
-            <a:spAutoFit/>
-          </a:bodyPr>
-          <a:lstStyle/>
-          <a:p>
-            <a:r>
-              <a:rPr lang="pt-PT" sz="1000" dirty="0" err="1" smtClean="0"/>
-              <a:t>bla</a:t>
-            </a:r>
-            <a:r>
-              <a:rPr lang="pt-PT" sz="1000" dirty="0" smtClean="0"/>
-              <a:t> </a:t>
-            </a:r>
-            <a:r>
-              <a:rPr lang="pt-PT" sz="1000" dirty="0" err="1" smtClean="0"/>
-              <a:t>bla</a:t>
-            </a:r>
-            <a:endParaRPr lang="en-US" sz="1000" dirty="0"/>
-          </a:p>
-        </p:txBody>
-      </p:sp>
-      <p:sp>
-        <p:nvSpPr>
-          <p:cNvPr id="31" name="Rounded Rectangular Callout 30"/>
-          <p:cNvSpPr/>
-          <p:nvPr/>
-        </p:nvSpPr>
-        <p:spPr>
-          <a:xfrm>
-            <a:off x="1779494" y="3939988"/>
-            <a:ext cx="457200" cy="228600"/>
-          </a:xfrm>
-          <a:prstGeom prst="wedgeRoundRectCallout">
-            <a:avLst>
-              <a:gd name="adj1" fmla="val -19233"/>
-              <a:gd name="adj2" fmla="val 97700"/>
-              <a:gd name="adj3" fmla="val 16667"/>
-            </a:avLst>
-          </a:prstGeom>
-          <a:noFill/>
-          <a:ln>
-            <a:solidFill>
-              <a:schemeClr val="tx1"/>
-            </a:solidFill>
-          </a:ln>
-        </p:spPr>
-        <p:style>
-          <a:lnRef idx="2">
-            <a:schemeClr val="accent1">
-              <a:shade val="50000"/>
-            </a:schemeClr>
-          </a:lnRef>
-          <a:fillRef idx="1">
-            <a:schemeClr val="accent1"/>
-          </a:fillRef>
-          <a:effectRef idx="0">
-            <a:schemeClr val="accent1"/>
-          </a:effectRef>
-          <a:fontRef idx="minor">
-            <a:schemeClr val="lt1"/>
-          </a:fontRef>
-        </p:style>
-        <p:txBody>
-          <a:bodyPr rtlCol="0" anchor="ctr"/>
-          <a:lstStyle/>
-          <a:p>
-            <a:pPr algn="ctr"/>
-            <a:endParaRPr lang="en-US">
-              <a:solidFill>
-                <a:schemeClr val="tx1"/>
-              </a:solidFill>
-            </a:endParaRPr>
-          </a:p>
-        </p:txBody>
-      </p:sp>
-      <p:sp>
-        <p:nvSpPr>
-          <p:cNvPr id="34" name="TextBox 33"/>
-          <p:cNvSpPr txBox="1"/>
-          <p:nvPr/>
-        </p:nvSpPr>
-        <p:spPr>
-          <a:xfrm>
-            <a:off x="1779494" y="3939988"/>
-            <a:ext cx="457200" cy="276999"/>
-          </a:xfrm>
-          <a:prstGeom prst="rect">
-            <a:avLst/>
-          </a:prstGeom>
-          <a:noFill/>
-        </p:spPr>
-        <p:txBody>
-          <a:bodyPr wrap="square" rtlCol="0">
-            <a:spAutoFit/>
-          </a:bodyPr>
-          <a:lstStyle/>
-          <a:p>
-            <a:r>
-              <a:rPr lang="pt-PT" sz="1200" dirty="0" smtClean="0"/>
-              <a:t>chat</a:t>
-            </a:r>
-            <a:endParaRPr lang="en-US" sz="1200" dirty="0"/>
-          </a:p>
-        </p:txBody>
-      </p:sp>
-      <p:sp>
-        <p:nvSpPr>
-          <p:cNvPr id="45" name="Rounded Rectangular Callout 44"/>
-          <p:cNvSpPr/>
-          <p:nvPr/>
-        </p:nvSpPr>
-        <p:spPr>
-          <a:xfrm flipH="1">
-            <a:off x="6580094" y="4016188"/>
-            <a:ext cx="457200" cy="228600"/>
-          </a:xfrm>
-          <a:prstGeom prst="wedgeRoundRectCallout">
-            <a:avLst>
-              <a:gd name="adj1" fmla="val -19233"/>
-              <a:gd name="adj2" fmla="val 97700"/>
-              <a:gd name="adj3" fmla="val 16667"/>
-            </a:avLst>
-          </a:prstGeom>
-          <a:noFill/>
-          <a:ln>
-            <a:solidFill>
-              <a:schemeClr val="tx1"/>
-            </a:solidFill>
-          </a:ln>
-        </p:spPr>
-        <p:style>
-          <a:lnRef idx="2">
-            <a:schemeClr val="accent1">
-              <a:shade val="50000"/>
-            </a:schemeClr>
-          </a:lnRef>
-          <a:fillRef idx="1">
-            <a:schemeClr val="accent1"/>
-          </a:fillRef>
-          <a:effectRef idx="0">
-            <a:schemeClr val="accent1"/>
-          </a:effectRef>
-          <a:fontRef idx="minor">
-            <a:schemeClr val="lt1"/>
-          </a:fontRef>
-        </p:style>
-        <p:txBody>
-          <a:bodyPr rtlCol="0" anchor="ctr"/>
-          <a:lstStyle/>
-          <a:p>
-            <a:pPr algn="ctr"/>
-            <a:endParaRPr lang="en-US">
-              <a:solidFill>
-                <a:schemeClr val="tx1"/>
-              </a:solidFill>
-            </a:endParaRPr>
-          </a:p>
-        </p:txBody>
-      </p:sp>
-      <p:sp>
-        <p:nvSpPr>
-          <p:cNvPr id="46" name="TextBox 45"/>
-          <p:cNvSpPr txBox="1"/>
-          <p:nvPr/>
-        </p:nvSpPr>
-        <p:spPr>
-          <a:xfrm flipH="1">
-            <a:off x="6580094" y="4016188"/>
-            <a:ext cx="457200" cy="276999"/>
-          </a:xfrm>
-          <a:prstGeom prst="rect">
-            <a:avLst/>
-          </a:prstGeom>
-          <a:noFill/>
-        </p:spPr>
-        <p:txBody>
-          <a:bodyPr wrap="square" rtlCol="0">
-            <a:spAutoFit/>
-          </a:bodyPr>
-          <a:lstStyle/>
-          <a:p>
-            <a:r>
-              <a:rPr lang="pt-PT" sz="1200" dirty="0" smtClean="0"/>
-              <a:t>chat</a:t>
-            </a:r>
-            <a:endParaRPr lang="en-US" sz="1200" dirty="0"/>
-          </a:p>
-        </p:txBody>
-      </p:sp>
-      <p:pic>
-        <p:nvPicPr>
-          <p:cNvPr id="15" name="Picture 6" descr="C:\Users\4023742\Downloads\media-774068_640.png"/>
-          <p:cNvPicPr>
-            <a:picLocks noChangeAspect="1" noChangeArrowheads="1"/>
-          </p:cNvPicPr>
-          <p:nvPr/>
-        </p:nvPicPr>
-        <p:blipFill>
-          <a:blip r:embed="rId2" cstate="print"/>
-          <a:srcRect/>
-          <a:stretch>
-            <a:fillRect/>
-          </a:stretch>
-        </p:blipFill>
-        <p:spPr bwMode="auto">
-          <a:xfrm rot="549459">
-            <a:off x="1541242" y="2716376"/>
-            <a:ext cx="975360" cy="914400"/>
-          </a:xfrm>
-          <a:prstGeom prst="rect">
-            <a:avLst/>
-          </a:prstGeom>
-          <a:noFill/>
-        </p:spPr>
-      </p:pic>
-      <p:sp>
-        <p:nvSpPr>
           <p:cNvPr id="16" name="Oval 15"/>
           <p:cNvSpPr/>
           <p:nvPr/>
         </p:nvSpPr>
         <p:spPr>
           <a:xfrm>
-            <a:off x="1779494" y="2949388"/>
+            <a:off x="1638108" y="2695047"/>
             <a:ext cx="457200" cy="457200"/>
           </a:xfrm>
           <a:prstGeom prst="ellipse">
@@ -30908,14 +31318,14 @@
           <a:p>
             <a:pPr algn="ctr"/>
             <a:r>
-              <a:rPr lang="pt-PT" sz="1200" dirty="0" smtClean="0">
+              <a:rPr lang="pt-PT" sz="1200" dirty="0" err="1" smtClean="0">
                 <a:effectLst>
                   <a:outerShdw dist="50800" dir="2700000" algn="ctr" rotWithShape="0">
                     <a:schemeClr val="tx1"/>
                   </a:outerShdw>
                 </a:effectLst>
               </a:rPr>
-              <a:t>H1</a:t>
+              <a:t>Hr</a:t>
             </a:r>
             <a:endParaRPr lang="en-US" sz="1200" dirty="0" smtClean="0">
               <a:effectLst>
@@ -30927,55 +31337,124 @@
           </a:p>
         </p:txBody>
       </p:sp>
-      <p:cxnSp>
-        <p:nvCxnSpPr>
-          <p:cNvPr id="17" name="Straight Arrow Connector 16"/>
-          <p:cNvCxnSpPr>
-            <a:endCxn id="15" idx="2"/>
-          </p:cNvCxnSpPr>
-          <p:nvPr/>
-        </p:nvCxnSpPr>
-        <p:spPr>
-          <a:xfrm flipH="1" flipV="1">
-            <a:off x="1956158" y="3624949"/>
-            <a:ext cx="90036" cy="696039"/>
-          </a:xfrm>
-          <a:prstGeom prst="straightConnector1">
-            <a:avLst/>
-          </a:prstGeom>
-          <a:ln w="28575">
+      <p:sp>
+        <p:nvSpPr>
+          <p:cNvPr id="29" name="Rectangle 28"/>
+          <p:cNvSpPr/>
+          <p:nvPr/>
+        </p:nvSpPr>
+        <p:spPr>
+          <a:xfrm>
+            <a:off x="380745" y="2584089"/>
+            <a:ext cx="1089211" cy="646331"/>
+          </a:xfrm>
+          <a:prstGeom prst="rect">
+            <a:avLst/>
+          </a:prstGeom>
+        </p:spPr>
+        <p:txBody>
+          <a:bodyPr wrap="square">
+            <a:spAutoFit/>
+          </a:bodyPr>
+          <a:lstStyle/>
+          <a:p>
+            <a:r>
+              <a:rPr lang="en-US" dirty="0" err="1" smtClean="0"/>
+              <a:t>Hyperty</a:t>
+            </a:r>
+            <a:r>
+              <a:rPr lang="en-US" dirty="0" smtClean="0"/>
+              <a:t> Reporter</a:t>
+            </a:r>
+            <a:endParaRPr lang="en-US" dirty="0"/>
+          </a:p>
+        </p:txBody>
+      </p:sp>
+      <p:sp>
+        <p:nvSpPr>
+          <p:cNvPr id="22" name="Oval 21"/>
+          <p:cNvSpPr/>
+          <p:nvPr/>
+        </p:nvSpPr>
+        <p:spPr>
+          <a:xfrm>
+            <a:off x="3474720" y="2508070"/>
+            <a:ext cx="849086" cy="849085"/>
+          </a:xfrm>
+          <a:prstGeom prst="ellipse">
+            <a:avLst/>
+          </a:prstGeom>
+          <a:solidFill>
+            <a:schemeClr val="tx1">
+              <a:lumMod val="65000"/>
+              <a:lumOff val="35000"/>
+            </a:schemeClr>
+          </a:solidFill>
+          <a:ln>
             <a:solidFill>
-              <a:schemeClr val="tx1"/>
+              <a:schemeClr val="bg1">
+                <a:lumMod val="50000"/>
+              </a:schemeClr>
             </a:solidFill>
-            <a:prstDash val="dash"/>
-            <a:headEnd type="arrow" w="med" len="med"/>
-            <a:tailEnd type="none" w="med" len="med"/>
           </a:ln>
+          <a:scene3d>
+            <a:camera prst="orthographicFront"/>
+            <a:lightRig rig="threePt" dir="t"/>
+          </a:scene3d>
+          <a:sp3d>
+            <a:bevelT w="165100" prst="coolSlant"/>
+          </a:sp3d>
         </p:spPr>
         <p:style>
-          <a:lnRef idx="1">
-            <a:schemeClr val="accent1"/>
+          <a:lnRef idx="2">
+            <a:schemeClr val="accent1">
+              <a:shade val="50000"/>
+            </a:schemeClr>
           </a:lnRef>
-          <a:fillRef idx="0">
+          <a:fillRef idx="1">
             <a:schemeClr val="accent1"/>
           </a:fillRef>
           <a:effectRef idx="0">
             <a:schemeClr val="accent1"/>
           </a:effectRef>
           <a:fontRef idx="minor">
-            <a:schemeClr val="tx1"/>
+            <a:schemeClr val="lt1"/>
           </a:fontRef>
         </p:style>
-      </p:cxnSp>
-      <p:sp>
-        <p:nvSpPr>
-          <p:cNvPr id="18" name="Oval 17"/>
+        <p:txBody>
+          <a:bodyPr wrap="none" lIns="0" tIns="0" rIns="0" bIns="0" rtlCol="0" anchor="ctr"/>
+          <a:lstStyle/>
+          <a:p>
+            <a:pPr algn="ctr"/>
+            <a:r>
+              <a:rPr lang="pt-PT" sz="2400" dirty="0" smtClean="0">
+                <a:effectLst>
+                  <a:outerShdw dist="50800" dir="2700000" algn="ctr" rotWithShape="0">
+                    <a:schemeClr val="tx1"/>
+                  </a:outerShdw>
+                </a:effectLst>
+              </a:rPr>
+              <a:t>O</a:t>
+            </a:r>
+            <a:endParaRPr lang="en-US" sz="2400" dirty="0" smtClean="0">
+              <a:effectLst>
+                <a:outerShdw dist="50800" dir="2700000" algn="ctr" rotWithShape="0">
+                  <a:schemeClr val="tx1"/>
+                </a:outerShdw>
+              </a:effectLst>
+            </a:endParaRPr>
+          </a:p>
+        </p:txBody>
+      </p:sp>
+      <p:sp>
+        <p:nvSpPr>
+          <p:cNvPr id="47" name="Oval 46"/>
           <p:cNvSpPr/>
           <p:nvPr/>
         </p:nvSpPr>
         <p:spPr>
-          <a:xfrm>
-            <a:off x="6580094" y="3025588"/>
+          <a:xfrm rot="714429">
+            <a:off x="6009684" y="2770223"/>
             <a:ext cx="457200" cy="457200"/>
           </a:xfrm>
           <a:prstGeom prst="ellipse">
@@ -31028,7 +31507,7 @@
                   </a:outerShdw>
                 </a:effectLst>
               </a:rPr>
-              <a:t>H</a:t>
+              <a:t>Ho</a:t>
             </a:r>
             <a:endParaRPr lang="en-US" sz="1200" dirty="0" smtClean="0">
               <a:effectLst>
@@ -31042,66 +31521,14 @@
       </p:sp>
       <p:sp>
         <p:nvSpPr>
-          <p:cNvPr id="23" name="Rectangle 22"/>
+          <p:cNvPr id="48" name="Rectangle 47"/>
           <p:cNvSpPr/>
           <p:nvPr/>
         </p:nvSpPr>
         <p:spPr>
           <a:xfrm>
-            <a:off x="4061012" y="1972252"/>
-            <a:ext cx="4572000" cy="923330"/>
-          </a:xfrm>
-          <a:prstGeom prst="rect">
-            <a:avLst/>
-          </a:prstGeom>
-        </p:spPr>
-        <p:txBody>
-          <a:bodyPr>
-            <a:spAutoFit/>
-          </a:bodyPr>
-          <a:lstStyle/>
-          <a:p>
-            <a:pPr algn="r"/>
-            <a:r>
-              <a:rPr lang="en-US" dirty="0" smtClean="0"/>
-              <a:t>Web </a:t>
-            </a:r>
-            <a:r>
-              <a:rPr lang="en-US" dirty="0" err="1" smtClean="0"/>
-              <a:t>Microservice</a:t>
-            </a:r>
-            <a:r>
-              <a:rPr lang="en-US" dirty="0" smtClean="0"/>
-              <a:t> representing </a:t>
-            </a:r>
-            <a:br>
-              <a:rPr lang="en-US" dirty="0" smtClean="0"/>
-            </a:br>
-            <a:r>
-              <a:rPr lang="en-US" dirty="0" smtClean="0"/>
-              <a:t>Users in client's Devices</a:t>
-            </a:r>
-          </a:p>
-          <a:p>
-            <a:pPr algn="r"/>
-            <a:r>
-              <a:rPr lang="en-US" dirty="0" smtClean="0"/>
-              <a:t> or in the network</a:t>
-            </a:r>
-            <a:endParaRPr lang="en-US" dirty="0"/>
-          </a:p>
-        </p:txBody>
-      </p:sp>
-      <p:sp>
-        <p:nvSpPr>
-          <p:cNvPr id="29" name="Rectangle 28"/>
-          <p:cNvSpPr/>
-          <p:nvPr/>
-        </p:nvSpPr>
-        <p:spPr>
-          <a:xfrm>
-            <a:off x="779930" y="2124200"/>
-            <a:ext cx="2178423" cy="646331"/>
+            <a:off x="6762719" y="2606374"/>
+            <a:ext cx="1089211" cy="646331"/>
           </a:xfrm>
           <a:prstGeom prst="rect">
             <a:avLst/>
@@ -31119,55 +31546,7 @@
             </a:r>
             <a:r>
               <a:rPr lang="en-US" dirty="0" smtClean="0"/>
-              <a:t> executes </a:t>
-            </a:r>
-            <a:br>
-              <a:rPr lang="en-US" dirty="0" smtClean="0"/>
-            </a:br>
-            <a:r>
-              <a:rPr lang="en-US" dirty="0" smtClean="0"/>
-              <a:t>in Web Runtimes</a:t>
-            </a:r>
-            <a:endParaRPr lang="en-US" dirty="0"/>
-          </a:p>
-        </p:txBody>
-      </p:sp>
-      <p:sp>
-        <p:nvSpPr>
-          <p:cNvPr id="30" name="Rectangle 29"/>
-          <p:cNvSpPr/>
-          <p:nvPr/>
-        </p:nvSpPr>
-        <p:spPr>
-          <a:xfrm>
-            <a:off x="-201707" y="3388224"/>
-            <a:ext cx="1559859" cy="1200329"/>
-          </a:xfrm>
-          <a:prstGeom prst="rect">
-            <a:avLst/>
-          </a:prstGeom>
-        </p:spPr>
-        <p:txBody>
-          <a:bodyPr wrap="square">
-            <a:spAutoFit/>
-          </a:bodyPr>
-          <a:lstStyle/>
-          <a:p>
-            <a:pPr algn="r"/>
-            <a:r>
-              <a:rPr lang="en-US" dirty="0" err="1" smtClean="0"/>
-              <a:t>Hyperty</a:t>
-            </a:r>
-            <a:r>
-              <a:rPr lang="en-US" dirty="0" smtClean="0"/>
-              <a:t> is securely </a:t>
-            </a:r>
-            <a:br>
-              <a:rPr lang="en-US" dirty="0" smtClean="0"/>
-            </a:br>
-            <a:r>
-              <a:rPr lang="en-US" dirty="0" smtClean="0"/>
-              <a:t>associated to users</a:t>
+              <a:t> Observer</a:t>
             </a:r>
             <a:endParaRPr lang="en-US" dirty="0"/>
           </a:p>
@@ -31175,25 +31554,25 @@
       </p:sp>
       <p:cxnSp>
         <p:nvCxnSpPr>
-          <p:cNvPr id="32" name="Straight Arrow Connector 31"/>
+          <p:cNvPr id="64" name="Straight Arrow Connector 63"/>
           <p:cNvCxnSpPr/>
           <p:nvPr/>
         </p:nvCxnSpPr>
         <p:spPr>
-          <a:xfrm>
-            <a:off x="2460811" y="3222812"/>
-            <a:ext cx="4038600" cy="0"/>
+          <a:xfrm flipV="1">
+            <a:off x="4624251" y="2938293"/>
+            <a:ext cx="1149686" cy="850"/>
           </a:xfrm>
           <a:prstGeom prst="straightConnector1">
             <a:avLst/>
           </a:prstGeom>
-          <a:ln w="38100">
+          <a:ln w="28575">
             <a:solidFill>
-              <a:srgbClr val="C00000"/>
+              <a:schemeClr val="tx1"/>
             </a:solidFill>
-            <a:prstDash val="solid"/>
-            <a:headEnd type="arrow"/>
-            <a:tailEnd type="arrow"/>
+            <a:prstDash val="dash"/>
+            <a:headEnd type="none" w="med" len="med"/>
+            <a:tailEnd type="arrow" w="med" len="med"/>
           </a:ln>
         </p:spPr>
         <p:style>
@@ -31211,16 +31590,239 @@
           </a:fontRef>
         </p:style>
       </p:cxnSp>
-      <p:sp>
-        <p:nvSpPr>
-          <p:cNvPr id="35" name="Rectangle 34"/>
+      <p:pic>
+        <p:nvPicPr>
+          <p:cNvPr id="65" name="Picture 2" descr="https://d30y9cdsu7xlg0.cloudfront.net/png/30117-200.png"/>
+          <p:cNvPicPr>
+            <a:picLocks noChangeAspect="1" noChangeArrowheads="1"/>
+          </p:cNvPicPr>
+          <p:nvPr/>
+        </p:nvPicPr>
+        <p:blipFill>
+          <a:blip r:embed="rId2" cstate="print"/>
+          <a:srcRect/>
+          <a:stretch>
+            <a:fillRect/>
+          </a:stretch>
+        </p:blipFill>
+        <p:spPr bwMode="auto">
+          <a:xfrm>
+            <a:off x="5877184" y="2662998"/>
+            <a:ext cx="665526" cy="665526"/>
+          </a:xfrm>
+          <a:prstGeom prst="rect">
+            <a:avLst/>
+          </a:prstGeom>
+          <a:noFill/>
+        </p:spPr>
+      </p:pic>
+      <p:grpSp>
+        <p:nvGrpSpPr>
+          <p:cNvPr id="2" name="Group 25"/>
+          <p:cNvGrpSpPr/>
+          <p:nvPr/>
+        </p:nvGrpSpPr>
+        <p:grpSpPr>
+          <a:xfrm rot="1295918">
+            <a:off x="652376" y="2167283"/>
+            <a:ext cx="2487706" cy="1963270"/>
+            <a:chOff x="887506" y="2702860"/>
+            <a:chExt cx="2487706" cy="1963270"/>
+          </a:xfrm>
+        </p:grpSpPr>
+        <p:cxnSp>
+          <p:nvCxnSpPr>
+            <p:cNvPr id="32" name="Straight Arrow Connector 31"/>
+            <p:cNvCxnSpPr/>
+            <p:nvPr/>
+          </p:nvCxnSpPr>
+          <p:spPr>
+            <a:xfrm flipV="1">
+              <a:off x="2743200" y="2958353"/>
+              <a:ext cx="632012" cy="242047"/>
+            </a:xfrm>
+            <a:prstGeom prst="straightConnector1">
+              <a:avLst/>
+            </a:prstGeom>
+            <a:ln w="38100">
+              <a:solidFill>
+                <a:schemeClr val="tx1"/>
+              </a:solidFill>
+              <a:prstDash val="solid"/>
+              <a:headEnd type="none" w="med" len="med"/>
+              <a:tailEnd type="arrow" w="med" len="med"/>
+            </a:ln>
+          </p:spPr>
+          <p:style>
+            <a:lnRef idx="1">
+              <a:schemeClr val="accent1"/>
+            </a:lnRef>
+            <a:fillRef idx="0">
+              <a:schemeClr val="accent1"/>
+            </a:fillRef>
+            <a:effectRef idx="0">
+              <a:schemeClr val="accent1"/>
+            </a:effectRef>
+            <a:fontRef idx="minor">
+              <a:schemeClr val="tx1"/>
+            </a:fontRef>
+          </p:style>
+        </p:cxnSp>
+        <p:sp>
+          <p:nvSpPr>
+            <p:cNvPr id="77" name="Arc 76"/>
+            <p:cNvSpPr/>
+            <p:nvPr/>
+          </p:nvSpPr>
+          <p:spPr>
+            <a:xfrm>
+              <a:off x="1506071" y="3039035"/>
+              <a:ext cx="914400" cy="914400"/>
+            </a:xfrm>
+            <a:prstGeom prst="arc">
+              <a:avLst>
+                <a:gd name="adj1" fmla="val 17591928"/>
+                <a:gd name="adj2" fmla="val 495865"/>
+              </a:avLst>
+            </a:prstGeom>
+            <a:ln w="28575">
+              <a:solidFill>
+                <a:schemeClr val="bg1">
+                  <a:lumMod val="50000"/>
+                </a:schemeClr>
+              </a:solidFill>
+            </a:ln>
+          </p:spPr>
+          <p:style>
+            <a:lnRef idx="1">
+              <a:schemeClr val="accent1"/>
+            </a:lnRef>
+            <a:fillRef idx="0">
+              <a:schemeClr val="accent1"/>
+            </a:fillRef>
+            <a:effectRef idx="0">
+              <a:schemeClr val="accent1"/>
+            </a:effectRef>
+            <a:fontRef idx="minor">
+              <a:schemeClr val="tx1"/>
+            </a:fontRef>
+          </p:style>
+          <p:txBody>
+            <a:bodyPr rtlCol="0" anchor="ctr"/>
+            <a:lstStyle/>
+            <a:p>
+              <a:pPr algn="ctr"/>
+              <a:endParaRPr lang="en-US"/>
+            </a:p>
+          </p:txBody>
+        </p:sp>
+        <p:sp>
+          <p:nvSpPr>
+            <p:cNvPr id="79" name="Arc 78"/>
+            <p:cNvSpPr/>
+            <p:nvPr/>
+          </p:nvSpPr>
+          <p:spPr>
+            <a:xfrm>
+              <a:off x="1237130" y="2891118"/>
+              <a:ext cx="1331258" cy="1385047"/>
+            </a:xfrm>
+            <a:prstGeom prst="arc">
+              <a:avLst>
+                <a:gd name="adj1" fmla="val 17591928"/>
+                <a:gd name="adj2" fmla="val 495865"/>
+              </a:avLst>
+            </a:prstGeom>
+            <a:ln w="28575">
+              <a:solidFill>
+                <a:schemeClr val="bg1">
+                  <a:lumMod val="50000"/>
+                </a:schemeClr>
+              </a:solidFill>
+            </a:ln>
+          </p:spPr>
+          <p:style>
+            <a:lnRef idx="1">
+              <a:schemeClr val="accent1"/>
+            </a:lnRef>
+            <a:fillRef idx="0">
+              <a:schemeClr val="accent1"/>
+            </a:fillRef>
+            <a:effectRef idx="0">
+              <a:schemeClr val="accent1"/>
+            </a:effectRef>
+            <a:fontRef idx="minor">
+              <a:schemeClr val="tx1"/>
+            </a:fontRef>
+          </p:style>
+          <p:txBody>
+            <a:bodyPr rtlCol="0" anchor="ctr"/>
+            <a:lstStyle/>
+            <a:p>
+              <a:pPr algn="ctr"/>
+              <a:endParaRPr lang="en-US"/>
+            </a:p>
+          </p:txBody>
+        </p:sp>
+        <p:sp>
+          <p:nvSpPr>
+            <p:cNvPr id="81" name="Arc 80"/>
+            <p:cNvSpPr/>
+            <p:nvPr/>
+          </p:nvSpPr>
+          <p:spPr>
+            <a:xfrm>
+              <a:off x="887506" y="2702860"/>
+              <a:ext cx="1828799" cy="1963270"/>
+            </a:xfrm>
+            <a:prstGeom prst="arc">
+              <a:avLst>
+                <a:gd name="adj1" fmla="val 17591928"/>
+                <a:gd name="adj2" fmla="val 495865"/>
+              </a:avLst>
+            </a:prstGeom>
+            <a:ln w="28575">
+              <a:solidFill>
+                <a:schemeClr val="bg1">
+                  <a:lumMod val="50000"/>
+                </a:schemeClr>
+              </a:solidFill>
+            </a:ln>
+          </p:spPr>
+          <p:style>
+            <a:lnRef idx="1">
+              <a:schemeClr val="accent1"/>
+            </a:lnRef>
+            <a:fillRef idx="0">
+              <a:schemeClr val="accent1"/>
+            </a:fillRef>
+            <a:effectRef idx="0">
+              <a:schemeClr val="accent1"/>
+            </a:effectRef>
+            <a:fontRef idx="minor">
+              <a:schemeClr val="tx1"/>
+            </a:fontRef>
+          </p:style>
+          <p:txBody>
+            <a:bodyPr rtlCol="0" anchor="ctr"/>
+            <a:lstStyle/>
+            <a:p>
+              <a:pPr algn="ctr"/>
+              <a:endParaRPr lang="en-US"/>
+            </a:p>
+          </p:txBody>
+        </p:sp>
+      </p:grpSp>
+      <p:sp>
+        <p:nvSpPr>
+          <p:cNvPr id="95" name="Rectangle 94"/>
           <p:cNvSpPr/>
           <p:nvPr/>
         </p:nvSpPr>
         <p:spPr>
           <a:xfrm>
-            <a:off x="2451846" y="1563905"/>
-            <a:ext cx="1125072" cy="646331"/>
+            <a:off x="3148148" y="1690692"/>
+            <a:ext cx="1585087" cy="646331"/>
           </a:xfrm>
           <a:prstGeom prst="rect">
             <a:avLst/>
@@ -31232,9 +31834,14 @@
           </a:bodyPr>
           <a:lstStyle/>
           <a:p>
+            <a:pPr algn="ctr"/>
+            <a:r>
+              <a:rPr lang="en-US" dirty="0" err="1" smtClean="0"/>
+              <a:t>Hyperty</a:t>
+            </a:r>
             <a:r>
               <a:rPr lang="en-US" dirty="0" smtClean="0"/>
-              <a:t>Protocol on-the-fly</a:t>
+              <a:t> Data Object</a:t>
             </a:r>
             <a:endParaRPr lang="en-US" dirty="0"/>
           </a:p>
@@ -31242,488 +31849,222 @@
       </p:sp>
       <p:sp>
         <p:nvSpPr>
-          <p:cNvPr id="36" name="Oval 35"/>
+          <p:cNvPr id="97" name="Title 1"/>
+          <p:cNvSpPr txBox="1">
+            <a:spLocks/>
+          </p:cNvSpPr>
+          <p:nvPr/>
+        </p:nvSpPr>
+        <p:spPr>
+          <a:xfrm>
+            <a:off x="831382" y="170707"/>
+            <a:ext cx="7200592" cy="473507"/>
+          </a:xfrm>
+          <a:prstGeom prst="rect">
+            <a:avLst/>
+          </a:prstGeom>
+        </p:spPr>
+        <p:txBody>
+          <a:bodyPr/>
+          <a:lstStyle/>
+          <a:p>
+            <a:pPr marL="0" marR="0" lvl="0" indent="0" algn="ctr" defTabSz="914400" rtl="0" eaLnBrk="1" fontAlgn="auto" latinLnBrk="0" hangingPunct="1">
+              <a:lnSpc>
+                <a:spcPct val="100000"/>
+              </a:lnSpc>
+              <a:spcBef>
+                <a:spcPct val="0"/>
+              </a:spcBef>
+              <a:spcAft>
+                <a:spcPts val="0"/>
+              </a:spcAft>
+              <a:buClrTx/>
+              <a:buSzTx/>
+              <a:buFontTx/>
+              <a:buNone/>
+              <a:tabLst/>
+              <a:defRPr/>
+            </a:pPr>
+            <a:r>
+              <a:rPr kumimoji="0" lang="pt-PT" sz="2800" b="1" i="0" u="none" strike="noStrike" kern="1200" cap="none" spc="0" normalizeH="0" baseline="0" noProof="0" dirty="0" err="1" smtClean="0">
+                <a:ln>
+                  <a:noFill/>
+                </a:ln>
+                <a:solidFill>
+                  <a:schemeClr val="tx1"/>
+                </a:solidFill>
+                <a:effectLst/>
+                <a:uLnTx/>
+                <a:uFillTx/>
+                <a:latin typeface="+mj-lt"/>
+                <a:ea typeface="+mj-ea"/>
+                <a:cs typeface="+mj-cs"/>
+              </a:rPr>
+              <a:t>Reporter</a:t>
+            </a:r>
+            <a:r>
+              <a:rPr kumimoji="0" lang="pt-PT" sz="2800" b="1" i="0" u="none" strike="noStrike" kern="1200" cap="none" spc="0" normalizeH="0" baseline="0" noProof="0" dirty="0" smtClean="0">
+                <a:ln>
+                  <a:noFill/>
+                </a:ln>
+                <a:solidFill>
+                  <a:schemeClr val="tx1"/>
+                </a:solidFill>
+                <a:effectLst/>
+                <a:uLnTx/>
+                <a:uFillTx/>
+                <a:latin typeface="+mj-lt"/>
+                <a:ea typeface="+mj-ea"/>
+                <a:cs typeface="+mj-cs"/>
+              </a:rPr>
+              <a:t> – </a:t>
+            </a:r>
+            <a:r>
+              <a:rPr kumimoji="0" lang="pt-PT" sz="2800" b="1" i="0" u="none" strike="noStrike" kern="1200" cap="none" spc="0" normalizeH="0" baseline="0" noProof="0" dirty="0" err="1" smtClean="0">
+                <a:ln>
+                  <a:noFill/>
+                </a:ln>
+                <a:solidFill>
+                  <a:schemeClr val="tx1"/>
+                </a:solidFill>
+                <a:effectLst/>
+                <a:uLnTx/>
+                <a:uFillTx/>
+                <a:latin typeface="+mj-lt"/>
+                <a:ea typeface="+mj-ea"/>
+                <a:cs typeface="+mj-cs"/>
+              </a:rPr>
+              <a:t>Observer</a:t>
+            </a:r>
+            <a:r>
+              <a:rPr kumimoji="0" lang="pt-PT" sz="2800" b="1" i="0" u="none" strike="noStrike" kern="1200" cap="none" spc="0" normalizeH="0" baseline="0" noProof="0" dirty="0" smtClean="0">
+                <a:ln>
+                  <a:noFill/>
+                </a:ln>
+                <a:solidFill>
+                  <a:schemeClr val="tx1"/>
+                </a:solidFill>
+                <a:effectLst/>
+                <a:uLnTx/>
+                <a:uFillTx/>
+                <a:latin typeface="+mj-lt"/>
+                <a:ea typeface="+mj-ea"/>
+                <a:cs typeface="+mj-cs"/>
+              </a:rPr>
+              <a:t> </a:t>
+            </a:r>
+            <a:r>
+              <a:rPr kumimoji="0" lang="pt-PT" sz="2800" b="1" i="0" u="none" strike="noStrike" kern="1200" cap="none" spc="0" normalizeH="0" baseline="0" noProof="0" dirty="0" err="1" smtClean="0">
+                <a:ln>
+                  <a:noFill/>
+                </a:ln>
+                <a:solidFill>
+                  <a:schemeClr val="tx1"/>
+                </a:solidFill>
+                <a:effectLst/>
+                <a:uLnTx/>
+                <a:uFillTx/>
+                <a:latin typeface="+mj-lt"/>
+                <a:ea typeface="+mj-ea"/>
+                <a:cs typeface="+mj-cs"/>
+              </a:rPr>
+              <a:t>Synch</a:t>
+            </a:r>
+            <a:r>
+              <a:rPr kumimoji="0" lang="pt-PT" sz="2800" b="1" i="0" u="none" strike="noStrike" kern="1200" cap="none" spc="0" normalizeH="0" baseline="0" noProof="0" dirty="0" smtClean="0">
+                <a:ln>
+                  <a:noFill/>
+                </a:ln>
+                <a:solidFill>
+                  <a:schemeClr val="tx1"/>
+                </a:solidFill>
+                <a:effectLst/>
+                <a:uLnTx/>
+                <a:uFillTx/>
+                <a:latin typeface="+mj-lt"/>
+                <a:ea typeface="+mj-ea"/>
+                <a:cs typeface="+mj-cs"/>
+              </a:rPr>
+              <a:t> Data </a:t>
+            </a:r>
+            <a:r>
+              <a:rPr kumimoji="0" lang="pt-PT" sz="2800" b="1" i="0" u="none" strike="noStrike" kern="1200" cap="none" spc="0" normalizeH="0" baseline="0" noProof="0" dirty="0" err="1" smtClean="0">
+                <a:ln>
+                  <a:noFill/>
+                </a:ln>
+                <a:solidFill>
+                  <a:schemeClr val="tx1"/>
+                </a:solidFill>
+                <a:effectLst/>
+                <a:uLnTx/>
+                <a:uFillTx/>
+                <a:latin typeface="+mj-lt"/>
+                <a:ea typeface="+mj-ea"/>
+                <a:cs typeface="+mj-cs"/>
+              </a:rPr>
+              <a:t>Communication</a:t>
+            </a:r>
+            <a:r>
+              <a:rPr kumimoji="0" lang="pt-PT" sz="2800" b="1" i="0" u="none" strike="noStrike" kern="1200" cap="none" spc="0" normalizeH="0" baseline="0" noProof="0" dirty="0" smtClean="0">
+                <a:ln>
+                  <a:noFill/>
+                </a:ln>
+                <a:solidFill>
+                  <a:schemeClr val="tx1"/>
+                </a:solidFill>
+                <a:effectLst/>
+                <a:uLnTx/>
+                <a:uFillTx/>
+                <a:latin typeface="+mj-lt"/>
+                <a:ea typeface="+mj-ea"/>
+                <a:cs typeface="+mj-cs"/>
+              </a:rPr>
+              <a:t> </a:t>
+            </a:r>
+            <a:r>
+              <a:rPr kumimoji="0" lang="pt-PT" sz="2800" b="1" i="0" u="none" strike="noStrike" kern="1200" cap="none" spc="0" normalizeH="0" baseline="0" noProof="0" dirty="0" err="1" smtClean="0">
+                <a:ln>
+                  <a:noFill/>
+                </a:ln>
+                <a:solidFill>
+                  <a:schemeClr val="tx1"/>
+                </a:solidFill>
+                <a:effectLst/>
+                <a:uLnTx/>
+                <a:uFillTx/>
+                <a:latin typeface="+mj-lt"/>
+                <a:ea typeface="+mj-ea"/>
+                <a:cs typeface="+mj-cs"/>
+              </a:rPr>
+              <a:t>Pattern</a:t>
+            </a:r>
+            <a:endParaRPr kumimoji="0" lang="en-US" sz="2800" b="1" i="0" u="none" strike="noStrike" kern="1200" cap="none" spc="0" normalizeH="0" baseline="0" noProof="0" dirty="0">
+              <a:ln>
+                <a:noFill/>
+              </a:ln>
+              <a:solidFill>
+                <a:schemeClr val="tx1"/>
+              </a:solidFill>
+              <a:effectLst/>
+              <a:uLnTx/>
+              <a:uFillTx/>
+              <a:latin typeface="+mj-lt"/>
+              <a:ea typeface="+mj-ea"/>
+              <a:cs typeface="+mj-cs"/>
+            </a:endParaRPr>
+          </a:p>
+        </p:txBody>
+      </p:sp>
+      <p:sp>
+        <p:nvSpPr>
+          <p:cNvPr id="17" name="Rectangle 16"/>
           <p:cNvSpPr/>
           <p:nvPr/>
         </p:nvSpPr>
         <p:spPr>
           <a:xfrm>
-            <a:off x="2716889" y="2482873"/>
-            <a:ext cx="356260" cy="308758"/>
-          </a:xfrm>
-          <a:prstGeom prst="ellipse">
-            <a:avLst/>
-          </a:prstGeom>
-          <a:solidFill>
-            <a:schemeClr val="accent5">
-              <a:lumMod val="50000"/>
-            </a:schemeClr>
-          </a:solidFill>
-          <a:ln>
-            <a:solidFill>
-              <a:schemeClr val="bg1">
-                <a:lumMod val="50000"/>
-              </a:schemeClr>
-            </a:solidFill>
-          </a:ln>
-          <a:scene3d>
-            <a:camera prst="orthographicFront"/>
-            <a:lightRig rig="threePt" dir="t"/>
-          </a:scene3d>
-          <a:sp3d>
-            <a:bevelT w="165100" prst="coolSlant"/>
-          </a:sp3d>
-        </p:spPr>
-        <p:style>
-          <a:lnRef idx="2">
-            <a:schemeClr val="accent1">
-              <a:shade val="50000"/>
-            </a:schemeClr>
-          </a:lnRef>
-          <a:fillRef idx="1">
-            <a:schemeClr val="accent1"/>
-          </a:fillRef>
-          <a:effectRef idx="0">
-            <a:schemeClr val="accent1"/>
-          </a:effectRef>
-          <a:fontRef idx="minor">
-            <a:schemeClr val="lt1"/>
-          </a:fontRef>
-        </p:style>
-        <p:txBody>
-          <a:bodyPr wrap="none" lIns="0" tIns="0" rIns="0" bIns="0" rtlCol="0" anchor="ctr"/>
-          <a:lstStyle/>
-          <a:p>
-            <a:pPr algn="ctr"/>
-            <a:r>
-              <a:rPr lang="pt-PT" sz="1200" dirty="0" smtClean="0">
-                <a:effectLst>
-                  <a:outerShdw dist="50800" dir="2700000" algn="ctr" rotWithShape="0">
-                    <a:schemeClr val="tx1"/>
-                  </a:outerShdw>
-                </a:effectLst>
-              </a:rPr>
-              <a:t>P1</a:t>
-            </a:r>
-            <a:endParaRPr lang="en-US" sz="1200" dirty="0" smtClean="0">
-              <a:effectLst>
-                <a:outerShdw dist="50800" dir="2700000" algn="ctr" rotWithShape="0">
-                  <a:schemeClr val="tx1"/>
-                </a:outerShdw>
-              </a:effectLst>
-            </a:endParaRPr>
-          </a:p>
-        </p:txBody>
-      </p:sp>
-      <p:sp>
-        <p:nvSpPr>
-          <p:cNvPr id="40" name="Parchemin vertical 39"/>
-          <p:cNvSpPr/>
-          <p:nvPr/>
-        </p:nvSpPr>
-        <p:spPr>
-          <a:xfrm>
-            <a:off x="3810357" y="916890"/>
-            <a:ext cx="1213604" cy="887634"/>
-          </a:xfrm>
-          <a:prstGeom prst="verticalScroll">
-            <a:avLst/>
-          </a:prstGeom>
-          <a:solidFill>
-            <a:schemeClr val="accent5">
-              <a:lumMod val="20000"/>
-              <a:lumOff val="80000"/>
-            </a:schemeClr>
-          </a:solidFill>
-        </p:spPr>
-        <p:style>
-          <a:lnRef idx="1">
-            <a:schemeClr val="accent1"/>
-          </a:lnRef>
-          <a:fillRef idx="3">
-            <a:schemeClr val="accent1"/>
-          </a:fillRef>
-          <a:effectRef idx="2">
-            <a:schemeClr val="accent1"/>
-          </a:effectRef>
-          <a:fontRef idx="minor">
-            <a:schemeClr val="lt1"/>
-          </a:fontRef>
-        </p:style>
-        <p:txBody>
-          <a:bodyPr rtlCol="0" anchor="t"/>
-          <a:lstStyle/>
-          <a:p>
-            <a:pPr algn="ctr"/>
-            <a:r>
-              <a:rPr lang="en-US" sz="1200" dirty="0" smtClean="0">
-                <a:solidFill>
-                  <a:prstClr val="black"/>
-                </a:solidFill>
-              </a:rPr>
-              <a:t>Catalog</a:t>
-            </a:r>
-            <a:endParaRPr lang="en-US" sz="1200" dirty="0">
-              <a:solidFill>
-                <a:prstClr val="black"/>
-              </a:solidFill>
-            </a:endParaRPr>
-          </a:p>
-        </p:txBody>
-      </p:sp>
-      <p:sp>
-        <p:nvSpPr>
-          <p:cNvPr id="42" name="Oval 41"/>
-          <p:cNvSpPr/>
-          <p:nvPr/>
-        </p:nvSpPr>
-        <p:spPr>
-          <a:xfrm>
-            <a:off x="3976951" y="1410660"/>
-            <a:ext cx="356260" cy="308758"/>
-          </a:xfrm>
-          <a:prstGeom prst="ellipse">
-            <a:avLst/>
-          </a:prstGeom>
-          <a:solidFill>
-            <a:srgbClr val="C00000"/>
-          </a:solidFill>
-          <a:ln>
-            <a:solidFill>
-              <a:schemeClr val="bg1">
-                <a:lumMod val="50000"/>
-              </a:schemeClr>
-            </a:solidFill>
-          </a:ln>
-          <a:scene3d>
-            <a:camera prst="orthographicFront"/>
-            <a:lightRig rig="threePt" dir="t"/>
-          </a:scene3d>
-          <a:sp3d>
-            <a:bevelT w="165100" prst="coolSlant"/>
-          </a:sp3d>
-        </p:spPr>
-        <p:style>
-          <a:lnRef idx="2">
-            <a:schemeClr val="accent1">
-              <a:shade val="50000"/>
-            </a:schemeClr>
-          </a:lnRef>
-          <a:fillRef idx="1">
-            <a:schemeClr val="accent1"/>
-          </a:fillRef>
-          <a:effectRef idx="0">
-            <a:schemeClr val="accent1"/>
-          </a:effectRef>
-          <a:fontRef idx="minor">
-            <a:schemeClr val="lt1"/>
-          </a:fontRef>
-        </p:style>
-        <p:txBody>
-          <a:bodyPr wrap="none" lIns="0" tIns="0" rIns="0" bIns="0" rtlCol="0" anchor="ctr"/>
-          <a:lstStyle/>
-          <a:p>
-            <a:pPr algn="ctr"/>
-            <a:r>
-              <a:rPr lang="pt-PT" sz="1200" dirty="0" smtClean="0">
-                <a:effectLst>
-                  <a:outerShdw dist="50800" dir="2700000" algn="ctr" rotWithShape="0">
-                    <a:schemeClr val="tx1"/>
-                  </a:outerShdw>
-                </a:effectLst>
-              </a:rPr>
-              <a:t>H1</a:t>
-            </a:r>
-            <a:endParaRPr lang="en-US" sz="1200" dirty="0" smtClean="0">
-              <a:effectLst>
-                <a:outerShdw dist="50800" dir="2700000" algn="ctr" rotWithShape="0">
-                  <a:schemeClr val="tx1"/>
-                </a:outerShdw>
-              </a:effectLst>
-            </a:endParaRPr>
-          </a:p>
-        </p:txBody>
-      </p:sp>
-      <p:sp>
-        <p:nvSpPr>
-          <p:cNvPr id="43" name="Oval 42"/>
-          <p:cNvSpPr/>
-          <p:nvPr/>
-        </p:nvSpPr>
-        <p:spPr>
-          <a:xfrm>
-            <a:off x="4438112" y="1420555"/>
-            <a:ext cx="356260" cy="308758"/>
-          </a:xfrm>
-          <a:prstGeom prst="ellipse">
-            <a:avLst/>
-          </a:prstGeom>
-          <a:solidFill>
-            <a:schemeClr val="accent5">
-              <a:lumMod val="50000"/>
-            </a:schemeClr>
-          </a:solidFill>
-          <a:ln>
-            <a:solidFill>
-              <a:schemeClr val="bg1">
-                <a:lumMod val="50000"/>
-              </a:schemeClr>
-            </a:solidFill>
-          </a:ln>
-          <a:scene3d>
-            <a:camera prst="orthographicFront"/>
-            <a:lightRig rig="threePt" dir="t"/>
-          </a:scene3d>
-          <a:sp3d>
-            <a:bevelT w="165100" prst="coolSlant"/>
-          </a:sp3d>
-        </p:spPr>
-        <p:style>
-          <a:lnRef idx="2">
-            <a:schemeClr val="accent1">
-              <a:shade val="50000"/>
-            </a:schemeClr>
-          </a:lnRef>
-          <a:fillRef idx="1">
-            <a:schemeClr val="accent1"/>
-          </a:fillRef>
-          <a:effectRef idx="0">
-            <a:schemeClr val="accent1"/>
-          </a:effectRef>
-          <a:fontRef idx="minor">
-            <a:schemeClr val="lt1"/>
-          </a:fontRef>
-        </p:style>
-        <p:txBody>
-          <a:bodyPr wrap="none" lIns="0" tIns="0" rIns="0" bIns="0" rtlCol="0" anchor="ctr"/>
-          <a:lstStyle/>
-          <a:p>
-            <a:pPr algn="ctr"/>
-            <a:r>
-              <a:rPr lang="pt-PT" sz="1200" dirty="0" smtClean="0">
-                <a:effectLst>
-                  <a:outerShdw dist="50800" dir="2700000" algn="ctr" rotWithShape="0">
-                    <a:schemeClr val="tx1"/>
-                  </a:outerShdw>
-                </a:effectLst>
-              </a:rPr>
-              <a:t>P1</a:t>
-            </a:r>
-            <a:endParaRPr lang="en-US" sz="1200" dirty="0" smtClean="0">
-              <a:effectLst>
-                <a:outerShdw dist="50800" dir="2700000" algn="ctr" rotWithShape="0">
-                  <a:schemeClr val="tx1"/>
-                </a:outerShdw>
-              </a:effectLst>
-            </a:endParaRPr>
-          </a:p>
-        </p:txBody>
-      </p:sp>
-      <p:cxnSp>
-        <p:nvCxnSpPr>
-          <p:cNvPr id="50" name="Curved Connector 46"/>
-          <p:cNvCxnSpPr/>
-          <p:nvPr/>
-        </p:nvCxnSpPr>
-        <p:spPr>
-          <a:xfrm>
-            <a:off x="4652682" y="1788459"/>
-            <a:ext cx="1210236" cy="726141"/>
-          </a:xfrm>
-          <a:prstGeom prst="curvedConnector3">
-            <a:avLst>
-              <a:gd name="adj1" fmla="val 50000"/>
-            </a:avLst>
-          </a:prstGeom>
-          <a:ln>
-            <a:solidFill>
-              <a:schemeClr val="bg1">
-                <a:lumMod val="50000"/>
-              </a:schemeClr>
-            </a:solidFill>
-            <a:tailEnd type="arrow"/>
-          </a:ln>
-        </p:spPr>
-        <p:style>
-          <a:lnRef idx="1">
-            <a:schemeClr val="accent1"/>
-          </a:lnRef>
-          <a:fillRef idx="0">
-            <a:schemeClr val="accent1"/>
-          </a:fillRef>
-          <a:effectRef idx="0">
-            <a:schemeClr val="accent1"/>
-          </a:effectRef>
-          <a:fontRef idx="minor">
-            <a:schemeClr val="tx1"/>
-          </a:fontRef>
-        </p:style>
-      </p:cxnSp>
-      <p:sp>
-        <p:nvSpPr>
-          <p:cNvPr id="52" name="Oval 51"/>
-          <p:cNvSpPr/>
-          <p:nvPr/>
-        </p:nvSpPr>
-        <p:spPr>
-          <a:xfrm>
-            <a:off x="5841089" y="2527697"/>
-            <a:ext cx="356260" cy="308758"/>
-          </a:xfrm>
-          <a:prstGeom prst="ellipse">
-            <a:avLst/>
-          </a:prstGeom>
-          <a:solidFill>
-            <a:schemeClr val="accent5">
-              <a:lumMod val="50000"/>
-            </a:schemeClr>
-          </a:solidFill>
-          <a:ln>
-            <a:solidFill>
-              <a:schemeClr val="bg1">
-                <a:lumMod val="50000"/>
-              </a:schemeClr>
-            </a:solidFill>
-          </a:ln>
-          <a:scene3d>
-            <a:camera prst="orthographicFront"/>
-            <a:lightRig rig="threePt" dir="t"/>
-          </a:scene3d>
-          <a:sp3d>
-            <a:bevelT w="165100" prst="coolSlant"/>
-          </a:sp3d>
-        </p:spPr>
-        <p:style>
-          <a:lnRef idx="2">
-            <a:schemeClr val="accent1">
-              <a:shade val="50000"/>
-            </a:schemeClr>
-          </a:lnRef>
-          <a:fillRef idx="1">
-            <a:schemeClr val="accent1"/>
-          </a:fillRef>
-          <a:effectRef idx="0">
-            <a:schemeClr val="accent1"/>
-          </a:effectRef>
-          <a:fontRef idx="minor">
-            <a:schemeClr val="lt1"/>
-          </a:fontRef>
-        </p:style>
-        <p:txBody>
-          <a:bodyPr wrap="none" lIns="0" tIns="0" rIns="0" bIns="0" rtlCol="0" anchor="ctr"/>
-          <a:lstStyle/>
-          <a:p>
-            <a:pPr algn="ctr"/>
-            <a:r>
-              <a:rPr lang="pt-PT" sz="1200" dirty="0" smtClean="0">
-                <a:effectLst>
-                  <a:outerShdw dist="50800" dir="2700000" algn="ctr" rotWithShape="0">
-                    <a:schemeClr val="tx1"/>
-                  </a:outerShdw>
-                </a:effectLst>
-              </a:rPr>
-              <a:t>P1</a:t>
-            </a:r>
-            <a:endParaRPr lang="en-US" sz="1200" dirty="0" smtClean="0">
-              <a:effectLst>
-                <a:outerShdw dist="50800" dir="2700000" algn="ctr" rotWithShape="0">
-                  <a:schemeClr val="tx1"/>
-                </a:outerShdw>
-              </a:effectLst>
-            </a:endParaRPr>
-          </a:p>
-        </p:txBody>
-      </p:sp>
-      <p:cxnSp>
-        <p:nvCxnSpPr>
-          <p:cNvPr id="56" name="Curved Connector 46"/>
-          <p:cNvCxnSpPr/>
-          <p:nvPr/>
-        </p:nvCxnSpPr>
-        <p:spPr>
-          <a:xfrm rot="10800000" flipV="1">
-            <a:off x="3119718" y="1775011"/>
-            <a:ext cx="1371600" cy="753035"/>
-          </a:xfrm>
-          <a:prstGeom prst="curvedConnector3">
-            <a:avLst>
-              <a:gd name="adj1" fmla="val 50000"/>
-            </a:avLst>
-          </a:prstGeom>
-          <a:ln>
-            <a:solidFill>
-              <a:schemeClr val="bg1">
-                <a:lumMod val="50000"/>
-              </a:schemeClr>
-            </a:solidFill>
-            <a:tailEnd type="arrow"/>
-          </a:ln>
-        </p:spPr>
-        <p:style>
-          <a:lnRef idx="1">
-            <a:schemeClr val="accent1"/>
-          </a:lnRef>
-          <a:fillRef idx="0">
-            <a:schemeClr val="accent1"/>
-          </a:fillRef>
-          <a:effectRef idx="0">
-            <a:schemeClr val="accent1"/>
-          </a:effectRef>
-          <a:fontRef idx="minor">
-            <a:schemeClr val="tx1"/>
-          </a:fontRef>
-        </p:style>
-      </p:cxnSp>
-      <p:cxnSp>
-        <p:nvCxnSpPr>
-          <p:cNvPr id="61" name="Straight Arrow Connector 60"/>
-          <p:cNvCxnSpPr/>
-          <p:nvPr/>
-        </p:nvCxnSpPr>
-        <p:spPr>
-          <a:xfrm flipV="1">
-            <a:off x="3110752" y="2649071"/>
-            <a:ext cx="2617695" cy="13447"/>
-          </a:xfrm>
-          <a:prstGeom prst="straightConnector1">
-            <a:avLst/>
-          </a:prstGeom>
-          <a:ln w="38100">
-            <a:solidFill>
-              <a:schemeClr val="accent5">
-                <a:lumMod val="50000"/>
-              </a:schemeClr>
-            </a:solidFill>
-            <a:prstDash val="solid"/>
-            <a:headEnd type="arrow"/>
-            <a:tailEnd type="arrow"/>
-          </a:ln>
-        </p:spPr>
-        <p:style>
-          <a:lnRef idx="1">
-            <a:schemeClr val="accent1"/>
-          </a:lnRef>
-          <a:fillRef idx="0">
-            <a:schemeClr val="accent1"/>
-          </a:fillRef>
-          <a:effectRef idx="0">
-            <a:schemeClr val="accent1"/>
-          </a:effectRef>
-          <a:fontRef idx="minor">
-            <a:schemeClr val="tx1"/>
-          </a:fontRef>
-        </p:style>
-      </p:cxnSp>
-      <p:sp>
-        <p:nvSpPr>
-          <p:cNvPr id="63" name="Rectangle 62"/>
-          <p:cNvSpPr/>
-          <p:nvPr/>
-        </p:nvSpPr>
-        <p:spPr>
-          <a:xfrm>
-            <a:off x="3505199" y="4634317"/>
-            <a:ext cx="1994647" cy="369332"/>
+            <a:off x="548639" y="4056745"/>
+            <a:ext cx="7903029" cy="2308324"/>
           </a:xfrm>
           <a:prstGeom prst="rect">
             <a:avLst/>
@@ -31736,72 +32077,355 @@
           <a:lstStyle/>
           <a:p>
             <a:r>
-              <a:rPr lang="en-US" dirty="0" smtClean="0"/>
-              <a:t>User Relationship</a:t>
-            </a:r>
-            <a:endParaRPr lang="en-US" dirty="0"/>
-          </a:p>
-        </p:txBody>
-      </p:sp>
-      <p:sp>
-        <p:nvSpPr>
-          <p:cNvPr id="65" name="Rectangle 64"/>
-          <p:cNvSpPr/>
-          <p:nvPr/>
-        </p:nvSpPr>
-        <p:spPr>
-          <a:xfrm>
-            <a:off x="3428999" y="3347881"/>
-            <a:ext cx="1994647" cy="369332"/>
-          </a:xfrm>
-          <a:prstGeom prst="rect">
-            <a:avLst/>
-          </a:prstGeom>
-        </p:spPr>
-        <p:txBody>
-          <a:bodyPr wrap="square">
-            <a:spAutoFit/>
-          </a:bodyPr>
-          <a:lstStyle/>
-          <a:p>
-            <a:r>
-              <a:rPr lang="en-US" dirty="0" err="1" smtClean="0"/>
+              <a:rPr lang="pt-PT" dirty="0" err="1" smtClean="0"/>
+              <a:t>Hyperties</a:t>
+            </a:r>
+            <a:r>
+              <a:rPr lang="pt-PT" dirty="0" smtClean="0"/>
+              <a:t> are </a:t>
+            </a:r>
+            <a:r>
+              <a:rPr lang="pt-PT" dirty="0" err="1" smtClean="0"/>
+              <a:t>very</a:t>
+            </a:r>
+            <a:r>
+              <a:rPr lang="pt-PT" dirty="0" smtClean="0"/>
+              <a:t> </a:t>
+            </a:r>
+            <a:r>
+              <a:rPr lang="pt-PT" dirty="0" err="1" smtClean="0"/>
+              <a:t>developer</a:t>
+            </a:r>
+            <a:r>
+              <a:rPr lang="pt-PT" dirty="0" smtClean="0"/>
+              <a:t> </a:t>
+            </a:r>
+            <a:r>
+              <a:rPr lang="pt-PT" dirty="0" err="1" smtClean="0"/>
+              <a:t>friendly</a:t>
+            </a:r>
+            <a:r>
+              <a:rPr lang="pt-PT" dirty="0" smtClean="0"/>
+              <a:t>. </a:t>
+            </a:r>
+            <a:r>
+              <a:rPr lang="pt-PT" dirty="0" err="1" smtClean="0"/>
+              <a:t>Communication</a:t>
+            </a:r>
+            <a:r>
+              <a:rPr lang="pt-PT" dirty="0" smtClean="0"/>
+              <a:t> </a:t>
+            </a:r>
+            <a:r>
+              <a:rPr lang="pt-PT" dirty="0" err="1" smtClean="0"/>
+              <a:t>among</a:t>
+            </a:r>
+            <a:r>
+              <a:rPr lang="pt-PT" dirty="0" smtClean="0"/>
+              <a:t> </a:t>
+            </a:r>
+            <a:r>
+              <a:rPr lang="pt-PT" dirty="0" err="1" smtClean="0"/>
+              <a:t>Hyperties</a:t>
+            </a:r>
+            <a:r>
+              <a:rPr lang="pt-PT" dirty="0" smtClean="0"/>
+              <a:t> are base </a:t>
+            </a:r>
+            <a:r>
+              <a:rPr lang="pt-PT" dirty="0" err="1" smtClean="0"/>
+              <a:t>on</a:t>
+            </a:r>
+            <a:r>
+              <a:rPr lang="pt-PT" dirty="0" smtClean="0"/>
+              <a:t> a </a:t>
+            </a:r>
+            <a:r>
+              <a:rPr lang="pt-PT" dirty="0" err="1" smtClean="0"/>
+              <a:t>new</a:t>
+            </a:r>
+            <a:r>
+              <a:rPr lang="pt-PT" dirty="0" smtClean="0"/>
+              <a:t> P2P Data </a:t>
+            </a:r>
+            <a:r>
+              <a:rPr lang="pt-PT" dirty="0" err="1" smtClean="0"/>
+              <a:t>Synchronisation</a:t>
+            </a:r>
+            <a:r>
+              <a:rPr lang="pt-PT" dirty="0" smtClean="0"/>
+              <a:t> </a:t>
+            </a:r>
+            <a:r>
+              <a:rPr lang="pt-PT" dirty="0" err="1" smtClean="0"/>
+              <a:t>Reporter</a:t>
+            </a:r>
+            <a:r>
+              <a:rPr lang="pt-PT" dirty="0" smtClean="0"/>
+              <a:t> –</a:t>
+            </a:r>
+            <a:r>
+              <a:rPr lang="pt-PT" dirty="0" err="1" smtClean="0"/>
+              <a:t>Observer</a:t>
+            </a:r>
+            <a:r>
+              <a:rPr lang="pt-PT" dirty="0" smtClean="0"/>
+              <a:t> </a:t>
+            </a:r>
+            <a:r>
+              <a:rPr lang="pt-PT" dirty="0" err="1" smtClean="0"/>
+              <a:t>pattern</a:t>
+            </a:r>
+            <a:r>
+              <a:rPr lang="pt-PT" dirty="0" smtClean="0"/>
+              <a:t> </a:t>
+            </a:r>
+            <a:r>
+              <a:rPr lang="pt-PT" dirty="0" err="1" smtClean="0"/>
+              <a:t>where</a:t>
+            </a:r>
+            <a:r>
+              <a:rPr lang="pt-PT" dirty="0" smtClean="0"/>
+              <a:t> </a:t>
+            </a:r>
+            <a:r>
+              <a:rPr lang="pt-PT" dirty="0" err="1" smtClean="0"/>
+              <a:t>basicaly</a:t>
+            </a:r>
+            <a:r>
+              <a:rPr lang="pt-PT" dirty="0" smtClean="0"/>
+              <a:t> </a:t>
+            </a:r>
+            <a:r>
+              <a:rPr lang="pt-PT" dirty="0" err="1" smtClean="0"/>
+              <a:t>Hyperties</a:t>
+            </a:r>
+            <a:r>
+              <a:rPr lang="pt-PT" dirty="0" smtClean="0"/>
+              <a:t> </a:t>
+            </a:r>
+            <a:r>
+              <a:rPr lang="pt-PT" dirty="0" err="1" smtClean="0"/>
+              <a:t>only</a:t>
+            </a:r>
+            <a:r>
+              <a:rPr lang="pt-PT" dirty="0" smtClean="0"/>
+              <a:t> </a:t>
+            </a:r>
+            <a:r>
+              <a:rPr lang="pt-PT" dirty="0" err="1" smtClean="0"/>
+              <a:t>have</a:t>
+            </a:r>
+            <a:r>
+              <a:rPr lang="pt-PT" dirty="0" smtClean="0"/>
+              <a:t> to </a:t>
+            </a:r>
+            <a:r>
+              <a:rPr lang="pt-PT" dirty="0" err="1" smtClean="0"/>
+              <a:t>write</a:t>
+            </a:r>
+            <a:r>
+              <a:rPr lang="pt-PT" dirty="0" smtClean="0"/>
+              <a:t> </a:t>
+            </a:r>
+            <a:r>
+              <a:rPr lang="pt-PT" dirty="0" err="1" smtClean="0"/>
+              <a:t>on</a:t>
+            </a:r>
+            <a:r>
+              <a:rPr lang="pt-PT" dirty="0" smtClean="0"/>
+              <a:t> a JSON data </a:t>
+            </a:r>
+            <a:r>
+              <a:rPr lang="pt-PT" dirty="0" err="1" smtClean="0"/>
+              <a:t>object</a:t>
+            </a:r>
+            <a:r>
+              <a:rPr lang="pt-PT" dirty="0" smtClean="0"/>
+              <a:t> </a:t>
+            </a:r>
+            <a:r>
+              <a:rPr lang="pt-PT" dirty="0" err="1" smtClean="0"/>
+              <a:t>everytime</a:t>
+            </a:r>
+            <a:r>
+              <a:rPr lang="pt-PT" dirty="0" smtClean="0"/>
+              <a:t> </a:t>
+            </a:r>
+            <a:r>
+              <a:rPr lang="pt-PT" dirty="0" err="1" smtClean="0"/>
+              <a:t>there</a:t>
+            </a:r>
+            <a:r>
+              <a:rPr lang="pt-PT" dirty="0" smtClean="0"/>
+              <a:t> </a:t>
+            </a:r>
+            <a:r>
+              <a:rPr lang="pt-PT" dirty="0" err="1" smtClean="0"/>
+              <a:t>is</a:t>
+            </a:r>
+            <a:r>
+              <a:rPr lang="pt-PT" dirty="0" smtClean="0"/>
+              <a:t> a </a:t>
+            </a:r>
+            <a:r>
+              <a:rPr lang="pt-PT" dirty="0" err="1" smtClean="0"/>
+              <a:t>need</a:t>
+            </a:r>
+            <a:r>
+              <a:rPr lang="pt-PT" dirty="0" smtClean="0"/>
+              <a:t> to </a:t>
+            </a:r>
+            <a:r>
+              <a:rPr lang="pt-PT" dirty="0" err="1" smtClean="0"/>
+              <a:t>communicate</a:t>
+            </a:r>
+            <a:r>
+              <a:rPr lang="pt-PT" dirty="0" smtClean="0"/>
+              <a:t> </a:t>
+            </a:r>
+            <a:r>
+              <a:rPr lang="pt-PT" dirty="0" err="1" smtClean="0"/>
+              <a:t>with</a:t>
+            </a:r>
+            <a:r>
+              <a:rPr lang="pt-PT" dirty="0" smtClean="0"/>
+              <a:t> </a:t>
+            </a:r>
+            <a:r>
+              <a:rPr lang="pt-PT" dirty="0" err="1" smtClean="0"/>
+              <a:t>other</a:t>
+            </a:r>
+            <a:r>
+              <a:rPr lang="pt-PT" dirty="0" smtClean="0"/>
+              <a:t> </a:t>
+            </a:r>
+            <a:r>
+              <a:rPr lang="pt-PT" dirty="0" err="1" smtClean="0"/>
+              <a:t>Hyperties</a:t>
+            </a:r>
+            <a:r>
+              <a:rPr lang="pt-PT" dirty="0" smtClean="0"/>
+              <a:t>.  </a:t>
+            </a:r>
+          </a:p>
+          <a:p>
+            <a:endParaRPr lang="pt-PT" dirty="0" smtClean="0"/>
+          </a:p>
+          <a:p>
+            <a:r>
+              <a:rPr lang="pt-PT" dirty="0" err="1" smtClean="0"/>
+              <a:t>Everything</a:t>
+            </a:r>
+            <a:r>
+              <a:rPr lang="pt-PT" dirty="0" smtClean="0"/>
+              <a:t> </a:t>
+            </a:r>
+            <a:r>
+              <a:rPr lang="pt-PT" dirty="0" err="1" smtClean="0"/>
+              <a:t>else</a:t>
+            </a:r>
+            <a:r>
+              <a:rPr lang="pt-PT" dirty="0" smtClean="0"/>
+              <a:t>, </a:t>
+            </a:r>
+            <a:r>
+              <a:rPr lang="pt-PT" dirty="0" err="1" smtClean="0"/>
+              <a:t>including</a:t>
+            </a:r>
+            <a:r>
+              <a:rPr lang="pt-PT" dirty="0" smtClean="0"/>
+              <a:t> network </a:t>
+            </a:r>
+            <a:r>
+              <a:rPr lang="pt-PT" dirty="0" err="1" smtClean="0"/>
+              <a:t>protocols</a:t>
+            </a:r>
+            <a:r>
+              <a:rPr lang="pt-PT" dirty="0" smtClean="0"/>
+              <a:t> and </a:t>
+            </a:r>
+            <a:r>
+              <a:rPr lang="pt-PT" dirty="0" err="1" smtClean="0"/>
+              <a:t>identity</a:t>
+            </a:r>
+            <a:r>
+              <a:rPr lang="pt-PT" dirty="0" smtClean="0"/>
+              <a:t> management </a:t>
+            </a:r>
+            <a:r>
+              <a:rPr lang="pt-PT" dirty="0" err="1" smtClean="0"/>
+              <a:t>mechanisms</a:t>
+            </a:r>
+            <a:r>
+              <a:rPr lang="pt-PT" dirty="0" smtClean="0"/>
+              <a:t>, are </a:t>
+            </a:r>
+            <a:r>
+              <a:rPr lang="pt-PT" dirty="0" err="1" smtClean="0"/>
+              <a:t>handled</a:t>
+            </a:r>
+            <a:r>
+              <a:rPr lang="pt-PT" dirty="0" smtClean="0"/>
+              <a:t> </a:t>
+            </a:r>
+            <a:r>
+              <a:rPr lang="pt-PT" dirty="0" err="1" smtClean="0"/>
+              <a:t>by</a:t>
+            </a:r>
+            <a:r>
+              <a:rPr lang="pt-PT" dirty="0" smtClean="0"/>
+              <a:t> </a:t>
+            </a:r>
+            <a:r>
+              <a:rPr lang="pt-PT" dirty="0" err="1" smtClean="0"/>
               <a:t>Hyperty</a:t>
             </a:r>
             <a:r>
-              <a:rPr lang="en-US" dirty="0" smtClean="0"/>
-              <a:t> Messages</a:t>
-            </a:r>
-            <a:endParaRPr lang="en-US" dirty="0"/>
-          </a:p>
-        </p:txBody>
-      </p:sp>
-      <p:sp>
-        <p:nvSpPr>
-          <p:cNvPr id="66" name="Rectangle 65"/>
-          <p:cNvSpPr/>
-          <p:nvPr/>
-        </p:nvSpPr>
-        <p:spPr>
-          <a:xfrm>
-            <a:off x="3487270" y="2706905"/>
-            <a:ext cx="1994647" cy="369332"/>
-          </a:xfrm>
-          <a:prstGeom prst="rect">
-            <a:avLst/>
-          </a:prstGeom>
-        </p:spPr>
-        <p:txBody>
-          <a:bodyPr wrap="square">
-            <a:spAutoFit/>
-          </a:bodyPr>
-          <a:lstStyle/>
-          <a:p>
-            <a:r>
-              <a:rPr lang="en-US" dirty="0" smtClean="0"/>
-              <a:t>Protocol Messages</a:t>
-            </a:r>
-            <a:endParaRPr lang="en-US" dirty="0"/>
+              <a:rPr lang="pt-PT" dirty="0" smtClean="0"/>
+              <a:t> Core </a:t>
+            </a:r>
+            <a:r>
+              <a:rPr lang="pt-PT" dirty="0" err="1" smtClean="0"/>
+              <a:t>Runtime</a:t>
+            </a:r>
+            <a:r>
+              <a:rPr lang="pt-PT" dirty="0" smtClean="0"/>
+              <a:t> and </a:t>
+            </a:r>
+            <a:r>
+              <a:rPr lang="pt-PT" dirty="0" err="1" smtClean="0"/>
+              <a:t>the</a:t>
+            </a:r>
+            <a:r>
+              <a:rPr lang="pt-PT" dirty="0" smtClean="0"/>
+              <a:t> </a:t>
+            </a:r>
+            <a:r>
+              <a:rPr lang="pt-PT" dirty="0" err="1" smtClean="0"/>
+              <a:t>Messaging</a:t>
+            </a:r>
+            <a:r>
+              <a:rPr lang="pt-PT" dirty="0" smtClean="0"/>
+              <a:t> </a:t>
+            </a:r>
+            <a:r>
+              <a:rPr lang="pt-PT" dirty="0" err="1" smtClean="0"/>
+              <a:t>Oriented</a:t>
+            </a:r>
+            <a:r>
+              <a:rPr lang="pt-PT" dirty="0" smtClean="0"/>
+              <a:t> </a:t>
+            </a:r>
+            <a:r>
+              <a:rPr lang="pt-PT" dirty="0" err="1" smtClean="0"/>
+              <a:t>Middleware</a:t>
+            </a:r>
+            <a:r>
+              <a:rPr lang="pt-PT" smtClean="0"/>
+              <a:t>.</a:t>
+            </a:r>
+            <a:endParaRPr lang="pt-PT" dirty="0" smtClean="0"/>
           </a:p>
         </p:txBody>
       </p:sp>
@@ -31813,6 +32437,13 @@
   <p:transition spd="slow">
     <p:wipe dir="r"/>
   </p:transition>
+  <p:timing>
+    <p:tnLst>
+      <p:par>
+        <p:cTn id="1" dur="indefinite" restart="never" nodeType="tmRoot"/>
+      </p:par>
+    </p:tnLst>
+  </p:timing>
 </p:sld>
 </file>
 
@@ -31835,13 +32466,655 @@
       </p:grpSpPr>
       <p:sp>
         <p:nvSpPr>
+          <p:cNvPr id="4" name="Isosceles Triangle 3"/>
+          <p:cNvSpPr/>
+          <p:nvPr/>
+        </p:nvSpPr>
+        <p:spPr>
+          <a:xfrm>
+            <a:off x="1779494" y="4549588"/>
+            <a:ext cx="533400" cy="381000"/>
+          </a:xfrm>
+          <a:prstGeom prst="triangle">
+            <a:avLst/>
+          </a:prstGeom>
+          <a:solidFill>
+            <a:schemeClr val="accent6">
+              <a:lumMod val="75000"/>
+            </a:schemeClr>
+          </a:solidFill>
+          <a:ln>
+            <a:solidFill>
+              <a:schemeClr val="bg1">
+                <a:lumMod val="85000"/>
+              </a:schemeClr>
+            </a:solidFill>
+          </a:ln>
+          <a:scene3d>
+            <a:camera prst="orthographicFront"/>
+            <a:lightRig rig="threePt" dir="t"/>
+          </a:scene3d>
+          <a:sp3d>
+            <a:bevelT w="165100" prst="coolSlant"/>
+          </a:sp3d>
+        </p:spPr>
+        <p:style>
+          <a:lnRef idx="2">
+            <a:schemeClr val="accent1">
+              <a:shade val="50000"/>
+            </a:schemeClr>
+          </a:lnRef>
+          <a:fillRef idx="1">
+            <a:schemeClr val="accent1"/>
+          </a:fillRef>
+          <a:effectRef idx="0">
+            <a:schemeClr val="accent1"/>
+          </a:effectRef>
+          <a:fontRef idx="minor">
+            <a:schemeClr val="lt1"/>
+          </a:fontRef>
+        </p:style>
+        <p:txBody>
+          <a:bodyPr rtlCol="0" anchor="ctr"/>
+          <a:lstStyle/>
+          <a:p>
+            <a:pPr algn="ctr"/>
+            <a:endParaRPr lang="en-US"/>
+          </a:p>
+        </p:txBody>
+      </p:sp>
+      <p:sp>
+        <p:nvSpPr>
+          <p:cNvPr id="5" name="Oval 4"/>
+          <p:cNvSpPr/>
+          <p:nvPr/>
+        </p:nvSpPr>
+        <p:spPr>
+          <a:xfrm>
+            <a:off x="1855694" y="4320988"/>
+            <a:ext cx="381000" cy="381000"/>
+          </a:xfrm>
+          <a:prstGeom prst="ellipse">
+            <a:avLst/>
+          </a:prstGeom>
+          <a:solidFill>
+            <a:schemeClr val="accent6">
+              <a:lumMod val="75000"/>
+            </a:schemeClr>
+          </a:solidFill>
+          <a:ln>
+            <a:solidFill>
+              <a:schemeClr val="bg1">
+                <a:lumMod val="85000"/>
+              </a:schemeClr>
+            </a:solidFill>
+          </a:ln>
+          <a:scene3d>
+            <a:camera prst="orthographicFront"/>
+            <a:lightRig rig="threePt" dir="t"/>
+          </a:scene3d>
+          <a:sp3d>
+            <a:bevelT w="165100" prst="coolSlant"/>
+          </a:sp3d>
+        </p:spPr>
+        <p:style>
+          <a:lnRef idx="2">
+            <a:schemeClr val="accent1">
+              <a:shade val="50000"/>
+            </a:schemeClr>
+          </a:lnRef>
+          <a:fillRef idx="1">
+            <a:schemeClr val="accent1"/>
+          </a:fillRef>
+          <a:effectRef idx="0">
+            <a:schemeClr val="accent1"/>
+          </a:effectRef>
+          <a:fontRef idx="minor">
+            <a:schemeClr val="lt1"/>
+          </a:fontRef>
+        </p:style>
+        <p:txBody>
+          <a:bodyPr rtlCol="0" anchor="ctr"/>
+          <a:lstStyle/>
+          <a:p>
+            <a:pPr algn="ctr"/>
+            <a:endParaRPr lang="en-US"/>
+          </a:p>
+        </p:txBody>
+      </p:sp>
+      <p:sp>
+        <p:nvSpPr>
+          <p:cNvPr id="24" name="Oval Callout 23"/>
+          <p:cNvSpPr/>
+          <p:nvPr/>
+        </p:nvSpPr>
+        <p:spPr>
+          <a:xfrm>
+            <a:off x="1398494" y="4092388"/>
+            <a:ext cx="381000" cy="457200"/>
+          </a:xfrm>
+          <a:prstGeom prst="wedgeEllipseCallout">
+            <a:avLst>
+              <a:gd name="adj1" fmla="val 100332"/>
+              <a:gd name="adj2" fmla="val 68326"/>
+            </a:avLst>
+          </a:prstGeom>
+          <a:noFill/>
+          <a:ln>
+            <a:solidFill>
+              <a:schemeClr val="tx1"/>
+            </a:solidFill>
+          </a:ln>
+        </p:spPr>
+        <p:style>
+          <a:lnRef idx="2">
+            <a:schemeClr val="accent1">
+              <a:shade val="50000"/>
+            </a:schemeClr>
+          </a:lnRef>
+          <a:fillRef idx="1">
+            <a:schemeClr val="accent1"/>
+          </a:fillRef>
+          <a:effectRef idx="0">
+            <a:schemeClr val="accent1"/>
+          </a:effectRef>
+          <a:fontRef idx="minor">
+            <a:schemeClr val="lt1"/>
+          </a:fontRef>
+        </p:style>
+        <p:txBody>
+          <a:bodyPr rtlCol="0" anchor="ctr"/>
+          <a:lstStyle/>
+          <a:p>
+            <a:pPr algn="ctr"/>
+            <a:endParaRPr lang="en-US"/>
+          </a:p>
+        </p:txBody>
+      </p:sp>
+      <p:sp>
+        <p:nvSpPr>
+          <p:cNvPr id="25" name="Isosceles Triangle 24"/>
+          <p:cNvSpPr/>
+          <p:nvPr/>
+        </p:nvSpPr>
+        <p:spPr>
+          <a:xfrm>
+            <a:off x="6503894" y="4625788"/>
+            <a:ext cx="533400" cy="381000"/>
+          </a:xfrm>
+          <a:prstGeom prst="triangle">
+            <a:avLst/>
+          </a:prstGeom>
+          <a:solidFill>
+            <a:schemeClr val="accent3">
+              <a:lumMod val="75000"/>
+            </a:schemeClr>
+          </a:solidFill>
+          <a:ln>
+            <a:solidFill>
+              <a:schemeClr val="bg1">
+                <a:lumMod val="85000"/>
+              </a:schemeClr>
+            </a:solidFill>
+          </a:ln>
+          <a:scene3d>
+            <a:camera prst="orthographicFront"/>
+            <a:lightRig rig="threePt" dir="t"/>
+          </a:scene3d>
+          <a:sp3d>
+            <a:bevelT w="165100" prst="coolSlant"/>
+          </a:sp3d>
+        </p:spPr>
+        <p:style>
+          <a:lnRef idx="2">
+            <a:schemeClr val="accent1">
+              <a:shade val="50000"/>
+            </a:schemeClr>
+          </a:lnRef>
+          <a:fillRef idx="1">
+            <a:schemeClr val="accent1"/>
+          </a:fillRef>
+          <a:effectRef idx="0">
+            <a:schemeClr val="accent1"/>
+          </a:effectRef>
+          <a:fontRef idx="minor">
+            <a:schemeClr val="lt1"/>
+          </a:fontRef>
+        </p:style>
+        <p:txBody>
+          <a:bodyPr rtlCol="0" anchor="ctr"/>
+          <a:lstStyle/>
+          <a:p>
+            <a:pPr algn="ctr"/>
+            <a:endParaRPr lang="en-US"/>
+          </a:p>
+        </p:txBody>
+      </p:sp>
+      <p:sp>
+        <p:nvSpPr>
+          <p:cNvPr id="26" name="Oval 25"/>
+          <p:cNvSpPr/>
+          <p:nvPr/>
+        </p:nvSpPr>
+        <p:spPr>
+          <a:xfrm>
+            <a:off x="6580094" y="4397188"/>
+            <a:ext cx="381000" cy="381000"/>
+          </a:xfrm>
+          <a:prstGeom prst="ellipse">
+            <a:avLst/>
+          </a:prstGeom>
+          <a:solidFill>
+            <a:schemeClr val="accent3">
+              <a:lumMod val="75000"/>
+            </a:schemeClr>
+          </a:solidFill>
+          <a:ln>
+            <a:solidFill>
+              <a:schemeClr val="bg1">
+                <a:lumMod val="85000"/>
+              </a:schemeClr>
+            </a:solidFill>
+          </a:ln>
+          <a:scene3d>
+            <a:camera prst="orthographicFront"/>
+            <a:lightRig rig="threePt" dir="t"/>
+          </a:scene3d>
+          <a:sp3d>
+            <a:bevelT w="165100" prst="coolSlant"/>
+          </a:sp3d>
+        </p:spPr>
+        <p:style>
+          <a:lnRef idx="2">
+            <a:schemeClr val="accent1">
+              <a:shade val="50000"/>
+            </a:schemeClr>
+          </a:lnRef>
+          <a:fillRef idx="1">
+            <a:schemeClr val="accent1"/>
+          </a:fillRef>
+          <a:effectRef idx="0">
+            <a:schemeClr val="accent1"/>
+          </a:effectRef>
+          <a:fontRef idx="minor">
+            <a:schemeClr val="lt1"/>
+          </a:fontRef>
+        </p:style>
+        <p:txBody>
+          <a:bodyPr rtlCol="0" anchor="ctr"/>
+          <a:lstStyle/>
+          <a:p>
+            <a:pPr algn="ctr"/>
+            <a:endParaRPr lang="en-US"/>
+          </a:p>
+        </p:txBody>
+      </p:sp>
+      <p:sp>
+        <p:nvSpPr>
+          <p:cNvPr id="33" name="Oval Callout 32"/>
+          <p:cNvSpPr/>
+          <p:nvPr/>
+        </p:nvSpPr>
+        <p:spPr>
+          <a:xfrm>
+            <a:off x="7113494" y="4244788"/>
+            <a:ext cx="381000" cy="457200"/>
+          </a:xfrm>
+          <a:prstGeom prst="wedgeEllipseCallout">
+            <a:avLst>
+              <a:gd name="adj1" fmla="val -128018"/>
+              <a:gd name="adj2" fmla="val 58617"/>
+            </a:avLst>
+          </a:prstGeom>
+          <a:noFill/>
+          <a:ln>
+            <a:solidFill>
+              <a:schemeClr val="tx1"/>
+            </a:solidFill>
+          </a:ln>
+        </p:spPr>
+        <p:style>
+          <a:lnRef idx="2">
+            <a:schemeClr val="accent1">
+              <a:shade val="50000"/>
+            </a:schemeClr>
+          </a:lnRef>
+          <a:fillRef idx="1">
+            <a:schemeClr val="accent1"/>
+          </a:fillRef>
+          <a:effectRef idx="0">
+            <a:schemeClr val="accent1"/>
+          </a:effectRef>
+          <a:fontRef idx="minor">
+            <a:schemeClr val="lt1"/>
+          </a:fontRef>
+        </p:style>
+        <p:txBody>
+          <a:bodyPr rtlCol="0" anchor="ctr"/>
+          <a:lstStyle/>
+          <a:p>
+            <a:pPr algn="ctr"/>
+            <a:endParaRPr lang="en-US"/>
+          </a:p>
+        </p:txBody>
+      </p:sp>
+      <p:cxnSp>
+        <p:nvCxnSpPr>
+          <p:cNvPr id="41" name="Straight Arrow Connector 40"/>
+          <p:cNvCxnSpPr/>
+          <p:nvPr/>
+        </p:nvCxnSpPr>
+        <p:spPr>
+          <a:xfrm>
+            <a:off x="2389094" y="4549588"/>
+            <a:ext cx="4038600" cy="0"/>
+          </a:xfrm>
+          <a:prstGeom prst="straightConnector1">
+            <a:avLst/>
+          </a:prstGeom>
+          <a:ln w="28575">
+            <a:solidFill>
+              <a:schemeClr val="tx1"/>
+            </a:solidFill>
+            <a:prstDash val="dash"/>
+            <a:headEnd type="arrow"/>
+            <a:tailEnd type="arrow"/>
+          </a:ln>
+        </p:spPr>
+        <p:style>
+          <a:lnRef idx="1">
+            <a:schemeClr val="accent1"/>
+          </a:lnRef>
+          <a:fillRef idx="0">
+            <a:schemeClr val="accent1"/>
+          </a:fillRef>
+          <a:effectRef idx="0">
+            <a:schemeClr val="accent1"/>
+          </a:effectRef>
+          <a:fontRef idx="minor">
+            <a:schemeClr val="tx1"/>
+          </a:fontRef>
+        </p:style>
+      </p:cxnSp>
+      <p:sp>
+        <p:nvSpPr>
+          <p:cNvPr id="27" name="TextBox 26"/>
+          <p:cNvSpPr txBox="1"/>
+          <p:nvPr/>
+        </p:nvSpPr>
+        <p:spPr>
+          <a:xfrm>
+            <a:off x="1398494" y="4168588"/>
+            <a:ext cx="381000" cy="400110"/>
+          </a:xfrm>
+          <a:prstGeom prst="rect">
+            <a:avLst/>
+          </a:prstGeom>
+          <a:noFill/>
+        </p:spPr>
+        <p:txBody>
+          <a:bodyPr wrap="square" rtlCol="0">
+            <a:spAutoFit/>
+          </a:bodyPr>
+          <a:lstStyle/>
+          <a:p>
+            <a:r>
+              <a:rPr lang="pt-PT" sz="1000" dirty="0" err="1" smtClean="0"/>
+              <a:t>bla</a:t>
+            </a:r>
+            <a:r>
+              <a:rPr lang="pt-PT" sz="1000" dirty="0" smtClean="0"/>
+              <a:t> </a:t>
+            </a:r>
+            <a:r>
+              <a:rPr lang="pt-PT" sz="1000" dirty="0" err="1" smtClean="0"/>
+              <a:t>bla</a:t>
+            </a:r>
+            <a:endParaRPr lang="en-US" sz="1000" dirty="0"/>
+          </a:p>
+        </p:txBody>
+      </p:sp>
+      <p:sp>
+        <p:nvSpPr>
+          <p:cNvPr id="28" name="TextBox 27"/>
+          <p:cNvSpPr txBox="1"/>
+          <p:nvPr/>
+        </p:nvSpPr>
+        <p:spPr>
+          <a:xfrm>
+            <a:off x="7113494" y="4244788"/>
+            <a:ext cx="381000" cy="400110"/>
+          </a:xfrm>
+          <a:prstGeom prst="rect">
+            <a:avLst/>
+          </a:prstGeom>
+          <a:noFill/>
+        </p:spPr>
+        <p:txBody>
+          <a:bodyPr wrap="square" rtlCol="0">
+            <a:spAutoFit/>
+          </a:bodyPr>
+          <a:lstStyle/>
+          <a:p>
+            <a:r>
+              <a:rPr lang="pt-PT" sz="1000" dirty="0" err="1" smtClean="0"/>
+              <a:t>bla</a:t>
+            </a:r>
+            <a:r>
+              <a:rPr lang="pt-PT" sz="1000" dirty="0" smtClean="0"/>
+              <a:t> </a:t>
+            </a:r>
+            <a:r>
+              <a:rPr lang="pt-PT" sz="1000" dirty="0" err="1" smtClean="0"/>
+              <a:t>bla</a:t>
+            </a:r>
+            <a:endParaRPr lang="en-US" sz="1000" dirty="0"/>
+          </a:p>
+        </p:txBody>
+      </p:sp>
+      <p:sp>
+        <p:nvSpPr>
+          <p:cNvPr id="31" name="Rounded Rectangular Callout 30"/>
+          <p:cNvSpPr/>
+          <p:nvPr/>
+        </p:nvSpPr>
+        <p:spPr>
+          <a:xfrm>
+            <a:off x="1779494" y="3939988"/>
+            <a:ext cx="457200" cy="228600"/>
+          </a:xfrm>
+          <a:prstGeom prst="wedgeRoundRectCallout">
+            <a:avLst>
+              <a:gd name="adj1" fmla="val -19233"/>
+              <a:gd name="adj2" fmla="val 97700"/>
+              <a:gd name="adj3" fmla="val 16667"/>
+            </a:avLst>
+          </a:prstGeom>
+          <a:noFill/>
+          <a:ln>
+            <a:solidFill>
+              <a:schemeClr val="tx1"/>
+            </a:solidFill>
+          </a:ln>
+        </p:spPr>
+        <p:style>
+          <a:lnRef idx="2">
+            <a:schemeClr val="accent1">
+              <a:shade val="50000"/>
+            </a:schemeClr>
+          </a:lnRef>
+          <a:fillRef idx="1">
+            <a:schemeClr val="accent1"/>
+          </a:fillRef>
+          <a:effectRef idx="0">
+            <a:schemeClr val="accent1"/>
+          </a:effectRef>
+          <a:fontRef idx="minor">
+            <a:schemeClr val="lt1"/>
+          </a:fontRef>
+        </p:style>
+        <p:txBody>
+          <a:bodyPr rtlCol="0" anchor="ctr"/>
+          <a:lstStyle/>
+          <a:p>
+            <a:pPr algn="ctr"/>
+            <a:endParaRPr lang="en-US">
+              <a:solidFill>
+                <a:schemeClr val="tx1"/>
+              </a:solidFill>
+            </a:endParaRPr>
+          </a:p>
+        </p:txBody>
+      </p:sp>
+      <p:sp>
+        <p:nvSpPr>
+          <p:cNvPr id="34" name="TextBox 33"/>
+          <p:cNvSpPr txBox="1"/>
+          <p:nvPr/>
+        </p:nvSpPr>
+        <p:spPr>
+          <a:xfrm>
+            <a:off x="1779494" y="3939988"/>
+            <a:ext cx="457200" cy="276999"/>
+          </a:xfrm>
+          <a:prstGeom prst="rect">
+            <a:avLst/>
+          </a:prstGeom>
+          <a:noFill/>
+        </p:spPr>
+        <p:txBody>
+          <a:bodyPr wrap="square" rtlCol="0">
+            <a:spAutoFit/>
+          </a:bodyPr>
+          <a:lstStyle/>
+          <a:p>
+            <a:r>
+              <a:rPr lang="pt-PT" sz="1200" dirty="0" smtClean="0"/>
+              <a:t>chat</a:t>
+            </a:r>
+            <a:endParaRPr lang="en-US" sz="1200" dirty="0"/>
+          </a:p>
+        </p:txBody>
+      </p:sp>
+      <p:sp>
+        <p:nvSpPr>
+          <p:cNvPr id="45" name="Rounded Rectangular Callout 44"/>
+          <p:cNvSpPr/>
+          <p:nvPr/>
+        </p:nvSpPr>
+        <p:spPr>
+          <a:xfrm flipH="1">
+            <a:off x="6580094" y="4016188"/>
+            <a:ext cx="457200" cy="228600"/>
+          </a:xfrm>
+          <a:prstGeom prst="wedgeRoundRectCallout">
+            <a:avLst>
+              <a:gd name="adj1" fmla="val -19233"/>
+              <a:gd name="adj2" fmla="val 97700"/>
+              <a:gd name="adj3" fmla="val 16667"/>
+            </a:avLst>
+          </a:prstGeom>
+          <a:noFill/>
+          <a:ln>
+            <a:solidFill>
+              <a:schemeClr val="tx1"/>
+            </a:solidFill>
+          </a:ln>
+        </p:spPr>
+        <p:style>
+          <a:lnRef idx="2">
+            <a:schemeClr val="accent1">
+              <a:shade val="50000"/>
+            </a:schemeClr>
+          </a:lnRef>
+          <a:fillRef idx="1">
+            <a:schemeClr val="accent1"/>
+          </a:fillRef>
+          <a:effectRef idx="0">
+            <a:schemeClr val="accent1"/>
+          </a:effectRef>
+          <a:fontRef idx="minor">
+            <a:schemeClr val="lt1"/>
+          </a:fontRef>
+        </p:style>
+        <p:txBody>
+          <a:bodyPr rtlCol="0" anchor="ctr"/>
+          <a:lstStyle/>
+          <a:p>
+            <a:pPr algn="ctr"/>
+            <a:endParaRPr lang="en-US">
+              <a:solidFill>
+                <a:schemeClr val="tx1"/>
+              </a:solidFill>
+            </a:endParaRPr>
+          </a:p>
+        </p:txBody>
+      </p:sp>
+      <p:sp>
+        <p:nvSpPr>
+          <p:cNvPr id="46" name="TextBox 45"/>
+          <p:cNvSpPr txBox="1"/>
+          <p:nvPr/>
+        </p:nvSpPr>
+        <p:spPr>
+          <a:xfrm flipH="1">
+            <a:off x="6580094" y="4016188"/>
+            <a:ext cx="457200" cy="276999"/>
+          </a:xfrm>
+          <a:prstGeom prst="rect">
+            <a:avLst/>
+          </a:prstGeom>
+          <a:noFill/>
+        </p:spPr>
+        <p:txBody>
+          <a:bodyPr wrap="square" rtlCol="0">
+            <a:spAutoFit/>
+          </a:bodyPr>
+          <a:lstStyle/>
+          <a:p>
+            <a:r>
+              <a:rPr lang="pt-PT" sz="1200" dirty="0" smtClean="0"/>
+              <a:t>chat</a:t>
+            </a:r>
+            <a:endParaRPr lang="en-US" sz="1200" dirty="0"/>
+          </a:p>
+        </p:txBody>
+      </p:sp>
+      <p:pic>
+        <p:nvPicPr>
+          <p:cNvPr id="15" name="Picture 6" descr="C:\Users\4023742\Downloads\media-774068_640.png"/>
+          <p:cNvPicPr>
+            <a:picLocks noChangeAspect="1" noChangeArrowheads="1"/>
+          </p:cNvPicPr>
+          <p:nvPr/>
+        </p:nvPicPr>
+        <p:blipFill>
+          <a:blip r:embed="rId2" cstate="print"/>
+          <a:srcRect/>
+          <a:stretch>
+            <a:fillRect/>
+          </a:stretch>
+        </p:blipFill>
+        <p:spPr bwMode="auto">
+          <a:xfrm rot="549459">
+            <a:off x="1541242" y="2716376"/>
+            <a:ext cx="975360" cy="914400"/>
+          </a:xfrm>
+          <a:prstGeom prst="rect">
+            <a:avLst/>
+          </a:prstGeom>
+          <a:noFill/>
+        </p:spPr>
+      </p:pic>
+      <p:sp>
+        <p:nvSpPr>
           <p:cNvPr id="16" name="Oval 15"/>
           <p:cNvSpPr/>
           <p:nvPr/>
         </p:nvSpPr>
         <p:spPr>
           <a:xfrm>
-            <a:off x="1178603" y="2648943"/>
+            <a:off x="1779494" y="2949388"/>
             <a:ext cx="457200" cy="457200"/>
           </a:xfrm>
           <a:prstGeom prst="ellipse">
@@ -31906,6 +33179,46 @@
           </a:p>
         </p:txBody>
       </p:sp>
+      <p:cxnSp>
+        <p:nvCxnSpPr>
+          <p:cNvPr id="17" name="Straight Arrow Connector 16"/>
+          <p:cNvCxnSpPr>
+            <a:endCxn id="15" idx="2"/>
+          </p:cNvCxnSpPr>
+          <p:nvPr/>
+        </p:nvCxnSpPr>
+        <p:spPr>
+          <a:xfrm flipH="1" flipV="1">
+            <a:off x="1956158" y="3624949"/>
+            <a:ext cx="90036" cy="696039"/>
+          </a:xfrm>
+          <a:prstGeom prst="straightConnector1">
+            <a:avLst/>
+          </a:prstGeom>
+          <a:ln w="28575">
+            <a:solidFill>
+              <a:schemeClr val="tx1"/>
+            </a:solidFill>
+            <a:prstDash val="dash"/>
+            <a:headEnd type="arrow" w="med" len="med"/>
+            <a:tailEnd type="none" w="med" len="med"/>
+          </a:ln>
+        </p:spPr>
+        <p:style>
+          <a:lnRef idx="1">
+            <a:schemeClr val="accent1"/>
+          </a:lnRef>
+          <a:fillRef idx="0">
+            <a:schemeClr val="accent1"/>
+          </a:fillRef>
+          <a:effectRef idx="0">
+            <a:schemeClr val="accent1"/>
+          </a:effectRef>
+          <a:fontRef idx="minor">
+            <a:schemeClr val="tx1"/>
+          </a:fontRef>
+        </p:style>
+      </p:cxnSp>
       <p:sp>
         <p:nvSpPr>
           <p:cNvPr id="18" name="Oval 17"/>
@@ -31914,7 +33227,7 @@
         </p:nvSpPr>
         <p:spPr>
           <a:xfrm>
-            <a:off x="5940015" y="2699017"/>
+            <a:off x="6580094" y="3025588"/>
             <a:ext cx="457200" cy="457200"/>
           </a:xfrm>
           <a:prstGeom prst="ellipse">
@@ -31987,8 +33300,8 @@
         </p:nvSpPr>
         <p:spPr>
           <a:xfrm>
-            <a:off x="2036270" y="234892"/>
-            <a:ext cx="4572000" cy="461665"/>
+            <a:off x="4061012" y="1972252"/>
+            <a:ext cx="4572000" cy="923330"/>
           </a:xfrm>
           <a:prstGeom prst="rect">
             <a:avLst/>
@@ -32000,16 +33313,182 @@
           </a:bodyPr>
           <a:lstStyle/>
           <a:p>
-            <a:pPr algn="ctr"/>
-            <a:r>
-              <a:rPr lang="en-US" sz="2400" dirty="0" err="1" smtClean="0"/>
+            <a:pPr algn="r"/>
+            <a:r>
+              <a:rPr lang="en-US" dirty="0" smtClean="0"/>
+              <a:t>Web </a:t>
+            </a:r>
+            <a:r>
+              <a:rPr lang="en-US" dirty="0" err="1" smtClean="0"/>
+              <a:t>Microservice</a:t>
+            </a:r>
+            <a:r>
+              <a:rPr lang="en-US" dirty="0" smtClean="0"/>
+              <a:t> representing </a:t>
+            </a:r>
+            <a:br>
+              <a:rPr lang="en-US" dirty="0" smtClean="0"/>
+            </a:br>
+            <a:r>
+              <a:rPr lang="en-US" dirty="0" smtClean="0"/>
+              <a:t>Users in client's Devices</a:t>
+            </a:r>
+          </a:p>
+          <a:p>
+            <a:pPr algn="r"/>
+            <a:r>
+              <a:rPr lang="en-US" dirty="0" smtClean="0"/>
+              <a:t> or in the network</a:t>
+            </a:r>
+            <a:endParaRPr lang="en-US" dirty="0"/>
+          </a:p>
+        </p:txBody>
+      </p:sp>
+      <p:sp>
+        <p:nvSpPr>
+          <p:cNvPr id="29" name="Rectangle 28"/>
+          <p:cNvSpPr/>
+          <p:nvPr/>
+        </p:nvSpPr>
+        <p:spPr>
+          <a:xfrm>
+            <a:off x="779930" y="2124200"/>
+            <a:ext cx="2178423" cy="646331"/>
+          </a:xfrm>
+          <a:prstGeom prst="rect">
+            <a:avLst/>
+          </a:prstGeom>
+        </p:spPr>
+        <p:txBody>
+          <a:bodyPr wrap="square">
+            <a:spAutoFit/>
+          </a:bodyPr>
+          <a:lstStyle/>
+          <a:p>
+            <a:r>
+              <a:rPr lang="en-US" dirty="0" err="1" smtClean="0"/>
               <a:t>Hyperty</a:t>
             </a:r>
             <a:r>
-              <a:rPr lang="en-US" sz="2400" dirty="0" smtClean="0"/>
-              <a:t> Communication</a:t>
-            </a:r>
-            <a:endParaRPr lang="en-US" sz="2400" dirty="0"/>
+              <a:rPr lang="en-US" dirty="0" smtClean="0"/>
+              <a:t> executes </a:t>
+            </a:r>
+            <a:br>
+              <a:rPr lang="en-US" dirty="0" smtClean="0"/>
+            </a:br>
+            <a:r>
+              <a:rPr lang="en-US" dirty="0" smtClean="0"/>
+              <a:t>in Web Runtimes</a:t>
+            </a:r>
+            <a:endParaRPr lang="en-US" dirty="0"/>
+          </a:p>
+        </p:txBody>
+      </p:sp>
+      <p:sp>
+        <p:nvSpPr>
+          <p:cNvPr id="30" name="Rectangle 29"/>
+          <p:cNvSpPr/>
+          <p:nvPr/>
+        </p:nvSpPr>
+        <p:spPr>
+          <a:xfrm>
+            <a:off x="-201707" y="3388224"/>
+            <a:ext cx="1559859" cy="1200329"/>
+          </a:xfrm>
+          <a:prstGeom prst="rect">
+            <a:avLst/>
+          </a:prstGeom>
+        </p:spPr>
+        <p:txBody>
+          <a:bodyPr wrap="square">
+            <a:spAutoFit/>
+          </a:bodyPr>
+          <a:lstStyle/>
+          <a:p>
+            <a:pPr algn="r"/>
+            <a:r>
+              <a:rPr lang="en-US" dirty="0" err="1" smtClean="0"/>
+              <a:t>Hyperty</a:t>
+            </a:r>
+            <a:r>
+              <a:rPr lang="en-US" dirty="0" smtClean="0"/>
+              <a:t> is securely </a:t>
+            </a:r>
+            <a:br>
+              <a:rPr lang="en-US" dirty="0" smtClean="0"/>
+            </a:br>
+            <a:r>
+              <a:rPr lang="en-US" dirty="0" smtClean="0"/>
+              <a:t>associated to users</a:t>
+            </a:r>
+            <a:endParaRPr lang="en-US" dirty="0"/>
+          </a:p>
+        </p:txBody>
+      </p:sp>
+      <p:cxnSp>
+        <p:nvCxnSpPr>
+          <p:cNvPr id="32" name="Straight Arrow Connector 31"/>
+          <p:cNvCxnSpPr/>
+          <p:nvPr/>
+        </p:nvCxnSpPr>
+        <p:spPr>
+          <a:xfrm>
+            <a:off x="2460811" y="3222812"/>
+            <a:ext cx="4038600" cy="0"/>
+          </a:xfrm>
+          <a:prstGeom prst="straightConnector1">
+            <a:avLst/>
+          </a:prstGeom>
+          <a:ln w="38100">
+            <a:solidFill>
+              <a:srgbClr val="C00000"/>
+            </a:solidFill>
+            <a:prstDash val="solid"/>
+            <a:headEnd type="arrow"/>
+            <a:tailEnd type="arrow"/>
+          </a:ln>
+        </p:spPr>
+        <p:style>
+          <a:lnRef idx="1">
+            <a:schemeClr val="accent1"/>
+          </a:lnRef>
+          <a:fillRef idx="0">
+            <a:schemeClr val="accent1"/>
+          </a:fillRef>
+          <a:effectRef idx="0">
+            <a:schemeClr val="accent1"/>
+          </a:effectRef>
+          <a:fontRef idx="minor">
+            <a:schemeClr val="tx1"/>
+          </a:fontRef>
+        </p:style>
+      </p:cxnSp>
+      <p:sp>
+        <p:nvSpPr>
+          <p:cNvPr id="35" name="Rectangle 34"/>
+          <p:cNvSpPr/>
+          <p:nvPr/>
+        </p:nvSpPr>
+        <p:spPr>
+          <a:xfrm>
+            <a:off x="2451846" y="1563905"/>
+            <a:ext cx="1125072" cy="646331"/>
+          </a:xfrm>
+          <a:prstGeom prst="rect">
+            <a:avLst/>
+          </a:prstGeom>
+        </p:spPr>
+        <p:txBody>
+          <a:bodyPr wrap="square">
+            <a:spAutoFit/>
+          </a:bodyPr>
+          <a:lstStyle/>
+          <a:p>
+            <a:r>
+              <a:rPr lang="en-US" dirty="0" smtClean="0"/>
+              <a:t>Protocol on-the-fly</a:t>
+            </a:r>
+            <a:endParaRPr lang="en-US" dirty="0"/>
           </a:p>
         </p:txBody>
       </p:sp>
@@ -32021,7 +33500,7 @@
         </p:nvSpPr>
         <p:spPr>
           <a:xfrm>
-            <a:off x="2089873" y="1241902"/>
+            <a:off x="2716889" y="2482873"/>
             <a:ext cx="356260" cy="308758"/>
           </a:xfrm>
           <a:prstGeom prst="ellipse">
@@ -32090,13 +33569,142 @@
       </p:sp>
       <p:sp>
         <p:nvSpPr>
-          <p:cNvPr id="52" name="Oval 51"/>
+          <p:cNvPr id="40" name="Parchemin vertical 39"/>
           <p:cNvSpPr/>
           <p:nvPr/>
         </p:nvSpPr>
         <p:spPr>
           <a:xfrm>
-            <a:off x="5214073" y="1286726"/>
+            <a:off x="3810357" y="916890"/>
+            <a:ext cx="1213604" cy="887634"/>
+          </a:xfrm>
+          <a:prstGeom prst="verticalScroll">
+            <a:avLst/>
+          </a:prstGeom>
+          <a:solidFill>
+            <a:schemeClr val="accent5">
+              <a:lumMod val="20000"/>
+              <a:lumOff val="80000"/>
+            </a:schemeClr>
+          </a:solidFill>
+        </p:spPr>
+        <p:style>
+          <a:lnRef idx="1">
+            <a:schemeClr val="accent1"/>
+          </a:lnRef>
+          <a:fillRef idx="3">
+            <a:schemeClr val="accent1"/>
+          </a:fillRef>
+          <a:effectRef idx="2">
+            <a:schemeClr val="accent1"/>
+          </a:effectRef>
+          <a:fontRef idx="minor">
+            <a:schemeClr val="lt1"/>
+          </a:fontRef>
+        </p:style>
+        <p:txBody>
+          <a:bodyPr rtlCol="0" anchor="t"/>
+          <a:lstStyle/>
+          <a:p>
+            <a:pPr algn="ctr"/>
+            <a:r>
+              <a:rPr lang="en-US" sz="1200" dirty="0" smtClean="0">
+                <a:solidFill>
+                  <a:prstClr val="black"/>
+                </a:solidFill>
+              </a:rPr>
+              <a:t>Catalog</a:t>
+            </a:r>
+            <a:endParaRPr lang="en-US" sz="1200" dirty="0">
+              <a:solidFill>
+                <a:prstClr val="black"/>
+              </a:solidFill>
+            </a:endParaRPr>
+          </a:p>
+        </p:txBody>
+      </p:sp>
+      <p:sp>
+        <p:nvSpPr>
+          <p:cNvPr id="42" name="Oval 41"/>
+          <p:cNvSpPr/>
+          <p:nvPr/>
+        </p:nvSpPr>
+        <p:spPr>
+          <a:xfrm>
+            <a:off x="3976951" y="1410660"/>
+            <a:ext cx="356260" cy="308758"/>
+          </a:xfrm>
+          <a:prstGeom prst="ellipse">
+            <a:avLst/>
+          </a:prstGeom>
+          <a:solidFill>
+            <a:srgbClr val="C00000"/>
+          </a:solidFill>
+          <a:ln>
+            <a:solidFill>
+              <a:schemeClr val="bg1">
+                <a:lumMod val="50000"/>
+              </a:schemeClr>
+            </a:solidFill>
+          </a:ln>
+          <a:scene3d>
+            <a:camera prst="orthographicFront"/>
+            <a:lightRig rig="threePt" dir="t"/>
+          </a:scene3d>
+          <a:sp3d>
+            <a:bevelT w="165100" prst="coolSlant"/>
+          </a:sp3d>
+        </p:spPr>
+        <p:style>
+          <a:lnRef idx="2">
+            <a:schemeClr val="accent1">
+              <a:shade val="50000"/>
+            </a:schemeClr>
+          </a:lnRef>
+          <a:fillRef idx="1">
+            <a:schemeClr val="accent1"/>
+          </a:fillRef>
+          <a:effectRef idx="0">
+            <a:schemeClr val="accent1"/>
+          </a:effectRef>
+          <a:fontRef idx="minor">
+            <a:schemeClr val="lt1"/>
+          </a:fontRef>
+        </p:style>
+        <p:txBody>
+          <a:bodyPr wrap="none" lIns="0" tIns="0" rIns="0" bIns="0" rtlCol="0" anchor="ctr"/>
+          <a:lstStyle/>
+          <a:p>
+            <a:pPr algn="ctr"/>
+            <a:r>
+              <a:rPr lang="pt-PT" sz="1200" dirty="0" smtClean="0">
+                <a:effectLst>
+                  <a:outerShdw dist="50800" dir="2700000" algn="ctr" rotWithShape="0">
+                    <a:schemeClr val="tx1"/>
+                  </a:outerShdw>
+                </a:effectLst>
+              </a:rPr>
+              <a:t>H1</a:t>
+            </a:r>
+            <a:endParaRPr lang="en-US" sz="1200" dirty="0" smtClean="0">
+              <a:effectLst>
+                <a:outerShdw dist="50800" dir="2700000" algn="ctr" rotWithShape="0">
+                  <a:schemeClr val="tx1"/>
+                </a:outerShdw>
+              </a:effectLst>
+            </a:endParaRPr>
+          </a:p>
+        </p:txBody>
+      </p:sp>
+      <p:sp>
+        <p:nvSpPr>
+          <p:cNvPr id="43" name="Oval 42"/>
+          <p:cNvSpPr/>
+          <p:nvPr/>
+        </p:nvSpPr>
+        <p:spPr>
+          <a:xfrm>
+            <a:off x="4438112" y="1420555"/>
             <a:ext cx="356260" cy="308758"/>
           </a:xfrm>
           <a:prstGeom prst="ellipse">
@@ -32165,6 +33773,650 @@
       </p:sp>
       <p:cxnSp>
         <p:nvCxnSpPr>
+          <p:cNvPr id="50" name="Curved Connector 46"/>
+          <p:cNvCxnSpPr/>
+          <p:nvPr/>
+        </p:nvCxnSpPr>
+        <p:spPr>
+          <a:xfrm>
+            <a:off x="4652682" y="1788459"/>
+            <a:ext cx="1210236" cy="726141"/>
+          </a:xfrm>
+          <a:prstGeom prst="curvedConnector3">
+            <a:avLst>
+              <a:gd name="adj1" fmla="val 50000"/>
+            </a:avLst>
+          </a:prstGeom>
+          <a:ln>
+            <a:solidFill>
+              <a:schemeClr val="bg1">
+                <a:lumMod val="50000"/>
+              </a:schemeClr>
+            </a:solidFill>
+            <a:tailEnd type="arrow"/>
+          </a:ln>
+        </p:spPr>
+        <p:style>
+          <a:lnRef idx="1">
+            <a:schemeClr val="accent1"/>
+          </a:lnRef>
+          <a:fillRef idx="0">
+            <a:schemeClr val="accent1"/>
+          </a:fillRef>
+          <a:effectRef idx="0">
+            <a:schemeClr val="accent1"/>
+          </a:effectRef>
+          <a:fontRef idx="minor">
+            <a:schemeClr val="tx1"/>
+          </a:fontRef>
+        </p:style>
+      </p:cxnSp>
+      <p:sp>
+        <p:nvSpPr>
+          <p:cNvPr id="52" name="Oval 51"/>
+          <p:cNvSpPr/>
+          <p:nvPr/>
+        </p:nvSpPr>
+        <p:spPr>
+          <a:xfrm>
+            <a:off x="5841089" y="2527697"/>
+            <a:ext cx="356260" cy="308758"/>
+          </a:xfrm>
+          <a:prstGeom prst="ellipse">
+            <a:avLst/>
+          </a:prstGeom>
+          <a:solidFill>
+            <a:schemeClr val="accent5">
+              <a:lumMod val="50000"/>
+            </a:schemeClr>
+          </a:solidFill>
+          <a:ln>
+            <a:solidFill>
+              <a:schemeClr val="bg1">
+                <a:lumMod val="50000"/>
+              </a:schemeClr>
+            </a:solidFill>
+          </a:ln>
+          <a:scene3d>
+            <a:camera prst="orthographicFront"/>
+            <a:lightRig rig="threePt" dir="t"/>
+          </a:scene3d>
+          <a:sp3d>
+            <a:bevelT w="165100" prst="coolSlant"/>
+          </a:sp3d>
+        </p:spPr>
+        <p:style>
+          <a:lnRef idx="2">
+            <a:schemeClr val="accent1">
+              <a:shade val="50000"/>
+            </a:schemeClr>
+          </a:lnRef>
+          <a:fillRef idx="1">
+            <a:schemeClr val="accent1"/>
+          </a:fillRef>
+          <a:effectRef idx="0">
+            <a:schemeClr val="accent1"/>
+          </a:effectRef>
+          <a:fontRef idx="minor">
+            <a:schemeClr val="lt1"/>
+          </a:fontRef>
+        </p:style>
+        <p:txBody>
+          <a:bodyPr wrap="none" lIns="0" tIns="0" rIns="0" bIns="0" rtlCol="0" anchor="ctr"/>
+          <a:lstStyle/>
+          <a:p>
+            <a:pPr algn="ctr"/>
+            <a:r>
+              <a:rPr lang="pt-PT" sz="1200" dirty="0" smtClean="0">
+                <a:effectLst>
+                  <a:outerShdw dist="50800" dir="2700000" algn="ctr" rotWithShape="0">
+                    <a:schemeClr val="tx1"/>
+                  </a:outerShdw>
+                </a:effectLst>
+              </a:rPr>
+              <a:t>P1</a:t>
+            </a:r>
+            <a:endParaRPr lang="en-US" sz="1200" dirty="0" smtClean="0">
+              <a:effectLst>
+                <a:outerShdw dist="50800" dir="2700000" algn="ctr" rotWithShape="0">
+                  <a:schemeClr val="tx1"/>
+                </a:outerShdw>
+              </a:effectLst>
+            </a:endParaRPr>
+          </a:p>
+        </p:txBody>
+      </p:sp>
+      <p:cxnSp>
+        <p:nvCxnSpPr>
+          <p:cNvPr id="56" name="Curved Connector 46"/>
+          <p:cNvCxnSpPr/>
+          <p:nvPr/>
+        </p:nvCxnSpPr>
+        <p:spPr>
+          <a:xfrm rot="10800000" flipV="1">
+            <a:off x="3119718" y="1775011"/>
+            <a:ext cx="1371600" cy="753035"/>
+          </a:xfrm>
+          <a:prstGeom prst="curvedConnector3">
+            <a:avLst>
+              <a:gd name="adj1" fmla="val 50000"/>
+            </a:avLst>
+          </a:prstGeom>
+          <a:ln>
+            <a:solidFill>
+              <a:schemeClr val="bg1">
+                <a:lumMod val="50000"/>
+              </a:schemeClr>
+            </a:solidFill>
+            <a:tailEnd type="arrow"/>
+          </a:ln>
+        </p:spPr>
+        <p:style>
+          <a:lnRef idx="1">
+            <a:schemeClr val="accent1"/>
+          </a:lnRef>
+          <a:fillRef idx="0">
+            <a:schemeClr val="accent1"/>
+          </a:fillRef>
+          <a:effectRef idx="0">
+            <a:schemeClr val="accent1"/>
+          </a:effectRef>
+          <a:fontRef idx="minor">
+            <a:schemeClr val="tx1"/>
+          </a:fontRef>
+        </p:style>
+      </p:cxnSp>
+      <p:cxnSp>
+        <p:nvCxnSpPr>
+          <p:cNvPr id="61" name="Straight Arrow Connector 60"/>
+          <p:cNvCxnSpPr/>
+          <p:nvPr/>
+        </p:nvCxnSpPr>
+        <p:spPr>
+          <a:xfrm flipV="1">
+            <a:off x="3110752" y="2649071"/>
+            <a:ext cx="2617695" cy="13447"/>
+          </a:xfrm>
+          <a:prstGeom prst="straightConnector1">
+            <a:avLst/>
+          </a:prstGeom>
+          <a:ln w="38100">
+            <a:solidFill>
+              <a:schemeClr val="accent5">
+                <a:lumMod val="50000"/>
+              </a:schemeClr>
+            </a:solidFill>
+            <a:prstDash val="solid"/>
+            <a:headEnd type="arrow"/>
+            <a:tailEnd type="arrow"/>
+          </a:ln>
+        </p:spPr>
+        <p:style>
+          <a:lnRef idx="1">
+            <a:schemeClr val="accent1"/>
+          </a:lnRef>
+          <a:fillRef idx="0">
+            <a:schemeClr val="accent1"/>
+          </a:fillRef>
+          <a:effectRef idx="0">
+            <a:schemeClr val="accent1"/>
+          </a:effectRef>
+          <a:fontRef idx="minor">
+            <a:schemeClr val="tx1"/>
+          </a:fontRef>
+        </p:style>
+      </p:cxnSp>
+      <p:sp>
+        <p:nvSpPr>
+          <p:cNvPr id="63" name="Rectangle 62"/>
+          <p:cNvSpPr/>
+          <p:nvPr/>
+        </p:nvSpPr>
+        <p:spPr>
+          <a:xfrm>
+            <a:off x="3505199" y="4634317"/>
+            <a:ext cx="1994647" cy="369332"/>
+          </a:xfrm>
+          <a:prstGeom prst="rect">
+            <a:avLst/>
+          </a:prstGeom>
+        </p:spPr>
+        <p:txBody>
+          <a:bodyPr wrap="square">
+            <a:spAutoFit/>
+          </a:bodyPr>
+          <a:lstStyle/>
+          <a:p>
+            <a:r>
+              <a:rPr lang="en-US" dirty="0" smtClean="0"/>
+              <a:t>User Relationship</a:t>
+            </a:r>
+            <a:endParaRPr lang="en-US" dirty="0"/>
+          </a:p>
+        </p:txBody>
+      </p:sp>
+      <p:sp>
+        <p:nvSpPr>
+          <p:cNvPr id="65" name="Rectangle 64"/>
+          <p:cNvSpPr/>
+          <p:nvPr/>
+        </p:nvSpPr>
+        <p:spPr>
+          <a:xfrm>
+            <a:off x="3428999" y="3347881"/>
+            <a:ext cx="1994647" cy="369332"/>
+          </a:xfrm>
+          <a:prstGeom prst="rect">
+            <a:avLst/>
+          </a:prstGeom>
+        </p:spPr>
+        <p:txBody>
+          <a:bodyPr wrap="square">
+            <a:spAutoFit/>
+          </a:bodyPr>
+          <a:lstStyle/>
+          <a:p>
+            <a:r>
+              <a:rPr lang="en-US" dirty="0" err="1" smtClean="0"/>
+              <a:t>Hyperty</a:t>
+            </a:r>
+            <a:r>
+              <a:rPr lang="en-US" dirty="0" smtClean="0"/>
+              <a:t> Messages</a:t>
+            </a:r>
+            <a:endParaRPr lang="en-US" dirty="0"/>
+          </a:p>
+        </p:txBody>
+      </p:sp>
+      <p:sp>
+        <p:nvSpPr>
+          <p:cNvPr id="66" name="Rectangle 65"/>
+          <p:cNvSpPr/>
+          <p:nvPr/>
+        </p:nvSpPr>
+        <p:spPr>
+          <a:xfrm>
+            <a:off x="3487270" y="2706905"/>
+            <a:ext cx="1994647" cy="369332"/>
+          </a:xfrm>
+          <a:prstGeom prst="rect">
+            <a:avLst/>
+          </a:prstGeom>
+        </p:spPr>
+        <p:txBody>
+          <a:bodyPr wrap="square">
+            <a:spAutoFit/>
+          </a:bodyPr>
+          <a:lstStyle/>
+          <a:p>
+            <a:r>
+              <a:rPr lang="en-US" dirty="0" smtClean="0"/>
+              <a:t>Protocol Messages</a:t>
+            </a:r>
+            <a:endParaRPr lang="en-US" dirty="0"/>
+          </a:p>
+        </p:txBody>
+      </p:sp>
+    </p:spTree>
+  </p:cSld>
+  <p:clrMapOvr>
+    <a:masterClrMapping/>
+  </p:clrMapOvr>
+  <p:transition spd="slow">
+    <p:wipe dir="r"/>
+  </p:transition>
+</p:sld>
+</file>
+
+<file path=ppt/slides/slide5.xml><?xml version="1.0" encoding="utf-8"?>
+<p:sld xmlns:a="http://schemas.openxmlformats.org/drawingml/2006/main" xmlns:r="http://schemas.openxmlformats.org/officeDocument/2006/relationships" xmlns:p="http://schemas.openxmlformats.org/presentationml/2006/main">
+  <p:cSld>
+    <p:spTree>
+      <p:nvGrpSpPr>
+        <p:cNvPr id="1" name=""/>
+        <p:cNvGrpSpPr/>
+        <p:nvPr/>
+      </p:nvGrpSpPr>
+      <p:grpSpPr>
+        <a:xfrm>
+          <a:off x="0" y="0"/>
+          <a:ext cx="0" cy="0"/>
+          <a:chOff x="0" y="0"/>
+          <a:chExt cx="0" cy="0"/>
+        </a:xfrm>
+      </p:grpSpPr>
+      <p:sp>
+        <p:nvSpPr>
+          <p:cNvPr id="16" name="Oval 15"/>
+          <p:cNvSpPr/>
+          <p:nvPr/>
+        </p:nvSpPr>
+        <p:spPr>
+          <a:xfrm>
+            <a:off x="1178603" y="2648943"/>
+            <a:ext cx="457200" cy="457200"/>
+          </a:xfrm>
+          <a:prstGeom prst="ellipse">
+            <a:avLst/>
+          </a:prstGeom>
+          <a:solidFill>
+            <a:srgbClr val="C00000"/>
+          </a:solidFill>
+          <a:ln>
+            <a:solidFill>
+              <a:schemeClr val="bg1">
+                <a:lumMod val="50000"/>
+              </a:schemeClr>
+            </a:solidFill>
+          </a:ln>
+          <a:scene3d>
+            <a:camera prst="orthographicFront"/>
+            <a:lightRig rig="threePt" dir="t"/>
+          </a:scene3d>
+          <a:sp3d>
+            <a:bevelT w="165100" prst="coolSlant"/>
+          </a:sp3d>
+        </p:spPr>
+        <p:style>
+          <a:lnRef idx="2">
+            <a:schemeClr val="accent1">
+              <a:shade val="50000"/>
+            </a:schemeClr>
+          </a:lnRef>
+          <a:fillRef idx="1">
+            <a:schemeClr val="accent1"/>
+          </a:fillRef>
+          <a:effectRef idx="0">
+            <a:schemeClr val="accent1"/>
+          </a:effectRef>
+          <a:fontRef idx="minor">
+            <a:schemeClr val="lt1"/>
+          </a:fontRef>
+        </p:style>
+        <p:txBody>
+          <a:bodyPr wrap="none" lIns="0" tIns="0" rIns="0" bIns="0" rtlCol="0" anchor="ctr"/>
+          <a:lstStyle/>
+          <a:p>
+            <a:pPr algn="ctr"/>
+            <a:r>
+              <a:rPr lang="pt-PT" sz="1200" dirty="0" smtClean="0">
+                <a:effectLst>
+                  <a:outerShdw dist="50800" dir="2700000" algn="ctr" rotWithShape="0">
+                    <a:schemeClr val="tx1"/>
+                  </a:outerShdw>
+                </a:effectLst>
+              </a:rPr>
+              <a:t>H1</a:t>
+            </a:r>
+            <a:endParaRPr lang="en-US" sz="1200" dirty="0" smtClean="0">
+              <a:effectLst>
+                <a:outerShdw dist="50800" dir="2700000" algn="ctr" rotWithShape="0">
+                  <a:schemeClr val="tx1"/>
+                </a:outerShdw>
+              </a:effectLst>
+            </a:endParaRPr>
+          </a:p>
+        </p:txBody>
+      </p:sp>
+      <p:sp>
+        <p:nvSpPr>
+          <p:cNvPr id="18" name="Oval 17"/>
+          <p:cNvSpPr/>
+          <p:nvPr/>
+        </p:nvSpPr>
+        <p:spPr>
+          <a:xfrm>
+            <a:off x="5940015" y="2699017"/>
+            <a:ext cx="457200" cy="457200"/>
+          </a:xfrm>
+          <a:prstGeom prst="ellipse">
+            <a:avLst/>
+          </a:prstGeom>
+          <a:solidFill>
+            <a:srgbClr val="C00000"/>
+          </a:solidFill>
+          <a:ln>
+            <a:solidFill>
+              <a:schemeClr val="bg1">
+                <a:lumMod val="50000"/>
+              </a:schemeClr>
+            </a:solidFill>
+          </a:ln>
+          <a:scene3d>
+            <a:camera prst="orthographicFront"/>
+            <a:lightRig rig="threePt" dir="t"/>
+          </a:scene3d>
+          <a:sp3d>
+            <a:bevelT w="165100" prst="coolSlant"/>
+          </a:sp3d>
+        </p:spPr>
+        <p:style>
+          <a:lnRef idx="2">
+            <a:schemeClr val="accent1">
+              <a:shade val="50000"/>
+            </a:schemeClr>
+          </a:lnRef>
+          <a:fillRef idx="1">
+            <a:schemeClr val="accent1"/>
+          </a:fillRef>
+          <a:effectRef idx="0">
+            <a:schemeClr val="accent1"/>
+          </a:effectRef>
+          <a:fontRef idx="minor">
+            <a:schemeClr val="lt1"/>
+          </a:fontRef>
+        </p:style>
+        <p:txBody>
+          <a:bodyPr wrap="none" lIns="0" tIns="0" rIns="0" bIns="0" rtlCol="0" anchor="ctr"/>
+          <a:lstStyle/>
+          <a:p>
+            <a:pPr algn="ctr"/>
+            <a:r>
+              <a:rPr lang="pt-PT" sz="1200" dirty="0" smtClean="0">
+                <a:effectLst>
+                  <a:outerShdw dist="50800" dir="2700000" algn="ctr" rotWithShape="0">
+                    <a:schemeClr val="tx1"/>
+                  </a:outerShdw>
+                </a:effectLst>
+              </a:rPr>
+              <a:t>H</a:t>
+            </a:r>
+            <a:endParaRPr lang="en-US" sz="1200" dirty="0" smtClean="0">
+              <a:effectLst>
+                <a:outerShdw dist="50800" dir="2700000" algn="ctr" rotWithShape="0">
+                  <a:schemeClr val="tx1"/>
+                </a:outerShdw>
+              </a:effectLst>
+            </a:endParaRPr>
+          </a:p>
+        </p:txBody>
+      </p:sp>
+      <p:sp>
+        <p:nvSpPr>
+          <p:cNvPr id="23" name="Rectangle 22"/>
+          <p:cNvSpPr/>
+          <p:nvPr/>
+        </p:nvSpPr>
+        <p:spPr>
+          <a:xfrm>
+            <a:off x="2036270" y="234892"/>
+            <a:ext cx="4572000" cy="461665"/>
+          </a:xfrm>
+          <a:prstGeom prst="rect">
+            <a:avLst/>
+          </a:prstGeom>
+        </p:spPr>
+        <p:txBody>
+          <a:bodyPr>
+            <a:spAutoFit/>
+          </a:bodyPr>
+          <a:lstStyle/>
+          <a:p>
+            <a:pPr algn="ctr"/>
+            <a:r>
+              <a:rPr lang="en-US" sz="2400" dirty="0" err="1" smtClean="0"/>
+              <a:t>Hyperty</a:t>
+            </a:r>
+            <a:r>
+              <a:rPr lang="en-US" sz="2400" dirty="0" smtClean="0"/>
+              <a:t> Communication</a:t>
+            </a:r>
+            <a:endParaRPr lang="en-US" sz="2400" dirty="0"/>
+          </a:p>
+        </p:txBody>
+      </p:sp>
+      <p:sp>
+        <p:nvSpPr>
+          <p:cNvPr id="36" name="Oval 35"/>
+          <p:cNvSpPr/>
+          <p:nvPr/>
+        </p:nvSpPr>
+        <p:spPr>
+          <a:xfrm>
+            <a:off x="2089873" y="1241902"/>
+            <a:ext cx="356260" cy="308758"/>
+          </a:xfrm>
+          <a:prstGeom prst="ellipse">
+            <a:avLst/>
+          </a:prstGeom>
+          <a:solidFill>
+            <a:schemeClr val="accent5">
+              <a:lumMod val="50000"/>
+            </a:schemeClr>
+          </a:solidFill>
+          <a:ln>
+            <a:solidFill>
+              <a:schemeClr val="bg1">
+                <a:lumMod val="50000"/>
+              </a:schemeClr>
+            </a:solidFill>
+          </a:ln>
+          <a:scene3d>
+            <a:camera prst="orthographicFront"/>
+            <a:lightRig rig="threePt" dir="t"/>
+          </a:scene3d>
+          <a:sp3d>
+            <a:bevelT w="165100" prst="coolSlant"/>
+          </a:sp3d>
+        </p:spPr>
+        <p:style>
+          <a:lnRef idx="2">
+            <a:schemeClr val="accent1">
+              <a:shade val="50000"/>
+            </a:schemeClr>
+          </a:lnRef>
+          <a:fillRef idx="1">
+            <a:schemeClr val="accent1"/>
+          </a:fillRef>
+          <a:effectRef idx="0">
+            <a:schemeClr val="accent1"/>
+          </a:effectRef>
+          <a:fontRef idx="minor">
+            <a:schemeClr val="lt1"/>
+          </a:fontRef>
+        </p:style>
+        <p:txBody>
+          <a:bodyPr wrap="none" lIns="0" tIns="0" rIns="0" bIns="0" rtlCol="0" anchor="ctr"/>
+          <a:lstStyle/>
+          <a:p>
+            <a:pPr algn="ctr"/>
+            <a:r>
+              <a:rPr lang="pt-PT" sz="1200" dirty="0" smtClean="0">
+                <a:effectLst>
+                  <a:outerShdw dist="50800" dir="2700000" algn="ctr" rotWithShape="0">
+                    <a:schemeClr val="tx1"/>
+                  </a:outerShdw>
+                </a:effectLst>
+              </a:rPr>
+              <a:t>P1</a:t>
+            </a:r>
+            <a:endParaRPr lang="en-US" sz="1200" dirty="0" smtClean="0">
+              <a:effectLst>
+                <a:outerShdw dist="50800" dir="2700000" algn="ctr" rotWithShape="0">
+                  <a:schemeClr val="tx1"/>
+                </a:outerShdw>
+              </a:effectLst>
+            </a:endParaRPr>
+          </a:p>
+        </p:txBody>
+      </p:sp>
+      <p:sp>
+        <p:nvSpPr>
+          <p:cNvPr id="52" name="Oval 51"/>
+          <p:cNvSpPr/>
+          <p:nvPr/>
+        </p:nvSpPr>
+        <p:spPr>
+          <a:xfrm>
+            <a:off x="5214073" y="1286726"/>
+            <a:ext cx="356260" cy="308758"/>
+          </a:xfrm>
+          <a:prstGeom prst="ellipse">
+            <a:avLst/>
+          </a:prstGeom>
+          <a:solidFill>
+            <a:schemeClr val="accent5">
+              <a:lumMod val="50000"/>
+            </a:schemeClr>
+          </a:solidFill>
+          <a:ln>
+            <a:solidFill>
+              <a:schemeClr val="bg1">
+                <a:lumMod val="50000"/>
+              </a:schemeClr>
+            </a:solidFill>
+          </a:ln>
+          <a:scene3d>
+            <a:camera prst="orthographicFront"/>
+            <a:lightRig rig="threePt" dir="t"/>
+          </a:scene3d>
+          <a:sp3d>
+            <a:bevelT w="165100" prst="coolSlant"/>
+          </a:sp3d>
+        </p:spPr>
+        <p:style>
+          <a:lnRef idx="2">
+            <a:schemeClr val="accent1">
+              <a:shade val="50000"/>
+            </a:schemeClr>
+          </a:lnRef>
+          <a:fillRef idx="1">
+            <a:schemeClr val="accent1"/>
+          </a:fillRef>
+          <a:effectRef idx="0">
+            <a:schemeClr val="accent1"/>
+          </a:effectRef>
+          <a:fontRef idx="minor">
+            <a:schemeClr val="lt1"/>
+          </a:fontRef>
+        </p:style>
+        <p:txBody>
+          <a:bodyPr wrap="none" lIns="0" tIns="0" rIns="0" bIns="0" rtlCol="0" anchor="ctr"/>
+          <a:lstStyle/>
+          <a:p>
+            <a:pPr algn="ctr"/>
+            <a:r>
+              <a:rPr lang="pt-PT" sz="1200" dirty="0" smtClean="0">
+                <a:effectLst>
+                  <a:outerShdw dist="50800" dir="2700000" algn="ctr" rotWithShape="0">
+                    <a:schemeClr val="tx1"/>
+                  </a:outerShdw>
+                </a:effectLst>
+              </a:rPr>
+              <a:t>P1</a:t>
+            </a:r>
+            <a:endParaRPr lang="en-US" sz="1200" dirty="0" smtClean="0">
+              <a:effectLst>
+                <a:outerShdw dist="50800" dir="2700000" algn="ctr" rotWithShape="0">
+                  <a:schemeClr val="tx1"/>
+                </a:outerShdw>
+              </a:effectLst>
+            </a:endParaRPr>
+          </a:p>
+        </p:txBody>
+      </p:sp>
+      <p:cxnSp>
+        <p:nvCxnSpPr>
           <p:cNvPr id="61" name="Straight Arrow Connector 60"/>
           <p:cNvCxnSpPr/>
           <p:nvPr/>
@@ -32712,7 +34964,7 @@
 </p:sld>
 </file>
 
-<file path=ppt/slides/slide5.xml><?xml version="1.0" encoding="utf-8"?>
+<file path=ppt/slides/slide6.xml><?xml version="1.0" encoding="utf-8"?>
 <p:sld xmlns:a="http://schemas.openxmlformats.org/drawingml/2006/main" xmlns:r="http://schemas.openxmlformats.org/officeDocument/2006/relationships" xmlns:p="http://schemas.openxmlformats.org/presentationml/2006/main">
   <p:cSld>
     <p:spTree>
@@ -37294,7 +39546,7 @@
 </p:sld>
 </file>
 
-<file path=ppt/slides/slide6.xml><?xml version="1.0" encoding="utf-8"?>
+<file path=ppt/slides/slide7.xml><?xml version="1.0" encoding="utf-8"?>
 <p:sld xmlns:a="http://schemas.openxmlformats.org/drawingml/2006/main" xmlns:r="http://schemas.openxmlformats.org/officeDocument/2006/relationships" xmlns:p="http://schemas.openxmlformats.org/presentationml/2006/main" show="0">
   <p:cSld>
     <p:spTree>
@@ -37412,166 +39664,6 @@
           <a:xfrm>
             <a:off x="1199860" y="716259"/>
             <a:ext cx="6984263" cy="5625164"/>
-          </a:xfrm>
-          <a:prstGeom prst="rect">
-            <a:avLst/>
-          </a:prstGeom>
-          <a:noFill/>
-        </p:spPr>
-      </p:pic>
-    </p:spTree>
-  </p:cSld>
-  <p:clrMapOvr>
-    <a:masterClrMapping/>
-  </p:clrMapOvr>
-  <p:transition spd="slow"/>
-  <p:timing>
-    <p:tnLst>
-      <p:par>
-        <p:cTn id="1" dur="indefinite" restart="never" nodeType="tmRoot"/>
-      </p:par>
-    </p:tnLst>
-  </p:timing>
-</p:sld>
-</file>
-
-<file path=ppt/slides/slide7.xml><?xml version="1.0" encoding="utf-8"?>
-<p:sld xmlns:a="http://schemas.openxmlformats.org/drawingml/2006/main" xmlns:r="http://schemas.openxmlformats.org/officeDocument/2006/relationships" xmlns:p="http://schemas.openxmlformats.org/presentationml/2006/main">
-  <p:cSld>
-    <p:spTree>
-      <p:nvGrpSpPr>
-        <p:cNvPr id="1" name=""/>
-        <p:cNvGrpSpPr/>
-        <p:nvPr/>
-      </p:nvGrpSpPr>
-      <p:grpSpPr>
-        <a:xfrm>
-          <a:off x="0" y="0"/>
-          <a:ext cx="0" cy="0"/>
-          <a:chOff x="0" y="0"/>
-          <a:chExt cx="0" cy="0"/>
-        </a:xfrm>
-      </p:grpSpPr>
-      <p:sp>
-        <p:nvSpPr>
-          <p:cNvPr id="2" name="Title 1"/>
-          <p:cNvSpPr>
-            <a:spLocks noGrp="1"/>
-          </p:cNvSpPr>
-          <p:nvPr>
-            <p:ph type="title"/>
-          </p:nvPr>
-        </p:nvSpPr>
-        <p:spPr/>
-        <p:txBody>
-          <a:bodyPr/>
-          <a:lstStyle/>
-          <a:p>
-            <a:r>
-              <a:rPr lang="pt-PT" dirty="0" err="1" smtClean="0"/>
-              <a:t>Hyperty</a:t>
-            </a:r>
-            <a:r>
-              <a:rPr lang="pt-PT" dirty="0" smtClean="0"/>
-              <a:t> </a:t>
-            </a:r>
-            <a:r>
-              <a:rPr lang="pt-PT" dirty="0" err="1" smtClean="0"/>
-              <a:t>Runtime</a:t>
-            </a:r>
-            <a:r>
-              <a:rPr lang="pt-PT" dirty="0" smtClean="0"/>
-              <a:t> </a:t>
-            </a:r>
-            <a:r>
-              <a:rPr lang="pt-PT" dirty="0" err="1" smtClean="0"/>
-              <a:t>High</a:t>
-            </a:r>
-            <a:r>
-              <a:rPr lang="pt-PT" dirty="0" smtClean="0"/>
-              <a:t> </a:t>
-            </a:r>
-            <a:r>
-              <a:rPr lang="pt-PT" dirty="0" err="1" smtClean="0"/>
-              <a:t>Level</a:t>
-            </a:r>
-            <a:r>
-              <a:rPr lang="pt-PT" dirty="0" smtClean="0"/>
-              <a:t> </a:t>
-            </a:r>
-            <a:r>
-              <a:rPr lang="pt-PT" dirty="0" err="1" smtClean="0"/>
-              <a:t>Architecture</a:t>
-            </a:r>
-            <a:r>
-              <a:rPr lang="pt-PT" dirty="0" smtClean="0"/>
-              <a:t> (2)</a:t>
-            </a:r>
-            <a:endParaRPr lang="en-US" dirty="0"/>
-          </a:p>
-        </p:txBody>
-      </p:sp>
-      <p:sp>
-        <p:nvSpPr>
-          <p:cNvPr id="3" name="Content Placeholder 2"/>
-          <p:cNvSpPr>
-            <a:spLocks noGrp="1"/>
-          </p:cNvSpPr>
-          <p:nvPr>
-            <p:ph idx="1"/>
-          </p:nvPr>
-        </p:nvSpPr>
-        <p:spPr/>
-        <p:txBody>
-          <a:bodyPr/>
-          <a:lstStyle/>
-          <a:p>
-            <a:endParaRPr lang="en-US"/>
-          </a:p>
-        </p:txBody>
-      </p:sp>
-      <p:sp>
-        <p:nvSpPr>
-          <p:cNvPr id="4" name="Footer Placeholder 3"/>
-          <p:cNvSpPr>
-            <a:spLocks noGrp="1"/>
-          </p:cNvSpPr>
-          <p:nvPr>
-            <p:ph type="ftr" sz="quarter" idx="11"/>
-          </p:nvPr>
-        </p:nvSpPr>
-        <p:spPr/>
-        <p:txBody>
-          <a:bodyPr/>
-          <a:lstStyle/>
-          <a:p>
-            <a:r>
-              <a:rPr lang="en-GB" smtClean="0"/>
-              <a:t>reTHINK Project M9 Review</a:t>
-            </a:r>
-            <a:endParaRPr lang="en-GB" dirty="0"/>
-          </a:p>
-        </p:txBody>
-      </p:sp>
-      <p:pic>
-        <p:nvPicPr>
-          <p:cNvPr id="27650" name="Picture 2" descr="C:\Projectos\reTHINK\WP3\git\core-framework\docs\specs\runtime\Runtime_Architecture_high_level_unstrusted.png"/>
-          <p:cNvPicPr>
-            <a:picLocks noChangeAspect="1" noChangeArrowheads="1"/>
-          </p:cNvPicPr>
-          <p:nvPr/>
-        </p:nvPicPr>
-        <p:blipFill>
-          <a:blip r:embed="rId2" cstate="print"/>
-          <a:srcRect/>
-          <a:stretch>
-            <a:fillRect/>
-          </a:stretch>
-        </p:blipFill>
-        <p:spPr bwMode="auto">
-          <a:xfrm>
-            <a:off x="188563" y="756695"/>
-            <a:ext cx="8361672" cy="5566915"/>
           </a:xfrm>
           <a:prstGeom prst="rect">
             <a:avLst/>
@@ -37596,7 +39688,7 @@
 </file>
 
 <file path=ppt/slides/slide8.xml><?xml version="1.0" encoding="utf-8"?>
-<p:sld xmlns:a="http://schemas.openxmlformats.org/drawingml/2006/main" xmlns:r="http://schemas.openxmlformats.org/officeDocument/2006/relationships" xmlns:p="http://schemas.openxmlformats.org/presentationml/2006/main" show="0">
+<p:sld xmlns:a="http://schemas.openxmlformats.org/drawingml/2006/main" xmlns:r="http://schemas.openxmlformats.org/officeDocument/2006/relationships" xmlns:p="http://schemas.openxmlformats.org/presentationml/2006/main">
   <p:cSld>
     <p:spTree>
       <p:nvGrpSpPr>
@@ -37661,11 +39753,11 @@
             </a:r>
             <a:r>
               <a:rPr lang="pt-PT" dirty="0" err="1" smtClean="0"/>
-              <a:t>Architecturen</a:t>
+              <a:t>Architecture</a:t>
             </a:r>
             <a:r>
               <a:rPr lang="pt-PT" dirty="0" smtClean="0"/>
-              <a:t>(3)</a:t>
+              <a:t> (2)</a:t>
             </a:r>
             <a:endParaRPr lang="en-US" dirty="0"/>
           </a:p>
@@ -37715,7 +39807,7 @@
       </p:sp>
       <p:pic>
         <p:nvPicPr>
-          <p:cNvPr id="28674" name="Picture 2" descr="C:\Projectos\reTHINK\WP3\git\core-framework\docs\specs\runtime\Runtime_Architecture_high_level_pep.png"/>
+          <p:cNvPr id="27650" name="Picture 2" descr="C:\Projectos\reTHINK\WP3\git\core-framework\docs\specs\runtime\Runtime_Architecture_high_level_unstrusted.png"/>
           <p:cNvPicPr>
             <a:picLocks noChangeAspect="1" noChangeArrowheads="1"/>
           </p:cNvPicPr>
@@ -37730,8 +39822,8 @@
         </p:blipFill>
         <p:spPr bwMode="auto">
           <a:xfrm>
-            <a:off x="1725717" y="701217"/>
-            <a:ext cx="5993245" cy="5839414"/>
+            <a:off x="188563" y="756695"/>
+            <a:ext cx="8361672" cy="5566915"/>
           </a:xfrm>
           <a:prstGeom prst="rect">
             <a:avLst/>
@@ -37756,7 +39848,7 @@
 </file>
 
 <file path=ppt/slides/slide9.xml><?xml version="1.0" encoding="utf-8"?>
-<p:sld xmlns:a="http://schemas.openxmlformats.org/drawingml/2006/main" xmlns:r="http://schemas.openxmlformats.org/officeDocument/2006/relationships" xmlns:p="http://schemas.openxmlformats.org/presentationml/2006/main">
+<p:sld xmlns:a="http://schemas.openxmlformats.org/drawingml/2006/main" xmlns:r="http://schemas.openxmlformats.org/officeDocument/2006/relationships" xmlns:p="http://schemas.openxmlformats.org/presentationml/2006/main" show="0">
   <p:cSld>
     <p:spTree>
       <p:nvGrpSpPr>
@@ -37793,7 +39885,7 @@
             </a:r>
             <a:r>
               <a:rPr lang="pt-PT" dirty="0" smtClean="0"/>
-              <a:t> Core </a:t>
+              <a:t> </a:t>
             </a:r>
             <a:r>
               <a:rPr lang="pt-PT" dirty="0" err="1" smtClean="0"/>
@@ -37805,7 +39897,27 @@
             </a:r>
             <a:r>
               <a:rPr lang="pt-PT" dirty="0" err="1" smtClean="0"/>
-              <a:t>Architecture</a:t>
+              <a:t>High</a:t>
+            </a:r>
+            <a:r>
+              <a:rPr lang="pt-PT" dirty="0" smtClean="0"/>
+              <a:t> </a:t>
+            </a:r>
+            <a:r>
+              <a:rPr lang="pt-PT" dirty="0" err="1" smtClean="0"/>
+              <a:t>Level</a:t>
+            </a:r>
+            <a:r>
+              <a:rPr lang="pt-PT" dirty="0" smtClean="0"/>
+              <a:t> </a:t>
+            </a:r>
+            <a:r>
+              <a:rPr lang="pt-PT" dirty="0" err="1" smtClean="0"/>
+              <a:t>Architecturen</a:t>
+            </a:r>
+            <a:r>
+              <a:rPr lang="pt-PT" dirty="0" smtClean="0"/>
+              <a:t>(3)</a:t>
             </a:r>
             <a:endParaRPr lang="en-US" dirty="0"/>
           </a:p>
@@ -37855,16 +39967,14 @@
       </p:sp>
       <p:pic>
         <p:nvPicPr>
-          <p:cNvPr id="29699" name="Picture 3" descr="C:\Projectos\reTHINK\WP3\git\core-framework\docs\specs\runtime\Core_Runtime.png">
-            <a:hlinkClick r:id="rId2" action="ppaction://hlinkfile"/>
-          </p:cNvPr>
+          <p:cNvPr id="28674" name="Picture 2" descr="C:\Projectos\reTHINK\WP3\git\core-framework\docs\specs\runtime\Runtime_Architecture_high_level_pep.png"/>
           <p:cNvPicPr>
             <a:picLocks noChangeAspect="1" noChangeArrowheads="1"/>
           </p:cNvPicPr>
           <p:nvPr/>
         </p:nvPicPr>
         <p:blipFill>
-          <a:blip r:embed="rId3" cstate="print"/>
+          <a:blip r:embed="rId2" cstate="print"/>
           <a:srcRect/>
           <a:stretch>
             <a:fillRect/>
@@ -37872,8 +39982,8 @@
         </p:blipFill>
         <p:spPr bwMode="auto">
           <a:xfrm>
-            <a:off x="1949593" y="669749"/>
-            <a:ext cx="5341855" cy="5849805"/>
+            <a:off x="1725717" y="701217"/>
+            <a:ext cx="5993245" cy="5839414"/>
           </a:xfrm>
           <a:prstGeom prst="rect">
             <a:avLst/>
